--- a/Module 1/Performance evaluation.pptx
+++ b/Module 1/Performance evaluation.pptx
@@ -17,7 +17,17 @@
     <p:sldId id="266" r:id="rId11"/>
     <p:sldId id="267" r:id="rId12"/>
     <p:sldId id="268" r:id="rId13"/>
-    <p:sldId id="261" r:id="rId14"/>
+    <p:sldId id="270" r:id="rId14"/>
+    <p:sldId id="269" r:id="rId15"/>
+    <p:sldId id="271" r:id="rId16"/>
+    <p:sldId id="272" r:id="rId17"/>
+    <p:sldId id="273" r:id="rId18"/>
+    <p:sldId id="274" r:id="rId19"/>
+    <p:sldId id="276" r:id="rId20"/>
+    <p:sldId id="275" r:id="rId21"/>
+    <p:sldId id="277" r:id="rId22"/>
+    <p:sldId id="278" r:id="rId23"/>
+    <p:sldId id="261" r:id="rId24"/>
   </p:sldIdLst>
   <p:sldSz cx="12192000" cy="6858000"/>
   <p:notesSz cx="6858000" cy="9144000"/>
@@ -273,7 +283,7 @@
           <a:p>
             <a:fld id="{C4F46EE1-8E4E-4FE2-8729-DD74CF339378}" type="datetimeFigureOut">
               <a:rPr lang="en-IN" smtClean="0"/>
-              <a:t>27-08-2025</a:t>
+              <a:t>08-09-2025</a:t>
             </a:fld>
             <a:endParaRPr lang="en-IN"/>
           </a:p>
@@ -473,7 +483,7 @@
           <a:p>
             <a:fld id="{C4F46EE1-8E4E-4FE2-8729-DD74CF339378}" type="datetimeFigureOut">
               <a:rPr lang="en-IN" smtClean="0"/>
-              <a:t>27-08-2025</a:t>
+              <a:t>08-09-2025</a:t>
             </a:fld>
             <a:endParaRPr lang="en-IN"/>
           </a:p>
@@ -683,7 +693,7 @@
           <a:p>
             <a:fld id="{C4F46EE1-8E4E-4FE2-8729-DD74CF339378}" type="datetimeFigureOut">
               <a:rPr lang="en-IN" smtClean="0"/>
-              <a:t>27-08-2025</a:t>
+              <a:t>08-09-2025</a:t>
             </a:fld>
             <a:endParaRPr lang="en-IN"/>
           </a:p>
@@ -883,7 +893,7 @@
           <a:p>
             <a:fld id="{C4F46EE1-8E4E-4FE2-8729-DD74CF339378}" type="datetimeFigureOut">
               <a:rPr lang="en-IN" smtClean="0"/>
-              <a:t>27-08-2025</a:t>
+              <a:t>08-09-2025</a:t>
             </a:fld>
             <a:endParaRPr lang="en-IN"/>
           </a:p>
@@ -1159,7 +1169,7 @@
           <a:p>
             <a:fld id="{C4F46EE1-8E4E-4FE2-8729-DD74CF339378}" type="datetimeFigureOut">
               <a:rPr lang="en-IN" smtClean="0"/>
-              <a:t>27-08-2025</a:t>
+              <a:t>08-09-2025</a:t>
             </a:fld>
             <a:endParaRPr lang="en-IN"/>
           </a:p>
@@ -1427,7 +1437,7 @@
           <a:p>
             <a:fld id="{C4F46EE1-8E4E-4FE2-8729-DD74CF339378}" type="datetimeFigureOut">
               <a:rPr lang="en-IN" smtClean="0"/>
-              <a:t>27-08-2025</a:t>
+              <a:t>08-09-2025</a:t>
             </a:fld>
             <a:endParaRPr lang="en-IN"/>
           </a:p>
@@ -1842,7 +1852,7 @@
           <a:p>
             <a:fld id="{C4F46EE1-8E4E-4FE2-8729-DD74CF339378}" type="datetimeFigureOut">
               <a:rPr lang="en-IN" smtClean="0"/>
-              <a:t>27-08-2025</a:t>
+              <a:t>08-09-2025</a:t>
             </a:fld>
             <a:endParaRPr lang="en-IN"/>
           </a:p>
@@ -1984,7 +1994,7 @@
           <a:p>
             <a:fld id="{C4F46EE1-8E4E-4FE2-8729-DD74CF339378}" type="datetimeFigureOut">
               <a:rPr lang="en-IN" smtClean="0"/>
-              <a:t>27-08-2025</a:t>
+              <a:t>08-09-2025</a:t>
             </a:fld>
             <a:endParaRPr lang="en-IN"/>
           </a:p>
@@ -2097,7 +2107,7 @@
           <a:p>
             <a:fld id="{C4F46EE1-8E4E-4FE2-8729-DD74CF339378}" type="datetimeFigureOut">
               <a:rPr lang="en-IN" smtClean="0"/>
-              <a:t>27-08-2025</a:t>
+              <a:t>08-09-2025</a:t>
             </a:fld>
             <a:endParaRPr lang="en-IN"/>
           </a:p>
@@ -2410,7 +2420,7 @@
           <a:p>
             <a:fld id="{C4F46EE1-8E4E-4FE2-8729-DD74CF339378}" type="datetimeFigureOut">
               <a:rPr lang="en-IN" smtClean="0"/>
-              <a:t>27-08-2025</a:t>
+              <a:t>08-09-2025</a:t>
             </a:fld>
             <a:endParaRPr lang="en-IN"/>
           </a:p>
@@ -2699,7 +2709,7 @@
           <a:p>
             <a:fld id="{C4F46EE1-8E4E-4FE2-8729-DD74CF339378}" type="datetimeFigureOut">
               <a:rPr lang="en-IN" smtClean="0"/>
-              <a:t>27-08-2025</a:t>
+              <a:t>08-09-2025</a:t>
             </a:fld>
             <a:endParaRPr lang="en-IN"/>
           </a:p>
@@ -2942,7 +2952,7 @@
           <a:p>
             <a:fld id="{C4F46EE1-8E4E-4FE2-8729-DD74CF339378}" type="datetimeFigureOut">
               <a:rPr lang="en-IN" smtClean="0"/>
-              <a:t>27-08-2025</a:t>
+              <a:t>08-09-2025</a:t>
             </a:fld>
             <a:endParaRPr lang="en-IN"/>
           </a:p>
@@ -3835,21 +3845,27 @@
         </p:nvSpPr>
         <p:spPr>
           <a:xfrm>
-            <a:off x="838200" y="365126"/>
+            <a:off x="723900" y="98426"/>
             <a:ext cx="10515600" cy="882650"/>
           </a:xfrm>
         </p:spPr>
         <p:txBody>
-          <a:bodyPr/>
+          <a:bodyPr>
+            <a:normAutofit/>
+          </a:bodyPr>
           <a:lstStyle/>
           <a:p>
             <a:r>
-              <a:rPr lang="en-IN" dirty="0">
+              <a:rPr lang="en-IN" sz="4000">
                 <a:latin typeface="Times New Roman" panose="02020603050405020304" pitchFamily="18" charset="0"/>
                 <a:cs typeface="Times New Roman" panose="02020603050405020304" pitchFamily="18" charset="0"/>
               </a:rPr>
               <a:t>Classification metrics</a:t>
             </a:r>
+            <a:endParaRPr lang="en-IN" sz="4000" dirty="0">
+              <a:latin typeface="Times New Roman" panose="02020603050405020304" pitchFamily="18" charset="0"/>
+              <a:cs typeface="Times New Roman" panose="02020603050405020304" pitchFamily="18" charset="0"/>
+            </a:endParaRPr>
           </a:p>
         </p:txBody>
       </p:sp>
@@ -3871,8 +3887,8 @@
         </p:nvSpPr>
         <p:spPr>
           <a:xfrm>
-            <a:off x="838200" y="1590675"/>
-            <a:ext cx="10515600" cy="4586288"/>
+            <a:off x="723900" y="1085850"/>
+            <a:ext cx="10639426" cy="5305425"/>
           </a:xfrm>
         </p:spPr>
         <p:txBody>
@@ -3881,31 +3897,239 @@
           </a:bodyPr>
           <a:lstStyle/>
           <a:p>
+            <a:pPr algn="just"/>
+            <a:r>
+              <a:rPr lang="en-IN" sz="2400" b="1" dirty="0">
+                <a:latin typeface="Times New Roman" panose="02020603050405020304" pitchFamily="18" charset="0"/>
+                <a:cs typeface="Times New Roman" panose="02020603050405020304" pitchFamily="18" charset="0"/>
+              </a:rPr>
+              <a:t>True positive (TP) </a:t>
+            </a:r>
             <a:r>
               <a:rPr lang="en-IN" sz="2400" dirty="0">
                 <a:latin typeface="Times New Roman" panose="02020603050405020304" pitchFamily="18" charset="0"/>
                 <a:cs typeface="Times New Roman" panose="02020603050405020304" pitchFamily="18" charset="0"/>
               </a:rPr>
-              <a:t>Accuracy = correct predictions/total predictions</a:t>
-            </a:r>
-          </a:p>
-          <a:p>
+              <a:t>- The system correctly predicts something as </a:t>
+            </a:r>
+            <a:r>
+              <a:rPr lang="en-IN" sz="2400" i="1" dirty="0">
+                <a:latin typeface="Times New Roman" panose="02020603050405020304" pitchFamily="18" charset="0"/>
+                <a:cs typeface="Times New Roman" panose="02020603050405020304" pitchFamily="18" charset="0"/>
+              </a:rPr>
+              <a:t>positive</a:t>
+            </a:r>
             <a:r>
               <a:rPr lang="en-IN" sz="2400" dirty="0">
                 <a:latin typeface="Times New Roman" panose="02020603050405020304" pitchFamily="18" charset="0"/>
                 <a:cs typeface="Times New Roman" panose="02020603050405020304" pitchFamily="18" charset="0"/>
               </a:rPr>
-              <a:t>Precision = TP/(TP + FP)</a:t>
-            </a:r>
-          </a:p>
-          <a:p>
+              <a:t> when it really is positive. </a:t>
+            </a:r>
+          </a:p>
+          <a:p>
+            <a:pPr marL="457200" lvl="1" indent="0" algn="just">
+              <a:buNone/>
+            </a:pPr>
+            <a:r>
+              <a:rPr lang="en-IN" sz="2200" dirty="0">
+                <a:latin typeface="Times New Roman" panose="02020603050405020304" pitchFamily="18" charset="0"/>
+                <a:cs typeface="Times New Roman" panose="02020603050405020304" pitchFamily="18" charset="0"/>
+              </a:rPr>
+              <a:t>   	Example: A medical test correctly identifies a sick patient as sick.</a:t>
+            </a:r>
+          </a:p>
+          <a:p>
+            <a:pPr algn="just"/>
+            <a:endParaRPr lang="en-IN" sz="2400" b="1" dirty="0">
+              <a:latin typeface="Times New Roman" panose="02020603050405020304" pitchFamily="18" charset="0"/>
+              <a:cs typeface="Times New Roman" panose="02020603050405020304" pitchFamily="18" charset="0"/>
+            </a:endParaRPr>
+          </a:p>
+          <a:p>
+            <a:pPr algn="just"/>
+            <a:r>
+              <a:rPr lang="en-IN" sz="2400" b="1" dirty="0">
+                <a:latin typeface="Times New Roman" panose="02020603050405020304" pitchFamily="18" charset="0"/>
+                <a:cs typeface="Times New Roman" panose="02020603050405020304" pitchFamily="18" charset="0"/>
+              </a:rPr>
+              <a:t>True Negative (TN) -</a:t>
+            </a:r>
             <a:r>
               <a:rPr lang="en-IN" sz="2400" dirty="0">
                 <a:latin typeface="Times New Roman" panose="02020603050405020304" pitchFamily="18" charset="0"/>
                 <a:cs typeface="Times New Roman" panose="02020603050405020304" pitchFamily="18" charset="0"/>
               </a:rPr>
-              <a:t>Recall = TP/(TP + FN)</a:t>
-            </a:r>
+              <a:t> The system correctly predicts something as </a:t>
+            </a:r>
+            <a:r>
+              <a:rPr lang="en-IN" sz="2400" i="1" dirty="0">
+                <a:latin typeface="Times New Roman" panose="02020603050405020304" pitchFamily="18" charset="0"/>
+                <a:cs typeface="Times New Roman" panose="02020603050405020304" pitchFamily="18" charset="0"/>
+              </a:rPr>
+              <a:t>negative</a:t>
+            </a:r>
+            <a:r>
+              <a:rPr lang="en-IN" sz="2400" dirty="0">
+                <a:latin typeface="Times New Roman" panose="02020603050405020304" pitchFamily="18" charset="0"/>
+                <a:cs typeface="Times New Roman" panose="02020603050405020304" pitchFamily="18" charset="0"/>
+              </a:rPr>
+              <a:t> when it really is negative.</a:t>
+            </a:r>
+          </a:p>
+          <a:p>
+            <a:pPr marL="457200" lvl="1" indent="0" algn="just">
+              <a:buNone/>
+            </a:pPr>
+            <a:r>
+              <a:rPr lang="en-IN" sz="2200" dirty="0">
+                <a:latin typeface="Times New Roman" panose="02020603050405020304" pitchFamily="18" charset="0"/>
+                <a:cs typeface="Times New Roman" panose="02020603050405020304" pitchFamily="18" charset="0"/>
+              </a:rPr>
+              <a:t>	Example: A medical test correctly identifies a healthy patient as healthy.</a:t>
+            </a:r>
+          </a:p>
+          <a:p>
+            <a:pPr algn="just"/>
+            <a:endParaRPr lang="en-IN" sz="2400" b="1" dirty="0">
+              <a:latin typeface="Times New Roman" panose="02020603050405020304" pitchFamily="18" charset="0"/>
+              <a:cs typeface="Times New Roman" panose="02020603050405020304" pitchFamily="18" charset="0"/>
+            </a:endParaRPr>
+          </a:p>
+          <a:p>
+            <a:pPr algn="just"/>
+            <a:r>
+              <a:rPr lang="en-IN" sz="2400" b="1" dirty="0">
+                <a:latin typeface="Times New Roman" panose="02020603050405020304" pitchFamily="18" charset="0"/>
+                <a:cs typeface="Times New Roman" panose="02020603050405020304" pitchFamily="18" charset="0"/>
+              </a:rPr>
+              <a:t>False Positive (FP) </a:t>
+            </a:r>
+            <a:r>
+              <a:rPr lang="en-IN" sz="2400" dirty="0">
+                <a:latin typeface="Times New Roman" panose="02020603050405020304" pitchFamily="18" charset="0"/>
+                <a:cs typeface="Times New Roman" panose="02020603050405020304" pitchFamily="18" charset="0"/>
+              </a:rPr>
+              <a:t>- The system predicts </a:t>
+            </a:r>
+            <a:r>
+              <a:rPr lang="en-IN" sz="2400" i="1" dirty="0">
+                <a:latin typeface="Times New Roman" panose="02020603050405020304" pitchFamily="18" charset="0"/>
+                <a:cs typeface="Times New Roman" panose="02020603050405020304" pitchFamily="18" charset="0"/>
+              </a:rPr>
+              <a:t>positive</a:t>
+            </a:r>
+            <a:r>
+              <a:rPr lang="en-IN" sz="2400" dirty="0">
+                <a:latin typeface="Times New Roman" panose="02020603050405020304" pitchFamily="18" charset="0"/>
+                <a:cs typeface="Times New Roman" panose="02020603050405020304" pitchFamily="18" charset="0"/>
+              </a:rPr>
+              <a:t> when in reality it is </a:t>
+            </a:r>
+            <a:r>
+              <a:rPr lang="en-IN" sz="2400" i="1" dirty="0">
+                <a:latin typeface="Times New Roman" panose="02020603050405020304" pitchFamily="18" charset="0"/>
+                <a:cs typeface="Times New Roman" panose="02020603050405020304" pitchFamily="18" charset="0"/>
+              </a:rPr>
+              <a:t>negative</a:t>
+            </a:r>
+            <a:r>
+              <a:rPr lang="en-IN" sz="2400" dirty="0">
+                <a:latin typeface="Times New Roman" panose="02020603050405020304" pitchFamily="18" charset="0"/>
+                <a:cs typeface="Times New Roman" panose="02020603050405020304" pitchFamily="18" charset="0"/>
+              </a:rPr>
+              <a:t>.</a:t>
+            </a:r>
+          </a:p>
+          <a:p>
+            <a:pPr marL="457200" lvl="1" indent="0" algn="just">
+              <a:buNone/>
+            </a:pPr>
+            <a:r>
+              <a:rPr lang="en-IN" sz="2200" dirty="0">
+                <a:latin typeface="Times New Roman" panose="02020603050405020304" pitchFamily="18" charset="0"/>
+                <a:cs typeface="Times New Roman" panose="02020603050405020304" pitchFamily="18" charset="0"/>
+              </a:rPr>
+              <a:t>	Example: A medical test says a healthy patient is sick (false alarm).</a:t>
+            </a:r>
+          </a:p>
+          <a:p>
+            <a:pPr algn="just"/>
+            <a:endParaRPr lang="en-IN" sz="2400" b="1" dirty="0">
+              <a:latin typeface="Times New Roman" panose="02020603050405020304" pitchFamily="18" charset="0"/>
+              <a:cs typeface="Times New Roman" panose="02020603050405020304" pitchFamily="18" charset="0"/>
+            </a:endParaRPr>
+          </a:p>
+          <a:p>
+            <a:pPr algn="just"/>
+            <a:r>
+              <a:rPr lang="en-IN" sz="2400" b="1" dirty="0">
+                <a:latin typeface="Times New Roman" panose="02020603050405020304" pitchFamily="18" charset="0"/>
+                <a:cs typeface="Times New Roman" panose="02020603050405020304" pitchFamily="18" charset="0"/>
+              </a:rPr>
+              <a:t>False Negative (FN) </a:t>
+            </a:r>
+            <a:r>
+              <a:rPr lang="en-IN" sz="2400" dirty="0">
+                <a:latin typeface="Times New Roman" panose="02020603050405020304" pitchFamily="18" charset="0"/>
+                <a:cs typeface="Times New Roman" panose="02020603050405020304" pitchFamily="18" charset="0"/>
+              </a:rPr>
+              <a:t>- The system predicts </a:t>
+            </a:r>
+            <a:r>
+              <a:rPr lang="en-IN" sz="2400" i="1" dirty="0">
+                <a:latin typeface="Times New Roman" panose="02020603050405020304" pitchFamily="18" charset="0"/>
+                <a:cs typeface="Times New Roman" panose="02020603050405020304" pitchFamily="18" charset="0"/>
+              </a:rPr>
+              <a:t>negative</a:t>
+            </a:r>
+            <a:r>
+              <a:rPr lang="en-IN" sz="2400" dirty="0">
+                <a:latin typeface="Times New Roman" panose="02020603050405020304" pitchFamily="18" charset="0"/>
+                <a:cs typeface="Times New Roman" panose="02020603050405020304" pitchFamily="18" charset="0"/>
+              </a:rPr>
+              <a:t> when in reality it is </a:t>
+            </a:r>
+            <a:r>
+              <a:rPr lang="en-IN" sz="2400" i="1" dirty="0">
+                <a:latin typeface="Times New Roman" panose="02020603050405020304" pitchFamily="18" charset="0"/>
+                <a:cs typeface="Times New Roman" panose="02020603050405020304" pitchFamily="18" charset="0"/>
+              </a:rPr>
+              <a:t>positive</a:t>
+            </a:r>
+            <a:r>
+              <a:rPr lang="en-IN" sz="2400" dirty="0">
+                <a:latin typeface="Times New Roman" panose="02020603050405020304" pitchFamily="18" charset="0"/>
+                <a:cs typeface="Times New Roman" panose="02020603050405020304" pitchFamily="18" charset="0"/>
+              </a:rPr>
+              <a:t>.</a:t>
+            </a:r>
+          </a:p>
+          <a:p>
+            <a:pPr marL="457200" lvl="1" indent="0" algn="just">
+              <a:buNone/>
+            </a:pPr>
+            <a:r>
+              <a:rPr lang="en-IN" sz="2200" dirty="0">
+                <a:latin typeface="Times New Roman" panose="02020603050405020304" pitchFamily="18" charset="0"/>
+                <a:cs typeface="Times New Roman" panose="02020603050405020304" pitchFamily="18" charset="0"/>
+              </a:rPr>
+              <a:t>	Example: A medical test says a sick patient is healthy (missed detection).</a:t>
+            </a:r>
+          </a:p>
+          <a:p>
+            <a:pPr algn="just"/>
+            <a:endParaRPr lang="en-IN" sz="2400" dirty="0">
+              <a:latin typeface="Times New Roman" panose="02020603050405020304" pitchFamily="18" charset="0"/>
+              <a:cs typeface="Times New Roman" panose="02020603050405020304" pitchFamily="18" charset="0"/>
+            </a:endParaRPr>
+          </a:p>
+          <a:p>
+            <a:pPr algn="just"/>
+            <a:endParaRPr lang="en-IN" sz="2400" dirty="0">
+              <a:latin typeface="Times New Roman" panose="02020603050405020304" pitchFamily="18" charset="0"/>
+              <a:cs typeface="Times New Roman" panose="02020603050405020304" pitchFamily="18" charset="0"/>
+            </a:endParaRPr>
           </a:p>
         </p:txBody>
       </p:sp>
@@ -3927,7 +4151,13 @@
   <p:cSld>
     <p:spTree>
       <p:nvGrpSpPr>
-        <p:cNvPr id="1" name=""/>
+        <p:cNvPr id="1" name="">
+          <a:extLst>
+            <a:ext uri="{FF2B5EF4-FFF2-40B4-BE49-F238E27FC236}">
+              <a16:creationId xmlns:a16="http://schemas.microsoft.com/office/drawing/2014/main" id="{B2905A9D-3177-01F3-3AF1-6810277A5106}"/>
+            </a:ext>
+          </a:extLst>
+        </p:cNvPr>
         <p:cNvGrpSpPr/>
         <p:nvPr/>
       </p:nvGrpSpPr>
@@ -3944,7 +4174,7 @@
           <p:cNvPr id="2" name="Title 1">
             <a:extLst>
               <a:ext uri="{FF2B5EF4-FFF2-40B4-BE49-F238E27FC236}">
-                <a16:creationId xmlns:a16="http://schemas.microsoft.com/office/drawing/2014/main" id="{12BAE668-70E7-282E-9ED8-43B6BE9F6EC4}"/>
+                <a16:creationId xmlns:a16="http://schemas.microsoft.com/office/drawing/2014/main" id="{7032D24E-525A-43AE-9EF9-9E55414ABDFA}"/>
               </a:ext>
             </a:extLst>
           </p:cNvPr>
@@ -3955,7 +4185,12 @@
             <p:ph type="title"/>
           </p:nvPr>
         </p:nvSpPr>
-        <p:spPr/>
+        <p:spPr>
+          <a:xfrm>
+            <a:off x="623887" y="441326"/>
+            <a:ext cx="10515600" cy="882650"/>
+          </a:xfrm>
+        </p:spPr>
         <p:txBody>
           <a:bodyPr>
             <a:normAutofit/>
@@ -3967,7 +4202,7 @@
                 <a:latin typeface="Times New Roman" panose="02020603050405020304" pitchFamily="18" charset="0"/>
                 <a:cs typeface="Times New Roman" panose="02020603050405020304" pitchFamily="18" charset="0"/>
               </a:rPr>
-              <a:t>References</a:t>
+              <a:t>Classification metrics</a:t>
             </a:r>
           </a:p>
         </p:txBody>
@@ -3977,7 +4212,7 @@
           <p:cNvPr id="3" name="Content Placeholder 2">
             <a:extLst>
               <a:ext uri="{FF2B5EF4-FFF2-40B4-BE49-F238E27FC236}">
-                <a16:creationId xmlns:a16="http://schemas.microsoft.com/office/drawing/2014/main" id="{DD89D34B-F3FB-B774-EC5C-F81F8C4F1EDB}"/>
+                <a16:creationId xmlns:a16="http://schemas.microsoft.com/office/drawing/2014/main" id="{E33D440A-3B98-49E9-4173-BEC4522F2F30}"/>
               </a:ext>
             </a:extLst>
           </p:cNvPr>
@@ -3988,31 +4223,988 @@
             <p:ph idx="1"/>
           </p:nvPr>
         </p:nvSpPr>
-        <p:spPr/>
+        <p:spPr>
+          <a:xfrm>
+            <a:off x="838200" y="1247776"/>
+            <a:ext cx="10515600" cy="5391149"/>
+          </a:xfrm>
+        </p:spPr>
         <p:txBody>
-          <a:bodyPr/>
+          <a:bodyPr>
+            <a:normAutofit/>
+          </a:bodyPr>
           <a:lstStyle/>
           <a:p>
-            <a:r>
-              <a:rPr lang="en-IN" dirty="0">
-                <a:latin typeface="Times New Roman" panose="02020603050405020304" pitchFamily="18" charset="0"/>
-                <a:cs typeface="Times New Roman" panose="02020603050405020304" pitchFamily="18" charset="0"/>
-                <a:hlinkClick r:id="rId2"/>
-              </a:rPr>
-              <a:t>https://medium.com/@sahin.samia/ml-series-8-understanding-the-bias-variance-tradeoff-in-machine-learning-1182e78e4d2d</a:t>
-            </a:r>
-            <a:endParaRPr lang="en-IN" dirty="0">
+            <a:pPr algn="just"/>
+            <a:endParaRPr lang="en-IN" sz="2400" dirty="0">
               <a:latin typeface="Times New Roman" panose="02020603050405020304" pitchFamily="18" charset="0"/>
               <a:cs typeface="Times New Roman" panose="02020603050405020304" pitchFamily="18" charset="0"/>
             </a:endParaRPr>
           </a:p>
           <a:p>
-            <a:r>
-              <a:rPr lang="en-IN" dirty="0">
-                <a:latin typeface="Times New Roman" panose="02020603050405020304" pitchFamily="18" charset="0"/>
-                <a:cs typeface="Times New Roman" panose="02020603050405020304" pitchFamily="18" charset="0"/>
-              </a:rPr>
-              <a:t>https://www.youtube.com/watch?v=EuBBz3bI-aA&amp;ab_channel=StatQuestwithJoshStarmer</a:t>
+            <a:pPr algn="just"/>
+            <a:endParaRPr lang="en-IN" sz="2400" dirty="0">
+              <a:latin typeface="Times New Roman" panose="02020603050405020304" pitchFamily="18" charset="0"/>
+              <a:cs typeface="Times New Roman" panose="02020603050405020304" pitchFamily="18" charset="0"/>
+            </a:endParaRPr>
+          </a:p>
+        </p:txBody>
+      </p:sp>
+      <p:graphicFrame>
+        <p:nvGraphicFramePr>
+          <p:cNvPr id="4" name="Table 3">
+            <a:extLst>
+              <a:ext uri="{FF2B5EF4-FFF2-40B4-BE49-F238E27FC236}">
+                <a16:creationId xmlns:a16="http://schemas.microsoft.com/office/drawing/2014/main" id="{583AA597-FFBA-7888-715C-AC1FDB68D3A8}"/>
+              </a:ext>
+            </a:extLst>
+          </p:cNvPr>
+          <p:cNvGraphicFramePr>
+            <a:graphicFrameLocks noGrp="1"/>
+          </p:cNvGraphicFramePr>
+          <p:nvPr>
+            <p:extLst>
+              <p:ext uri="{D42A27DB-BD31-4B8C-83A1-F6EECF244321}">
+                <p14:modId xmlns:p14="http://schemas.microsoft.com/office/powerpoint/2010/main" val="2616591106"/>
+              </p:ext>
+            </p:extLst>
+          </p:nvPr>
+        </p:nvGraphicFramePr>
+        <p:xfrm>
+          <a:off x="3243262" y="2390776"/>
+          <a:ext cx="5705476" cy="2419349"/>
+        </p:xfrm>
+        <a:graphic>
+          <a:graphicData uri="http://schemas.openxmlformats.org/drawingml/2006/table">
+            <a:tbl>
+              <a:tblPr firstRow="1" bandRow="1">
+                <a:tableStyleId>{3B4B98B0-60AC-42C2-AFA5-B58CD77FA1E5}</a:tableStyleId>
+              </a:tblPr>
+              <a:tblGrid>
+                <a:gridCol w="501609">
+                  <a:extLst>
+                    <a:ext uri="{9D8B030D-6E8A-4147-A177-3AD203B41FA5}">
+                      <a16:colId xmlns:a16="http://schemas.microsoft.com/office/drawing/2014/main" val="505336705"/>
+                    </a:ext>
+                  </a:extLst>
+                </a:gridCol>
+                <a:gridCol w="1546267">
+                  <a:extLst>
+                    <a:ext uri="{9D8B030D-6E8A-4147-A177-3AD203B41FA5}">
+                      <a16:colId xmlns:a16="http://schemas.microsoft.com/office/drawing/2014/main" val="1578280072"/>
+                    </a:ext>
+                  </a:extLst>
+                </a:gridCol>
+                <a:gridCol w="1762125">
+                  <a:extLst>
+                    <a:ext uri="{9D8B030D-6E8A-4147-A177-3AD203B41FA5}">
+                      <a16:colId xmlns:a16="http://schemas.microsoft.com/office/drawing/2014/main" val="1764219532"/>
+                    </a:ext>
+                  </a:extLst>
+                </a:gridCol>
+                <a:gridCol w="1895475">
+                  <a:extLst>
+                    <a:ext uri="{9D8B030D-6E8A-4147-A177-3AD203B41FA5}">
+                      <a16:colId xmlns:a16="http://schemas.microsoft.com/office/drawing/2014/main" val="4032761241"/>
+                    </a:ext>
+                  </a:extLst>
+                </a:gridCol>
+              </a:tblGrid>
+              <a:tr h="505036">
+                <a:tc>
+                  <a:txBody>
+                    <a:bodyPr/>
+                    <a:lstStyle/>
+                    <a:p>
+                      <a:endParaRPr lang="en-IN" sz="2000" dirty="0">
+                        <a:latin typeface="Times New Roman" panose="02020603050405020304" pitchFamily="18" charset="0"/>
+                        <a:cs typeface="Times New Roman" panose="02020603050405020304" pitchFamily="18" charset="0"/>
+                      </a:endParaRPr>
+                    </a:p>
+                  </a:txBody>
+                  <a:tcPr>
+                    <a:lnL w="12700" cap="flat" cmpd="sng" algn="ctr">
+                      <a:solidFill>
+                        <a:schemeClr val="tx1"/>
+                      </a:solidFill>
+                      <a:prstDash val="solid"/>
+                      <a:round/>
+                      <a:headEnd type="none" w="med" len="med"/>
+                      <a:tailEnd type="none" w="med" len="med"/>
+                    </a:lnL>
+                    <a:lnR w="12700" cap="flat" cmpd="sng" algn="ctr">
+                      <a:solidFill>
+                        <a:schemeClr val="tx1"/>
+                      </a:solidFill>
+                      <a:prstDash val="solid"/>
+                      <a:round/>
+                      <a:headEnd type="none" w="med" len="med"/>
+                      <a:tailEnd type="none" w="med" len="med"/>
+                    </a:lnR>
+                    <a:lnT w="12700" cap="flat" cmpd="sng" algn="ctr">
+                      <a:solidFill>
+                        <a:schemeClr val="tx1"/>
+                      </a:solidFill>
+                      <a:prstDash val="solid"/>
+                      <a:round/>
+                      <a:headEnd type="none" w="med" len="med"/>
+                      <a:tailEnd type="none" w="med" len="med"/>
+                    </a:lnT>
+                    <a:lnB w="12700" cap="flat" cmpd="sng" algn="ctr">
+                      <a:solidFill>
+                        <a:schemeClr val="tx1"/>
+                      </a:solidFill>
+                      <a:prstDash val="solid"/>
+                      <a:round/>
+                      <a:headEnd type="none" w="med" len="med"/>
+                      <a:tailEnd type="none" w="med" len="med"/>
+                    </a:lnB>
+                  </a:tcPr>
+                </a:tc>
+                <a:tc gridSpan="3">
+                  <a:txBody>
+                    <a:bodyPr/>
+                    <a:lstStyle/>
+                    <a:p>
+                      <a:pPr algn="ctr"/>
+                      <a:r>
+                        <a:rPr lang="en-IN" sz="2000" b="1" dirty="0">
+                          <a:latin typeface="Times New Roman" panose="02020603050405020304" pitchFamily="18" charset="0"/>
+                          <a:cs typeface="Times New Roman" panose="02020603050405020304" pitchFamily="18" charset="0"/>
+                        </a:rPr>
+                        <a:t>Actual</a:t>
+                      </a:r>
+                    </a:p>
+                  </a:txBody>
+                  <a:tcPr>
+                    <a:lnL w="12700" cap="flat" cmpd="sng" algn="ctr">
+                      <a:solidFill>
+                        <a:schemeClr val="tx1"/>
+                      </a:solidFill>
+                      <a:prstDash val="solid"/>
+                      <a:round/>
+                      <a:headEnd type="none" w="med" len="med"/>
+                      <a:tailEnd type="none" w="med" len="med"/>
+                    </a:lnL>
+                    <a:lnR w="12700" cap="flat" cmpd="sng" algn="ctr">
+                      <a:solidFill>
+                        <a:schemeClr val="tx1"/>
+                      </a:solidFill>
+                      <a:prstDash val="solid"/>
+                      <a:round/>
+                      <a:headEnd type="none" w="med" len="med"/>
+                      <a:tailEnd type="none" w="med" len="med"/>
+                    </a:lnR>
+                    <a:lnT w="12700" cap="flat" cmpd="sng" algn="ctr">
+                      <a:solidFill>
+                        <a:schemeClr val="tx1"/>
+                      </a:solidFill>
+                      <a:prstDash val="solid"/>
+                      <a:round/>
+                      <a:headEnd type="none" w="med" len="med"/>
+                      <a:tailEnd type="none" w="med" len="med"/>
+                    </a:lnT>
+                    <a:lnB w="12700" cap="flat" cmpd="sng" algn="ctr">
+                      <a:solidFill>
+                        <a:schemeClr val="tx1"/>
+                      </a:solidFill>
+                      <a:prstDash val="solid"/>
+                      <a:round/>
+                      <a:headEnd type="none" w="med" len="med"/>
+                      <a:tailEnd type="none" w="med" len="med"/>
+                    </a:lnB>
+                  </a:tcPr>
+                </a:tc>
+                <a:tc hMerge="1">
+                  <a:txBody>
+                    <a:bodyPr/>
+                    <a:lstStyle/>
+                    <a:p>
+                      <a:endParaRPr/>
+                    </a:p>
+                  </a:txBody>
+                  <a:tcPr>
+                    <a:lnL w="12700" cap="flat" cmpd="sng" algn="ctr">
+                      <a:solidFill>
+                        <a:schemeClr val="tx1"/>
+                      </a:solidFill>
+                      <a:prstDash val="solid"/>
+                      <a:round/>
+                      <a:headEnd type="none" w="med" len="med"/>
+                      <a:tailEnd type="none" w="med" len="med"/>
+                    </a:lnL>
+                    <a:lnR w="12700" cap="flat" cmpd="sng" algn="ctr">
+                      <a:solidFill>
+                        <a:schemeClr val="tx1"/>
+                      </a:solidFill>
+                      <a:prstDash val="solid"/>
+                      <a:round/>
+                      <a:headEnd type="none" w="med" len="med"/>
+                      <a:tailEnd type="none" w="med" len="med"/>
+                    </a:lnR>
+                    <a:lnT w="12700" cap="flat" cmpd="sng" algn="ctr">
+                      <a:solidFill>
+                        <a:schemeClr val="tx1"/>
+                      </a:solidFill>
+                      <a:prstDash val="solid"/>
+                      <a:round/>
+                      <a:headEnd type="none" w="med" len="med"/>
+                      <a:tailEnd type="none" w="med" len="med"/>
+                    </a:lnT>
+                    <a:lnB w="12700" cap="flat" cmpd="sng" algn="ctr">
+                      <a:solidFill>
+                        <a:schemeClr val="tx1"/>
+                      </a:solidFill>
+                      <a:prstDash val="solid"/>
+                      <a:round/>
+                      <a:headEnd type="none" w="med" len="med"/>
+                      <a:tailEnd type="none" w="med" len="med"/>
+                    </a:lnB>
+                  </a:tcPr>
+                </a:tc>
+                <a:tc hMerge="1">
+                  <a:txBody>
+                    <a:bodyPr/>
+                    <a:lstStyle/>
+                    <a:p>
+                      <a:endParaRPr lang="en-IN" dirty="0"/>
+                    </a:p>
+                  </a:txBody>
+                  <a:tcPr>
+                    <a:lnL w="12700" cap="flat" cmpd="sng" algn="ctr">
+                      <a:solidFill>
+                        <a:schemeClr val="tx1"/>
+                      </a:solidFill>
+                      <a:prstDash val="solid"/>
+                      <a:round/>
+                      <a:headEnd type="none" w="med" len="med"/>
+                      <a:tailEnd type="none" w="med" len="med"/>
+                    </a:lnL>
+                    <a:lnR w="12700" cap="flat" cmpd="sng" algn="ctr">
+                      <a:solidFill>
+                        <a:schemeClr val="tx1"/>
+                      </a:solidFill>
+                      <a:prstDash val="solid"/>
+                      <a:round/>
+                      <a:headEnd type="none" w="med" len="med"/>
+                      <a:tailEnd type="none" w="med" len="med"/>
+                    </a:lnR>
+                    <a:lnT w="12700" cap="flat" cmpd="sng" algn="ctr">
+                      <a:solidFill>
+                        <a:schemeClr val="tx1"/>
+                      </a:solidFill>
+                      <a:prstDash val="solid"/>
+                      <a:round/>
+                      <a:headEnd type="none" w="med" len="med"/>
+                      <a:tailEnd type="none" w="med" len="med"/>
+                    </a:lnT>
+                    <a:lnB w="12700" cap="flat" cmpd="sng" algn="ctr">
+                      <a:solidFill>
+                        <a:schemeClr val="tx1"/>
+                      </a:solidFill>
+                      <a:prstDash val="solid"/>
+                      <a:round/>
+                      <a:headEnd type="none" w="med" len="med"/>
+                      <a:tailEnd type="none" w="med" len="med"/>
+                    </a:lnB>
+                  </a:tcPr>
+                </a:tc>
+                <a:extLst>
+                  <a:ext uri="{0D108BD9-81ED-4DB2-BD59-A6C34878D82A}">
+                    <a16:rowId xmlns:a16="http://schemas.microsoft.com/office/drawing/2014/main" val="515019856"/>
+                  </a:ext>
+                </a:extLst>
+              </a:tr>
+              <a:tr h="590338">
+                <a:tc rowSpan="3">
+                  <a:txBody>
+                    <a:bodyPr/>
+                    <a:lstStyle/>
+                    <a:p>
+                      <a:pPr algn="ctr"/>
+                      <a:r>
+                        <a:rPr lang="en-IN" sz="2000" b="1" dirty="0">
+                          <a:latin typeface="Times New Roman" panose="02020603050405020304" pitchFamily="18" charset="0"/>
+                          <a:cs typeface="Times New Roman" panose="02020603050405020304" pitchFamily="18" charset="0"/>
+                        </a:rPr>
+                        <a:t>Predicted</a:t>
+                      </a:r>
+                    </a:p>
+                  </a:txBody>
+                  <a:tcPr vert="vert270">
+                    <a:lnL w="12700" cap="flat" cmpd="sng" algn="ctr">
+                      <a:solidFill>
+                        <a:schemeClr val="tx1"/>
+                      </a:solidFill>
+                      <a:prstDash val="solid"/>
+                      <a:round/>
+                      <a:headEnd type="none" w="med" len="med"/>
+                      <a:tailEnd type="none" w="med" len="med"/>
+                    </a:lnL>
+                    <a:lnR w="12700" cap="flat" cmpd="sng" algn="ctr">
+                      <a:solidFill>
+                        <a:schemeClr val="tx1"/>
+                      </a:solidFill>
+                      <a:prstDash val="solid"/>
+                      <a:round/>
+                      <a:headEnd type="none" w="med" len="med"/>
+                      <a:tailEnd type="none" w="med" len="med"/>
+                    </a:lnR>
+                    <a:lnT w="12700" cap="flat" cmpd="sng" algn="ctr">
+                      <a:solidFill>
+                        <a:schemeClr val="tx1"/>
+                      </a:solidFill>
+                      <a:prstDash val="solid"/>
+                      <a:round/>
+                      <a:headEnd type="none" w="med" len="med"/>
+                      <a:tailEnd type="none" w="med" len="med"/>
+                    </a:lnT>
+                    <a:lnB w="12700" cap="flat" cmpd="sng" algn="ctr">
+                      <a:solidFill>
+                        <a:schemeClr val="tx1"/>
+                      </a:solidFill>
+                      <a:prstDash val="solid"/>
+                      <a:round/>
+                      <a:headEnd type="none" w="med" len="med"/>
+                      <a:tailEnd type="none" w="med" len="med"/>
+                    </a:lnB>
+                  </a:tcPr>
+                </a:tc>
+                <a:tc>
+                  <a:txBody>
+                    <a:bodyPr/>
+                    <a:lstStyle/>
+                    <a:p>
+                      <a:pPr algn="ctr"/>
+                      <a:endParaRPr lang="en-IN" sz="2000" dirty="0">
+                        <a:latin typeface="Times New Roman" panose="02020603050405020304" pitchFamily="18" charset="0"/>
+                        <a:cs typeface="Times New Roman" panose="02020603050405020304" pitchFamily="18" charset="0"/>
+                      </a:endParaRPr>
+                    </a:p>
+                  </a:txBody>
+                  <a:tcPr>
+                    <a:lnL w="12700" cap="flat" cmpd="sng" algn="ctr">
+                      <a:solidFill>
+                        <a:schemeClr val="tx1"/>
+                      </a:solidFill>
+                      <a:prstDash val="solid"/>
+                      <a:round/>
+                      <a:headEnd type="none" w="med" len="med"/>
+                      <a:tailEnd type="none" w="med" len="med"/>
+                    </a:lnL>
+                    <a:lnR w="12700" cap="flat" cmpd="sng" algn="ctr">
+                      <a:solidFill>
+                        <a:schemeClr val="tx1"/>
+                      </a:solidFill>
+                      <a:prstDash val="solid"/>
+                      <a:round/>
+                      <a:headEnd type="none" w="med" len="med"/>
+                      <a:tailEnd type="none" w="med" len="med"/>
+                    </a:lnR>
+                    <a:lnT w="12700" cap="flat" cmpd="sng" algn="ctr">
+                      <a:solidFill>
+                        <a:schemeClr val="tx1"/>
+                      </a:solidFill>
+                      <a:prstDash val="solid"/>
+                      <a:round/>
+                      <a:headEnd type="none" w="med" len="med"/>
+                      <a:tailEnd type="none" w="med" len="med"/>
+                    </a:lnT>
+                    <a:lnB w="12700" cap="flat" cmpd="sng" algn="ctr">
+                      <a:solidFill>
+                        <a:schemeClr val="tx1"/>
+                      </a:solidFill>
+                      <a:prstDash val="solid"/>
+                      <a:round/>
+                      <a:headEnd type="none" w="med" len="med"/>
+                      <a:tailEnd type="none" w="med" len="med"/>
+                    </a:lnB>
+                  </a:tcPr>
+                </a:tc>
+                <a:tc>
+                  <a:txBody>
+                    <a:bodyPr/>
+                    <a:lstStyle/>
+                    <a:p>
+                      <a:pPr algn="ctr"/>
+                      <a:r>
+                        <a:rPr lang="en-IN" sz="2000" dirty="0">
+                          <a:latin typeface="Times New Roman" panose="02020603050405020304" pitchFamily="18" charset="0"/>
+                          <a:cs typeface="Times New Roman" panose="02020603050405020304" pitchFamily="18" charset="0"/>
+                        </a:rPr>
+                        <a:t>Positive</a:t>
+                      </a:r>
+                    </a:p>
+                  </a:txBody>
+                  <a:tcPr>
+                    <a:lnL w="12700" cap="flat" cmpd="sng" algn="ctr">
+                      <a:solidFill>
+                        <a:schemeClr val="tx1"/>
+                      </a:solidFill>
+                      <a:prstDash val="solid"/>
+                      <a:round/>
+                      <a:headEnd type="none" w="med" len="med"/>
+                      <a:tailEnd type="none" w="med" len="med"/>
+                    </a:lnL>
+                    <a:lnR w="12700" cap="flat" cmpd="sng" algn="ctr">
+                      <a:solidFill>
+                        <a:schemeClr val="tx1"/>
+                      </a:solidFill>
+                      <a:prstDash val="solid"/>
+                      <a:round/>
+                      <a:headEnd type="none" w="med" len="med"/>
+                      <a:tailEnd type="none" w="med" len="med"/>
+                    </a:lnR>
+                    <a:lnT w="12700" cap="flat" cmpd="sng" algn="ctr">
+                      <a:solidFill>
+                        <a:schemeClr val="tx1"/>
+                      </a:solidFill>
+                      <a:prstDash val="solid"/>
+                      <a:round/>
+                      <a:headEnd type="none" w="med" len="med"/>
+                      <a:tailEnd type="none" w="med" len="med"/>
+                    </a:lnT>
+                    <a:lnB w="12700" cap="flat" cmpd="sng" algn="ctr">
+                      <a:solidFill>
+                        <a:schemeClr val="tx1"/>
+                      </a:solidFill>
+                      <a:prstDash val="solid"/>
+                      <a:round/>
+                      <a:headEnd type="none" w="med" len="med"/>
+                      <a:tailEnd type="none" w="med" len="med"/>
+                    </a:lnB>
+                  </a:tcPr>
+                </a:tc>
+                <a:tc>
+                  <a:txBody>
+                    <a:bodyPr/>
+                    <a:lstStyle/>
+                    <a:p>
+                      <a:pPr algn="ctr"/>
+                      <a:r>
+                        <a:rPr lang="en-IN" sz="2000" dirty="0">
+                          <a:latin typeface="Times New Roman" panose="02020603050405020304" pitchFamily="18" charset="0"/>
+                          <a:cs typeface="Times New Roman" panose="02020603050405020304" pitchFamily="18" charset="0"/>
+                        </a:rPr>
+                        <a:t>Negative</a:t>
+                      </a:r>
+                    </a:p>
+                  </a:txBody>
+                  <a:tcPr>
+                    <a:lnL w="12700" cap="flat" cmpd="sng" algn="ctr">
+                      <a:solidFill>
+                        <a:schemeClr val="tx1"/>
+                      </a:solidFill>
+                      <a:prstDash val="solid"/>
+                      <a:round/>
+                      <a:headEnd type="none" w="med" len="med"/>
+                      <a:tailEnd type="none" w="med" len="med"/>
+                    </a:lnL>
+                    <a:lnR w="12700" cap="flat" cmpd="sng" algn="ctr">
+                      <a:solidFill>
+                        <a:schemeClr val="tx1"/>
+                      </a:solidFill>
+                      <a:prstDash val="solid"/>
+                      <a:round/>
+                      <a:headEnd type="none" w="med" len="med"/>
+                      <a:tailEnd type="none" w="med" len="med"/>
+                    </a:lnR>
+                    <a:lnT w="12700" cap="flat" cmpd="sng" algn="ctr">
+                      <a:solidFill>
+                        <a:schemeClr val="tx1"/>
+                      </a:solidFill>
+                      <a:prstDash val="solid"/>
+                      <a:round/>
+                      <a:headEnd type="none" w="med" len="med"/>
+                      <a:tailEnd type="none" w="med" len="med"/>
+                    </a:lnT>
+                    <a:lnB w="12700" cap="flat" cmpd="sng" algn="ctr">
+                      <a:solidFill>
+                        <a:schemeClr val="tx1"/>
+                      </a:solidFill>
+                      <a:prstDash val="solid"/>
+                      <a:round/>
+                      <a:headEnd type="none" w="med" len="med"/>
+                      <a:tailEnd type="none" w="med" len="med"/>
+                    </a:lnB>
+                  </a:tcPr>
+                </a:tc>
+                <a:extLst>
+                  <a:ext uri="{0D108BD9-81ED-4DB2-BD59-A6C34878D82A}">
+                    <a16:rowId xmlns:a16="http://schemas.microsoft.com/office/drawing/2014/main" val="3457386711"/>
+                  </a:ext>
+                </a:extLst>
+              </a:tr>
+              <a:tr h="628650">
+                <a:tc vMerge="1">
+                  <a:txBody>
+                    <a:bodyPr/>
+                    <a:lstStyle/>
+                    <a:p>
+                      <a:endParaRPr lang="en-IN" dirty="0"/>
+                    </a:p>
+                  </a:txBody>
+                  <a:tcPr>
+                    <a:lnL w="12700" cap="flat" cmpd="sng" algn="ctr">
+                      <a:solidFill>
+                        <a:schemeClr val="tx1"/>
+                      </a:solidFill>
+                      <a:prstDash val="solid"/>
+                      <a:round/>
+                      <a:headEnd type="none" w="med" len="med"/>
+                      <a:tailEnd type="none" w="med" len="med"/>
+                    </a:lnL>
+                    <a:lnR w="12700" cap="flat" cmpd="sng" algn="ctr">
+                      <a:solidFill>
+                        <a:schemeClr val="tx1"/>
+                      </a:solidFill>
+                      <a:prstDash val="solid"/>
+                      <a:round/>
+                      <a:headEnd type="none" w="med" len="med"/>
+                      <a:tailEnd type="none" w="med" len="med"/>
+                    </a:lnR>
+                    <a:lnT w="12700" cap="flat" cmpd="sng" algn="ctr">
+                      <a:solidFill>
+                        <a:schemeClr val="tx1"/>
+                      </a:solidFill>
+                      <a:prstDash val="solid"/>
+                      <a:round/>
+                      <a:headEnd type="none" w="med" len="med"/>
+                      <a:tailEnd type="none" w="med" len="med"/>
+                    </a:lnT>
+                    <a:lnB w="12700" cap="flat" cmpd="sng" algn="ctr">
+                      <a:solidFill>
+                        <a:schemeClr val="tx1"/>
+                      </a:solidFill>
+                      <a:prstDash val="solid"/>
+                      <a:round/>
+                      <a:headEnd type="none" w="med" len="med"/>
+                      <a:tailEnd type="none" w="med" len="med"/>
+                    </a:lnB>
+                  </a:tcPr>
+                </a:tc>
+                <a:tc>
+                  <a:txBody>
+                    <a:bodyPr/>
+                    <a:lstStyle/>
+                    <a:p>
+                      <a:pPr algn="ctr"/>
+                      <a:r>
+                        <a:rPr lang="en-IN" sz="2000" dirty="0">
+                          <a:latin typeface="Times New Roman" panose="02020603050405020304" pitchFamily="18" charset="0"/>
+                          <a:cs typeface="Times New Roman" panose="02020603050405020304" pitchFamily="18" charset="0"/>
+                        </a:rPr>
+                        <a:t>Positive</a:t>
+                      </a:r>
+                    </a:p>
+                  </a:txBody>
+                  <a:tcPr>
+                    <a:lnL w="12700" cap="flat" cmpd="sng" algn="ctr">
+                      <a:solidFill>
+                        <a:schemeClr val="tx1"/>
+                      </a:solidFill>
+                      <a:prstDash val="solid"/>
+                      <a:round/>
+                      <a:headEnd type="none" w="med" len="med"/>
+                      <a:tailEnd type="none" w="med" len="med"/>
+                    </a:lnL>
+                    <a:lnR w="12700" cap="flat" cmpd="sng" algn="ctr">
+                      <a:solidFill>
+                        <a:schemeClr val="tx1"/>
+                      </a:solidFill>
+                      <a:prstDash val="solid"/>
+                      <a:round/>
+                      <a:headEnd type="none" w="med" len="med"/>
+                      <a:tailEnd type="none" w="med" len="med"/>
+                    </a:lnR>
+                    <a:lnT w="12700" cap="flat" cmpd="sng" algn="ctr">
+                      <a:solidFill>
+                        <a:schemeClr val="tx1"/>
+                      </a:solidFill>
+                      <a:prstDash val="solid"/>
+                      <a:round/>
+                      <a:headEnd type="none" w="med" len="med"/>
+                      <a:tailEnd type="none" w="med" len="med"/>
+                    </a:lnT>
+                    <a:lnB w="12700" cap="flat" cmpd="sng" algn="ctr">
+                      <a:solidFill>
+                        <a:schemeClr val="tx1"/>
+                      </a:solidFill>
+                      <a:prstDash val="solid"/>
+                      <a:round/>
+                      <a:headEnd type="none" w="med" len="med"/>
+                      <a:tailEnd type="none" w="med" len="med"/>
+                    </a:lnB>
+                  </a:tcPr>
+                </a:tc>
+                <a:tc>
+                  <a:txBody>
+                    <a:bodyPr/>
+                    <a:lstStyle/>
+                    <a:p>
+                      <a:pPr algn="ctr"/>
+                      <a:r>
+                        <a:rPr lang="en-IN" sz="2000" dirty="0">
+                          <a:latin typeface="Times New Roman" panose="02020603050405020304" pitchFamily="18" charset="0"/>
+                          <a:cs typeface="Times New Roman" panose="02020603050405020304" pitchFamily="18" charset="0"/>
+                        </a:rPr>
+                        <a:t>TP</a:t>
+                      </a:r>
+                    </a:p>
+                  </a:txBody>
+                  <a:tcPr>
+                    <a:lnL w="12700" cap="flat" cmpd="sng" algn="ctr">
+                      <a:solidFill>
+                        <a:schemeClr val="tx1"/>
+                      </a:solidFill>
+                      <a:prstDash val="solid"/>
+                      <a:round/>
+                      <a:headEnd type="none" w="med" len="med"/>
+                      <a:tailEnd type="none" w="med" len="med"/>
+                    </a:lnL>
+                    <a:lnR w="12700" cap="flat" cmpd="sng" algn="ctr">
+                      <a:solidFill>
+                        <a:schemeClr val="tx1"/>
+                      </a:solidFill>
+                      <a:prstDash val="solid"/>
+                      <a:round/>
+                      <a:headEnd type="none" w="med" len="med"/>
+                      <a:tailEnd type="none" w="med" len="med"/>
+                    </a:lnR>
+                    <a:lnT w="12700" cap="flat" cmpd="sng" algn="ctr">
+                      <a:solidFill>
+                        <a:schemeClr val="tx1"/>
+                      </a:solidFill>
+                      <a:prstDash val="solid"/>
+                      <a:round/>
+                      <a:headEnd type="none" w="med" len="med"/>
+                      <a:tailEnd type="none" w="med" len="med"/>
+                    </a:lnT>
+                    <a:lnB w="12700" cap="flat" cmpd="sng" algn="ctr">
+                      <a:solidFill>
+                        <a:schemeClr val="tx1"/>
+                      </a:solidFill>
+                      <a:prstDash val="solid"/>
+                      <a:round/>
+                      <a:headEnd type="none" w="med" len="med"/>
+                      <a:tailEnd type="none" w="med" len="med"/>
+                    </a:lnB>
+                  </a:tcPr>
+                </a:tc>
+                <a:tc>
+                  <a:txBody>
+                    <a:bodyPr/>
+                    <a:lstStyle/>
+                    <a:p>
+                      <a:pPr algn="ctr"/>
+                      <a:r>
+                        <a:rPr lang="en-IN" sz="2000" dirty="0">
+                          <a:latin typeface="Times New Roman" panose="02020603050405020304" pitchFamily="18" charset="0"/>
+                          <a:cs typeface="Times New Roman" panose="02020603050405020304" pitchFamily="18" charset="0"/>
+                        </a:rPr>
+                        <a:t>FP</a:t>
+                      </a:r>
+                    </a:p>
+                  </a:txBody>
+                  <a:tcPr>
+                    <a:lnL w="12700" cap="flat" cmpd="sng" algn="ctr">
+                      <a:solidFill>
+                        <a:schemeClr val="tx1"/>
+                      </a:solidFill>
+                      <a:prstDash val="solid"/>
+                      <a:round/>
+                      <a:headEnd type="none" w="med" len="med"/>
+                      <a:tailEnd type="none" w="med" len="med"/>
+                    </a:lnL>
+                    <a:lnR w="12700" cap="flat" cmpd="sng" algn="ctr">
+                      <a:solidFill>
+                        <a:schemeClr val="tx1"/>
+                      </a:solidFill>
+                      <a:prstDash val="solid"/>
+                      <a:round/>
+                      <a:headEnd type="none" w="med" len="med"/>
+                      <a:tailEnd type="none" w="med" len="med"/>
+                    </a:lnR>
+                    <a:lnT w="12700" cap="flat" cmpd="sng" algn="ctr">
+                      <a:solidFill>
+                        <a:schemeClr val="tx1"/>
+                      </a:solidFill>
+                      <a:prstDash val="solid"/>
+                      <a:round/>
+                      <a:headEnd type="none" w="med" len="med"/>
+                      <a:tailEnd type="none" w="med" len="med"/>
+                    </a:lnT>
+                    <a:lnB w="12700" cap="flat" cmpd="sng" algn="ctr">
+                      <a:solidFill>
+                        <a:schemeClr val="tx1"/>
+                      </a:solidFill>
+                      <a:prstDash val="solid"/>
+                      <a:round/>
+                      <a:headEnd type="none" w="med" len="med"/>
+                      <a:tailEnd type="none" w="med" len="med"/>
+                    </a:lnB>
+                  </a:tcPr>
+                </a:tc>
+                <a:extLst>
+                  <a:ext uri="{0D108BD9-81ED-4DB2-BD59-A6C34878D82A}">
+                    <a16:rowId xmlns:a16="http://schemas.microsoft.com/office/drawing/2014/main" val="2803738064"/>
+                  </a:ext>
+                </a:extLst>
+              </a:tr>
+              <a:tr h="695325">
+                <a:tc vMerge="1">
+                  <a:txBody>
+                    <a:bodyPr/>
+                    <a:lstStyle/>
+                    <a:p>
+                      <a:endParaRPr lang="en-IN" dirty="0"/>
+                    </a:p>
+                  </a:txBody>
+                  <a:tcPr>
+                    <a:lnL w="12700" cap="flat" cmpd="sng" algn="ctr">
+                      <a:solidFill>
+                        <a:schemeClr val="tx1"/>
+                      </a:solidFill>
+                      <a:prstDash val="solid"/>
+                      <a:round/>
+                      <a:headEnd type="none" w="med" len="med"/>
+                      <a:tailEnd type="none" w="med" len="med"/>
+                    </a:lnL>
+                    <a:lnR w="12700" cap="flat" cmpd="sng" algn="ctr">
+                      <a:solidFill>
+                        <a:schemeClr val="tx1"/>
+                      </a:solidFill>
+                      <a:prstDash val="solid"/>
+                      <a:round/>
+                      <a:headEnd type="none" w="med" len="med"/>
+                      <a:tailEnd type="none" w="med" len="med"/>
+                    </a:lnR>
+                    <a:lnT w="12700" cap="flat" cmpd="sng" algn="ctr">
+                      <a:solidFill>
+                        <a:schemeClr val="tx1"/>
+                      </a:solidFill>
+                      <a:prstDash val="solid"/>
+                      <a:round/>
+                      <a:headEnd type="none" w="med" len="med"/>
+                      <a:tailEnd type="none" w="med" len="med"/>
+                    </a:lnT>
+                    <a:lnB w="12700" cap="flat" cmpd="sng" algn="ctr">
+                      <a:solidFill>
+                        <a:schemeClr val="tx1"/>
+                      </a:solidFill>
+                      <a:prstDash val="solid"/>
+                      <a:round/>
+                      <a:headEnd type="none" w="med" len="med"/>
+                      <a:tailEnd type="none" w="med" len="med"/>
+                    </a:lnB>
+                  </a:tcPr>
+                </a:tc>
+                <a:tc>
+                  <a:txBody>
+                    <a:bodyPr/>
+                    <a:lstStyle/>
+                    <a:p>
+                      <a:pPr algn="ctr"/>
+                      <a:r>
+                        <a:rPr lang="en-IN" sz="2000" dirty="0">
+                          <a:latin typeface="Times New Roman" panose="02020603050405020304" pitchFamily="18" charset="0"/>
+                          <a:cs typeface="Times New Roman" panose="02020603050405020304" pitchFamily="18" charset="0"/>
+                        </a:rPr>
+                        <a:t>Negative</a:t>
+                      </a:r>
+                    </a:p>
+                  </a:txBody>
+                  <a:tcPr>
+                    <a:lnL w="12700" cap="flat" cmpd="sng" algn="ctr">
+                      <a:solidFill>
+                        <a:schemeClr val="tx1"/>
+                      </a:solidFill>
+                      <a:prstDash val="solid"/>
+                      <a:round/>
+                      <a:headEnd type="none" w="med" len="med"/>
+                      <a:tailEnd type="none" w="med" len="med"/>
+                    </a:lnL>
+                    <a:lnR w="12700" cap="flat" cmpd="sng" algn="ctr">
+                      <a:solidFill>
+                        <a:schemeClr val="tx1"/>
+                      </a:solidFill>
+                      <a:prstDash val="solid"/>
+                      <a:round/>
+                      <a:headEnd type="none" w="med" len="med"/>
+                      <a:tailEnd type="none" w="med" len="med"/>
+                    </a:lnR>
+                    <a:lnT w="12700" cap="flat" cmpd="sng" algn="ctr">
+                      <a:solidFill>
+                        <a:schemeClr val="tx1"/>
+                      </a:solidFill>
+                      <a:prstDash val="solid"/>
+                      <a:round/>
+                      <a:headEnd type="none" w="med" len="med"/>
+                      <a:tailEnd type="none" w="med" len="med"/>
+                    </a:lnT>
+                    <a:lnB w="12700" cap="flat" cmpd="sng" algn="ctr">
+                      <a:solidFill>
+                        <a:schemeClr val="tx1"/>
+                      </a:solidFill>
+                      <a:prstDash val="solid"/>
+                      <a:round/>
+                      <a:headEnd type="none" w="med" len="med"/>
+                      <a:tailEnd type="none" w="med" len="med"/>
+                    </a:lnB>
+                  </a:tcPr>
+                </a:tc>
+                <a:tc>
+                  <a:txBody>
+                    <a:bodyPr/>
+                    <a:lstStyle/>
+                    <a:p>
+                      <a:pPr algn="ctr"/>
+                      <a:r>
+                        <a:rPr lang="en-IN" sz="2000" dirty="0">
+                          <a:latin typeface="Times New Roman" panose="02020603050405020304" pitchFamily="18" charset="0"/>
+                          <a:cs typeface="Times New Roman" panose="02020603050405020304" pitchFamily="18" charset="0"/>
+                        </a:rPr>
+                        <a:t>FN</a:t>
+                      </a:r>
+                    </a:p>
+                  </a:txBody>
+                  <a:tcPr>
+                    <a:lnL w="12700" cap="flat" cmpd="sng" algn="ctr">
+                      <a:solidFill>
+                        <a:schemeClr val="tx1"/>
+                      </a:solidFill>
+                      <a:prstDash val="solid"/>
+                      <a:round/>
+                      <a:headEnd type="none" w="med" len="med"/>
+                      <a:tailEnd type="none" w="med" len="med"/>
+                    </a:lnL>
+                    <a:lnR w="12700" cap="flat" cmpd="sng" algn="ctr">
+                      <a:solidFill>
+                        <a:schemeClr val="tx1"/>
+                      </a:solidFill>
+                      <a:prstDash val="solid"/>
+                      <a:round/>
+                      <a:headEnd type="none" w="med" len="med"/>
+                      <a:tailEnd type="none" w="med" len="med"/>
+                    </a:lnR>
+                    <a:lnT w="12700" cap="flat" cmpd="sng" algn="ctr">
+                      <a:solidFill>
+                        <a:schemeClr val="tx1"/>
+                      </a:solidFill>
+                      <a:prstDash val="solid"/>
+                      <a:round/>
+                      <a:headEnd type="none" w="med" len="med"/>
+                      <a:tailEnd type="none" w="med" len="med"/>
+                    </a:lnT>
+                    <a:lnB w="12700" cap="flat" cmpd="sng" algn="ctr">
+                      <a:solidFill>
+                        <a:schemeClr val="tx1"/>
+                      </a:solidFill>
+                      <a:prstDash val="solid"/>
+                      <a:round/>
+                      <a:headEnd type="none" w="med" len="med"/>
+                      <a:tailEnd type="none" w="med" len="med"/>
+                    </a:lnB>
+                  </a:tcPr>
+                </a:tc>
+                <a:tc>
+                  <a:txBody>
+                    <a:bodyPr/>
+                    <a:lstStyle/>
+                    <a:p>
+                      <a:pPr algn="ctr"/>
+                      <a:r>
+                        <a:rPr lang="en-IN" sz="2000" dirty="0">
+                          <a:latin typeface="Times New Roman" panose="02020603050405020304" pitchFamily="18" charset="0"/>
+                          <a:cs typeface="Times New Roman" panose="02020603050405020304" pitchFamily="18" charset="0"/>
+                        </a:rPr>
+                        <a:t>TN</a:t>
+                      </a:r>
+                    </a:p>
+                  </a:txBody>
+                  <a:tcPr>
+                    <a:lnL w="12700" cap="flat" cmpd="sng" algn="ctr">
+                      <a:solidFill>
+                        <a:schemeClr val="tx1"/>
+                      </a:solidFill>
+                      <a:prstDash val="solid"/>
+                      <a:round/>
+                      <a:headEnd type="none" w="med" len="med"/>
+                      <a:tailEnd type="none" w="med" len="med"/>
+                    </a:lnL>
+                    <a:lnR w="12700" cap="flat" cmpd="sng" algn="ctr">
+                      <a:solidFill>
+                        <a:schemeClr val="tx1"/>
+                      </a:solidFill>
+                      <a:prstDash val="solid"/>
+                      <a:round/>
+                      <a:headEnd type="none" w="med" len="med"/>
+                      <a:tailEnd type="none" w="med" len="med"/>
+                    </a:lnR>
+                    <a:lnT w="12700" cap="flat" cmpd="sng" algn="ctr">
+                      <a:solidFill>
+                        <a:schemeClr val="tx1"/>
+                      </a:solidFill>
+                      <a:prstDash val="solid"/>
+                      <a:round/>
+                      <a:headEnd type="none" w="med" len="med"/>
+                      <a:tailEnd type="none" w="med" len="med"/>
+                    </a:lnT>
+                    <a:lnB w="12700" cap="flat" cmpd="sng" algn="ctr">
+                      <a:solidFill>
+                        <a:schemeClr val="tx1"/>
+                      </a:solidFill>
+                      <a:prstDash val="solid"/>
+                      <a:round/>
+                      <a:headEnd type="none" w="med" len="med"/>
+                      <a:tailEnd type="none" w="med" len="med"/>
+                    </a:lnB>
+                  </a:tcPr>
+                </a:tc>
+                <a:extLst>
+                  <a:ext uri="{0D108BD9-81ED-4DB2-BD59-A6C34878D82A}">
+                    <a16:rowId xmlns:a16="http://schemas.microsoft.com/office/drawing/2014/main" val="2628910305"/>
+                  </a:ext>
+                </a:extLst>
+              </a:tr>
+            </a:tbl>
+          </a:graphicData>
+        </a:graphic>
+      </p:graphicFrame>
+      <p:sp>
+        <p:nvSpPr>
+          <p:cNvPr id="5" name="TextBox 4">
+            <a:extLst>
+              <a:ext uri="{FF2B5EF4-FFF2-40B4-BE49-F238E27FC236}">
+                <a16:creationId xmlns:a16="http://schemas.microsoft.com/office/drawing/2014/main" id="{7B2CFB47-95E3-B580-6EFC-6AA86B422737}"/>
+              </a:ext>
+            </a:extLst>
+          </p:cNvPr>
+          <p:cNvSpPr txBox="1"/>
+          <p:nvPr/>
+        </p:nvSpPr>
+        <p:spPr>
+          <a:xfrm>
+            <a:off x="838200" y="1626543"/>
+            <a:ext cx="3209925" cy="461665"/>
+          </a:xfrm>
+          <a:prstGeom prst="rect">
+            <a:avLst/>
+          </a:prstGeom>
+          <a:noFill/>
+        </p:spPr>
+        <p:txBody>
+          <a:bodyPr wrap="square" rtlCol="0">
+            <a:spAutoFit/>
+          </a:bodyPr>
+          <a:lstStyle/>
+          <a:p>
+            <a:r>
+              <a:rPr lang="en-IN" sz="2400" b="1" dirty="0">
+                <a:latin typeface="Times New Roman" panose="02020603050405020304" pitchFamily="18" charset="0"/>
+                <a:cs typeface="Times New Roman" panose="02020603050405020304" pitchFamily="18" charset="0"/>
+              </a:rPr>
+              <a:t>Confusion Matrix</a:t>
             </a:r>
           </a:p>
         </p:txBody>
@@ -4020,7 +5212,2786 @@
     </p:spTree>
     <p:extLst>
       <p:ext uri="{BB962C8B-B14F-4D97-AF65-F5344CB8AC3E}">
-        <p14:creationId xmlns:p14="http://schemas.microsoft.com/office/powerpoint/2010/main" val="4252853992"/>
+        <p14:creationId xmlns:p14="http://schemas.microsoft.com/office/powerpoint/2010/main" val="1843058228"/>
+      </p:ext>
+    </p:extLst>
+  </p:cSld>
+  <p:clrMapOvr>
+    <a:masterClrMapping/>
+  </p:clrMapOvr>
+</p:sld>
+</file>
+
+<file path=ppt/slides/slide14.xml><?xml version="1.0" encoding="utf-8"?>
+<p:sld xmlns:a="http://schemas.openxmlformats.org/drawingml/2006/main" xmlns:r="http://schemas.openxmlformats.org/officeDocument/2006/relationships" xmlns:p="http://schemas.openxmlformats.org/presentationml/2006/main">
+  <p:cSld>
+    <p:spTree>
+      <p:nvGrpSpPr>
+        <p:cNvPr id="1" name="">
+          <a:extLst>
+            <a:ext uri="{FF2B5EF4-FFF2-40B4-BE49-F238E27FC236}">
+              <a16:creationId xmlns:a16="http://schemas.microsoft.com/office/drawing/2014/main" id="{E5513607-AE1E-C462-3430-3210A11780B7}"/>
+            </a:ext>
+          </a:extLst>
+        </p:cNvPr>
+        <p:cNvGrpSpPr/>
+        <p:nvPr/>
+      </p:nvGrpSpPr>
+      <p:grpSpPr>
+        <a:xfrm>
+          <a:off x="0" y="0"/>
+          <a:ext cx="0" cy="0"/>
+          <a:chOff x="0" y="0"/>
+          <a:chExt cx="0" cy="0"/>
+        </a:xfrm>
+      </p:grpSpPr>
+      <p:sp>
+        <p:nvSpPr>
+          <p:cNvPr id="2" name="Title 1">
+            <a:extLst>
+              <a:ext uri="{FF2B5EF4-FFF2-40B4-BE49-F238E27FC236}">
+                <a16:creationId xmlns:a16="http://schemas.microsoft.com/office/drawing/2014/main" id="{DCA479B3-A068-D35C-5021-677A0E9CA3EE}"/>
+              </a:ext>
+            </a:extLst>
+          </p:cNvPr>
+          <p:cNvSpPr>
+            <a:spLocks noGrp="1"/>
+          </p:cNvSpPr>
+          <p:nvPr>
+            <p:ph type="title"/>
+          </p:nvPr>
+        </p:nvSpPr>
+        <p:spPr>
+          <a:xfrm>
+            <a:off x="723900" y="98426"/>
+            <a:ext cx="10515600" cy="882650"/>
+          </a:xfrm>
+        </p:spPr>
+        <p:txBody>
+          <a:bodyPr>
+            <a:normAutofit/>
+          </a:bodyPr>
+          <a:lstStyle/>
+          <a:p>
+            <a:r>
+              <a:rPr lang="en-IN" sz="4000" dirty="0">
+                <a:latin typeface="Times New Roman" panose="02020603050405020304" pitchFamily="18" charset="0"/>
+                <a:cs typeface="Times New Roman" panose="02020603050405020304" pitchFamily="18" charset="0"/>
+              </a:rPr>
+              <a:t>Classification metrics</a:t>
+            </a:r>
+          </a:p>
+        </p:txBody>
+      </p:sp>
+      <mc:AlternateContent xmlns:mc="http://schemas.openxmlformats.org/markup-compatibility/2006" xmlns:a14="http://schemas.microsoft.com/office/drawing/2010/main">
+        <mc:Choice Requires="a14">
+          <p:sp>
+            <p:nvSpPr>
+              <p:cNvPr id="3" name="Content Placeholder 2">
+                <a:extLst>
+                  <a:ext uri="{FF2B5EF4-FFF2-40B4-BE49-F238E27FC236}">
+                    <a16:creationId xmlns:a16="http://schemas.microsoft.com/office/drawing/2014/main" id="{E6E0E5AA-F32A-E7D6-63F9-C4E279430BBB}"/>
+                  </a:ext>
+                </a:extLst>
+              </p:cNvPr>
+              <p:cNvSpPr>
+                <a:spLocks noGrp="1"/>
+              </p:cNvSpPr>
+              <p:nvPr>
+                <p:ph idx="1"/>
+              </p:nvPr>
+            </p:nvSpPr>
+            <p:spPr>
+              <a:xfrm>
+                <a:off x="838200" y="1247776"/>
+                <a:ext cx="10515600" cy="4929187"/>
+              </a:xfrm>
+            </p:spPr>
+            <p:txBody>
+              <a:bodyPr>
+                <a:normAutofit/>
+              </a:bodyPr>
+              <a:lstStyle/>
+              <a:p>
+                <a:pPr marL="0" indent="0">
+                  <a:buNone/>
+                </a:pPr>
+                <a:r>
+                  <a:rPr lang="en-IN" sz="2400" b="1" dirty="0">
+                    <a:latin typeface="Times New Roman" panose="02020603050405020304" pitchFamily="18" charset="0"/>
+                    <a:cs typeface="Times New Roman" panose="02020603050405020304" pitchFamily="18" charset="0"/>
+                  </a:rPr>
+                  <a:t>Accuracy</a:t>
+                </a:r>
+              </a:p>
+              <a:p>
+                <a:pPr algn="just"/>
+                <a:r>
+                  <a:rPr lang="en-IN" sz="2400" dirty="0">
+                    <a:latin typeface="Times New Roman" panose="02020603050405020304" pitchFamily="18" charset="0"/>
+                    <a:cs typeface="Times New Roman" panose="02020603050405020304" pitchFamily="18" charset="0"/>
+                  </a:rPr>
+                  <a:t>measures the proportion of correct predictions (TP + TN) among all predictions made by the model.</a:t>
+                </a:r>
+              </a:p>
+              <a:p>
+                <a:pPr marL="2286000" indent="0" algn="just">
+                  <a:buNone/>
+                </a:pPr>
+                <a:r>
+                  <a:rPr lang="en-IN" sz="2400" dirty="0">
+                    <a:latin typeface="Times New Roman" panose="02020603050405020304" pitchFamily="18" charset="0"/>
+                    <a:cs typeface="Times New Roman" panose="02020603050405020304" pitchFamily="18" charset="0"/>
+                  </a:rPr>
+                  <a:t>Accuracy = </a:t>
+                </a:r>
+                <a14:m>
+                  <m:oMath xmlns:m="http://schemas.openxmlformats.org/officeDocument/2006/math">
+                    <m:f>
+                      <m:fPr>
+                        <m:ctrlPr>
+                          <a:rPr lang="en-IN" sz="2400" i="1" smtClean="0">
+                            <a:latin typeface="Cambria Math" panose="02040503050406030204" pitchFamily="18" charset="0"/>
+                            <a:cs typeface="Times New Roman" panose="02020603050405020304" pitchFamily="18" charset="0"/>
+                          </a:rPr>
+                        </m:ctrlPr>
+                      </m:fPr>
+                      <m:num>
+                        <m:r>
+                          <a:rPr lang="en-IN" sz="2400" b="0" i="1" smtClean="0">
+                            <a:latin typeface="Cambria Math" panose="02040503050406030204" pitchFamily="18" charset="0"/>
+                            <a:cs typeface="Times New Roman" panose="02020603050405020304" pitchFamily="18" charset="0"/>
+                          </a:rPr>
+                          <m:t>𝑐𝑜𝑟𝑟𝑒𝑐𝑡</m:t>
+                        </m:r>
+                        <m:r>
+                          <a:rPr lang="en-IN" sz="2400" b="0" i="1" smtClean="0">
+                            <a:latin typeface="Cambria Math" panose="02040503050406030204" pitchFamily="18" charset="0"/>
+                            <a:cs typeface="Times New Roman" panose="02020603050405020304" pitchFamily="18" charset="0"/>
+                          </a:rPr>
+                          <m:t> </m:t>
+                        </m:r>
+                        <m:r>
+                          <a:rPr lang="en-IN" sz="2400" b="0" i="1" smtClean="0">
+                            <a:latin typeface="Cambria Math" panose="02040503050406030204" pitchFamily="18" charset="0"/>
+                            <a:cs typeface="Times New Roman" panose="02020603050405020304" pitchFamily="18" charset="0"/>
+                          </a:rPr>
+                          <m:t>𝑝𝑟𝑒𝑑𝑖𝑐𝑡𝑖𝑜𝑛𝑠</m:t>
+                        </m:r>
+                      </m:num>
+                      <m:den>
+                        <m:r>
+                          <a:rPr lang="en-IN" sz="2400" b="0" i="1" smtClean="0">
+                            <a:latin typeface="Cambria Math" panose="02040503050406030204" pitchFamily="18" charset="0"/>
+                            <a:cs typeface="Times New Roman" panose="02020603050405020304" pitchFamily="18" charset="0"/>
+                          </a:rPr>
+                          <m:t>𝑡𝑜𝑡𝑎𝑙</m:t>
+                        </m:r>
+                        <m:r>
+                          <a:rPr lang="en-IN" sz="2400" b="0" i="1" smtClean="0">
+                            <a:latin typeface="Cambria Math" panose="02040503050406030204" pitchFamily="18" charset="0"/>
+                            <a:cs typeface="Times New Roman" panose="02020603050405020304" pitchFamily="18" charset="0"/>
+                          </a:rPr>
+                          <m:t> </m:t>
+                        </m:r>
+                        <m:r>
+                          <a:rPr lang="en-IN" sz="2400" b="0" i="1" smtClean="0">
+                            <a:latin typeface="Cambria Math" panose="02040503050406030204" pitchFamily="18" charset="0"/>
+                            <a:cs typeface="Times New Roman" panose="02020603050405020304" pitchFamily="18" charset="0"/>
+                          </a:rPr>
+                          <m:t>𝑝𝑟𝑒𝑑𝑖𝑐𝑡𝑖𝑜𝑛𝑠</m:t>
+                        </m:r>
+                      </m:den>
+                    </m:f>
+                  </m:oMath>
+                </a14:m>
+                <a:endParaRPr lang="en-IN" sz="2400" dirty="0">
+                  <a:latin typeface="Times New Roman" panose="02020603050405020304" pitchFamily="18" charset="0"/>
+                  <a:cs typeface="Times New Roman" panose="02020603050405020304" pitchFamily="18" charset="0"/>
+                </a:endParaRPr>
+              </a:p>
+              <a:p>
+                <a:endParaRPr lang="en-IN" sz="2400" dirty="0">
+                  <a:latin typeface="Times New Roman" panose="02020603050405020304" pitchFamily="18" charset="0"/>
+                  <a:cs typeface="Times New Roman" panose="02020603050405020304" pitchFamily="18" charset="0"/>
+                </a:endParaRPr>
+              </a:p>
+              <a:p>
+                <a:pPr marL="0" indent="0">
+                  <a:buNone/>
+                </a:pPr>
+                <a:r>
+                  <a:rPr lang="en-IN" sz="2400" b="1" dirty="0">
+                    <a:latin typeface="Times New Roman" panose="02020603050405020304" pitchFamily="18" charset="0"/>
+                    <a:cs typeface="Times New Roman" panose="02020603050405020304" pitchFamily="18" charset="0"/>
+                  </a:rPr>
+                  <a:t>Precision</a:t>
+                </a:r>
+                <a:r>
+                  <a:rPr lang="en-IN" sz="2400" dirty="0">
+                    <a:latin typeface="Times New Roman" panose="02020603050405020304" pitchFamily="18" charset="0"/>
+                    <a:cs typeface="Times New Roman" panose="02020603050405020304" pitchFamily="18" charset="0"/>
+                  </a:rPr>
+                  <a:t> </a:t>
+                </a:r>
+              </a:p>
+              <a:p>
+                <a:r>
+                  <a:rPr lang="en-IN" sz="2400" dirty="0">
+                    <a:latin typeface="Times New Roman" panose="02020603050405020304" pitchFamily="18" charset="0"/>
+                    <a:cs typeface="Times New Roman" panose="02020603050405020304" pitchFamily="18" charset="0"/>
+                  </a:rPr>
+                  <a:t>measures the proportion of true positive predictions among all positive predictions made by the model.</a:t>
+                </a:r>
+              </a:p>
+              <a:p>
+                <a:pPr marL="2009775" indent="0">
+                  <a:buNone/>
+                </a:pPr>
+                <a:r>
+                  <a:rPr lang="en-IN" sz="2400" dirty="0">
+                    <a:latin typeface="Times New Roman" panose="02020603050405020304" pitchFamily="18" charset="0"/>
+                    <a:cs typeface="Times New Roman" panose="02020603050405020304" pitchFamily="18" charset="0"/>
+                  </a:rPr>
+                  <a:t>    Precision = </a:t>
+                </a:r>
+                <a14:m>
+                  <m:oMath xmlns:m="http://schemas.openxmlformats.org/officeDocument/2006/math">
+                    <m:f>
+                      <m:fPr>
+                        <m:ctrlPr>
+                          <a:rPr lang="en-IN" sz="2400" i="1" smtClean="0">
+                            <a:latin typeface="Cambria Math" panose="02040503050406030204" pitchFamily="18" charset="0"/>
+                            <a:cs typeface="Times New Roman" panose="02020603050405020304" pitchFamily="18" charset="0"/>
+                          </a:rPr>
+                        </m:ctrlPr>
+                      </m:fPr>
+                      <m:num>
+                        <m:r>
+                          <a:rPr lang="en-IN" sz="2400" b="0" i="1" smtClean="0">
+                            <a:latin typeface="Cambria Math" panose="02040503050406030204" pitchFamily="18" charset="0"/>
+                            <a:cs typeface="Times New Roman" panose="02020603050405020304" pitchFamily="18" charset="0"/>
+                          </a:rPr>
+                          <m:t>𝑇𝑃</m:t>
+                        </m:r>
+                      </m:num>
+                      <m:den>
+                        <m:r>
+                          <a:rPr lang="en-IN" sz="2400" b="0" i="1" smtClean="0">
+                            <a:latin typeface="Cambria Math" panose="02040503050406030204" pitchFamily="18" charset="0"/>
+                            <a:cs typeface="Times New Roman" panose="02020603050405020304" pitchFamily="18" charset="0"/>
+                          </a:rPr>
+                          <m:t>𝑇𝑃</m:t>
+                        </m:r>
+                        <m:r>
+                          <a:rPr lang="en-IN" sz="2400" b="0" i="1" smtClean="0">
+                            <a:latin typeface="Cambria Math" panose="02040503050406030204" pitchFamily="18" charset="0"/>
+                            <a:cs typeface="Times New Roman" panose="02020603050405020304" pitchFamily="18" charset="0"/>
+                          </a:rPr>
+                          <m:t>+</m:t>
+                        </m:r>
+                        <m:r>
+                          <a:rPr lang="en-IN" sz="2400" b="0" i="1" smtClean="0">
+                            <a:latin typeface="Cambria Math" panose="02040503050406030204" pitchFamily="18" charset="0"/>
+                            <a:cs typeface="Times New Roman" panose="02020603050405020304" pitchFamily="18" charset="0"/>
+                          </a:rPr>
+                          <m:t>𝐹𝑃</m:t>
+                        </m:r>
+                      </m:den>
+                    </m:f>
+                  </m:oMath>
+                </a14:m>
+                <a:endParaRPr lang="en-IN" sz="2400" dirty="0">
+                  <a:latin typeface="Times New Roman" panose="02020603050405020304" pitchFamily="18" charset="0"/>
+                  <a:cs typeface="Times New Roman" panose="02020603050405020304" pitchFamily="18" charset="0"/>
+                </a:endParaRPr>
+              </a:p>
+              <a:p>
+                <a:pPr algn="just"/>
+                <a:r>
+                  <a:rPr lang="en-IN" sz="2400" dirty="0">
+                    <a:latin typeface="Times New Roman" panose="02020603050405020304" pitchFamily="18" charset="0"/>
+                    <a:cs typeface="Times New Roman" panose="02020603050405020304" pitchFamily="18" charset="0"/>
+                  </a:rPr>
+                  <a:t>Example: precision indicates the percentage of correctly identified spam emails out of all emails classified as spam.</a:t>
+                </a:r>
+              </a:p>
+            </p:txBody>
+          </p:sp>
+        </mc:Choice>
+        <mc:Fallback xmlns="">
+          <p:sp>
+            <p:nvSpPr>
+              <p:cNvPr id="3" name="Content Placeholder 2">
+                <a:extLst>
+                  <a:ext uri="{FF2B5EF4-FFF2-40B4-BE49-F238E27FC236}">
+                    <a16:creationId xmlns:a16="http://schemas.microsoft.com/office/drawing/2014/main" id="{E6E0E5AA-F32A-E7D6-63F9-C4E279430BBB}"/>
+                  </a:ext>
+                </a:extLst>
+              </p:cNvPr>
+              <p:cNvSpPr>
+                <a:spLocks noGrp="1" noRot="1" noChangeAspect="1" noMove="1" noResize="1" noEditPoints="1" noAdjustHandles="1" noChangeArrowheads="1" noChangeShapeType="1" noTextEdit="1"/>
+              </p:cNvSpPr>
+              <p:nvPr>
+                <p:ph idx="1"/>
+              </p:nvPr>
+            </p:nvSpPr>
+            <p:spPr>
+              <a:xfrm>
+                <a:off x="838200" y="1247776"/>
+                <a:ext cx="10515600" cy="4929187"/>
+              </a:xfrm>
+              <a:blipFill>
+                <a:blip r:embed="rId2"/>
+                <a:stretch>
+                  <a:fillRect l="-928" t="-1733" r="-1043" b="-2847"/>
+                </a:stretch>
+              </a:blipFill>
+            </p:spPr>
+            <p:txBody>
+              <a:bodyPr/>
+              <a:lstStyle/>
+              <a:p>
+                <a:r>
+                  <a:rPr lang="en-IN">
+                    <a:noFill/>
+                  </a:rPr>
+                  <a:t> </a:t>
+                </a:r>
+              </a:p>
+            </p:txBody>
+          </p:sp>
+        </mc:Fallback>
+      </mc:AlternateContent>
+    </p:spTree>
+    <p:extLst>
+      <p:ext uri="{BB962C8B-B14F-4D97-AF65-F5344CB8AC3E}">
+        <p14:creationId xmlns:p14="http://schemas.microsoft.com/office/powerpoint/2010/main" val="3522722680"/>
+      </p:ext>
+    </p:extLst>
+  </p:cSld>
+  <p:clrMapOvr>
+    <a:masterClrMapping/>
+  </p:clrMapOvr>
+</p:sld>
+</file>
+
+<file path=ppt/slides/slide15.xml><?xml version="1.0" encoding="utf-8"?>
+<p:sld xmlns:a="http://schemas.openxmlformats.org/drawingml/2006/main" xmlns:r="http://schemas.openxmlformats.org/officeDocument/2006/relationships" xmlns:p="http://schemas.openxmlformats.org/presentationml/2006/main">
+  <p:cSld>
+    <p:spTree>
+      <p:nvGrpSpPr>
+        <p:cNvPr id="1" name="">
+          <a:extLst>
+            <a:ext uri="{FF2B5EF4-FFF2-40B4-BE49-F238E27FC236}">
+              <a16:creationId xmlns:a16="http://schemas.microsoft.com/office/drawing/2014/main" id="{74E739E1-1DC2-8388-D10F-B44FD08C2FAB}"/>
+            </a:ext>
+          </a:extLst>
+        </p:cNvPr>
+        <p:cNvGrpSpPr/>
+        <p:nvPr/>
+      </p:nvGrpSpPr>
+      <p:grpSpPr>
+        <a:xfrm>
+          <a:off x="0" y="0"/>
+          <a:ext cx="0" cy="0"/>
+          <a:chOff x="0" y="0"/>
+          <a:chExt cx="0" cy="0"/>
+        </a:xfrm>
+      </p:grpSpPr>
+      <p:sp>
+        <p:nvSpPr>
+          <p:cNvPr id="2" name="Title 1">
+            <a:extLst>
+              <a:ext uri="{FF2B5EF4-FFF2-40B4-BE49-F238E27FC236}">
+                <a16:creationId xmlns:a16="http://schemas.microsoft.com/office/drawing/2014/main" id="{9A0B8A36-9CD7-FEF4-35C5-441917661046}"/>
+              </a:ext>
+            </a:extLst>
+          </p:cNvPr>
+          <p:cNvSpPr>
+            <a:spLocks noGrp="1"/>
+          </p:cNvSpPr>
+          <p:nvPr>
+            <p:ph type="title"/>
+          </p:nvPr>
+        </p:nvSpPr>
+        <p:spPr>
+          <a:xfrm>
+            <a:off x="723900" y="98426"/>
+            <a:ext cx="10515600" cy="882650"/>
+          </a:xfrm>
+        </p:spPr>
+        <p:txBody>
+          <a:bodyPr>
+            <a:normAutofit/>
+          </a:bodyPr>
+          <a:lstStyle/>
+          <a:p>
+            <a:r>
+              <a:rPr lang="en-IN" sz="4000" dirty="0">
+                <a:latin typeface="Times New Roman" panose="02020603050405020304" pitchFamily="18" charset="0"/>
+                <a:cs typeface="Times New Roman" panose="02020603050405020304" pitchFamily="18" charset="0"/>
+              </a:rPr>
+              <a:t>Classification metrics</a:t>
+            </a:r>
+          </a:p>
+        </p:txBody>
+      </p:sp>
+      <mc:AlternateContent xmlns:mc="http://schemas.openxmlformats.org/markup-compatibility/2006" xmlns:a14="http://schemas.microsoft.com/office/drawing/2010/main">
+        <mc:Choice Requires="a14">
+          <p:sp>
+            <p:nvSpPr>
+              <p:cNvPr id="3" name="Content Placeholder 2">
+                <a:extLst>
+                  <a:ext uri="{FF2B5EF4-FFF2-40B4-BE49-F238E27FC236}">
+                    <a16:creationId xmlns:a16="http://schemas.microsoft.com/office/drawing/2014/main" id="{6F16E8BD-F2B8-885D-EE02-C6612852AA74}"/>
+                  </a:ext>
+                </a:extLst>
+              </p:cNvPr>
+              <p:cNvSpPr>
+                <a:spLocks noGrp="1"/>
+              </p:cNvSpPr>
+              <p:nvPr>
+                <p:ph idx="1"/>
+              </p:nvPr>
+            </p:nvSpPr>
+            <p:spPr>
+              <a:xfrm>
+                <a:off x="838200" y="1247776"/>
+                <a:ext cx="10515600" cy="4929187"/>
+              </a:xfrm>
+            </p:spPr>
+            <p:txBody>
+              <a:bodyPr>
+                <a:normAutofit/>
+              </a:bodyPr>
+              <a:lstStyle/>
+              <a:p>
+                <a:pPr marL="0" indent="0" algn="just">
+                  <a:buNone/>
+                </a:pPr>
+                <a:r>
+                  <a:rPr lang="en-IN" sz="2400" b="1" dirty="0">
+                    <a:latin typeface="Times New Roman" panose="02020603050405020304" pitchFamily="18" charset="0"/>
+                    <a:cs typeface="Times New Roman" panose="02020603050405020304" pitchFamily="18" charset="0"/>
+                  </a:rPr>
+                  <a:t>Recall (sensitivity/true positive rate)</a:t>
+                </a:r>
+                <a:r>
+                  <a:rPr lang="en-IN" sz="2400" dirty="0">
+                    <a:latin typeface="Times New Roman" panose="02020603050405020304" pitchFamily="18" charset="0"/>
+                    <a:cs typeface="Times New Roman" panose="02020603050405020304" pitchFamily="18" charset="0"/>
+                  </a:rPr>
+                  <a:t> </a:t>
+                </a:r>
+              </a:p>
+              <a:p>
+                <a:pPr algn="just"/>
+                <a:r>
+                  <a:rPr lang="en-IN" sz="2400" dirty="0">
+                    <a:latin typeface="Times New Roman" panose="02020603050405020304" pitchFamily="18" charset="0"/>
+                    <a:cs typeface="Times New Roman" panose="02020603050405020304" pitchFamily="18" charset="0"/>
+                  </a:rPr>
+                  <a:t>measures the proportion of true positive predictions among all actual positive instances in the dataset.</a:t>
+                </a:r>
+              </a:p>
+              <a:p>
+                <a:pPr marL="2105025" indent="0" algn="just">
+                  <a:buNone/>
+                </a:pPr>
+                <a:r>
+                  <a:rPr lang="en-IN" sz="2400" dirty="0">
+                    <a:latin typeface="Times New Roman" panose="02020603050405020304" pitchFamily="18" charset="0"/>
+                    <a:cs typeface="Times New Roman" panose="02020603050405020304" pitchFamily="18" charset="0"/>
+                  </a:rPr>
+                  <a:t>Recall = </a:t>
+                </a:r>
+                <a14:m>
+                  <m:oMath xmlns:m="http://schemas.openxmlformats.org/officeDocument/2006/math">
+                    <m:f>
+                      <m:fPr>
+                        <m:ctrlPr>
+                          <a:rPr lang="en-IN" sz="3200" i="1" smtClean="0">
+                            <a:latin typeface="Cambria Math" panose="02040503050406030204" pitchFamily="18" charset="0"/>
+                            <a:cs typeface="Times New Roman" panose="02020603050405020304" pitchFamily="18" charset="0"/>
+                          </a:rPr>
+                        </m:ctrlPr>
+                      </m:fPr>
+                      <m:num>
+                        <m:r>
+                          <a:rPr lang="en-IN" sz="3200" b="0" i="1" smtClean="0">
+                            <a:latin typeface="Cambria Math" panose="02040503050406030204" pitchFamily="18" charset="0"/>
+                            <a:cs typeface="Times New Roman" panose="02020603050405020304" pitchFamily="18" charset="0"/>
+                          </a:rPr>
+                          <m:t>𝑇𝑃</m:t>
+                        </m:r>
+                      </m:num>
+                      <m:den>
+                        <m:r>
+                          <a:rPr lang="en-IN" sz="3200" b="0" i="1" smtClean="0">
+                            <a:latin typeface="Cambria Math" panose="02040503050406030204" pitchFamily="18" charset="0"/>
+                            <a:cs typeface="Times New Roman" panose="02020603050405020304" pitchFamily="18" charset="0"/>
+                          </a:rPr>
+                          <m:t>𝑇𝑃</m:t>
+                        </m:r>
+                        <m:r>
+                          <a:rPr lang="en-IN" sz="3200" b="0" i="1" smtClean="0">
+                            <a:latin typeface="Cambria Math" panose="02040503050406030204" pitchFamily="18" charset="0"/>
+                            <a:cs typeface="Times New Roman" panose="02020603050405020304" pitchFamily="18" charset="0"/>
+                          </a:rPr>
+                          <m:t>+</m:t>
+                        </m:r>
+                        <m:r>
+                          <a:rPr lang="en-IN" sz="3200" b="0" i="1" smtClean="0">
+                            <a:latin typeface="Cambria Math" panose="02040503050406030204" pitchFamily="18" charset="0"/>
+                            <a:cs typeface="Times New Roman" panose="02020603050405020304" pitchFamily="18" charset="0"/>
+                          </a:rPr>
+                          <m:t>𝐹𝑁</m:t>
+                        </m:r>
+                      </m:den>
+                    </m:f>
+                  </m:oMath>
+                </a14:m>
+                <a:endParaRPr lang="en-IN" sz="2400" dirty="0">
+                  <a:latin typeface="Times New Roman" panose="02020603050405020304" pitchFamily="18" charset="0"/>
+                  <a:cs typeface="Times New Roman" panose="02020603050405020304" pitchFamily="18" charset="0"/>
+                </a:endParaRPr>
+              </a:p>
+              <a:p>
+                <a:pPr marL="266700" algn="just"/>
+                <a:endParaRPr lang="en-IN" sz="2400" dirty="0">
+                  <a:latin typeface="Times New Roman" panose="02020603050405020304" pitchFamily="18" charset="0"/>
+                  <a:cs typeface="Times New Roman" panose="02020603050405020304" pitchFamily="18" charset="0"/>
+                </a:endParaRPr>
+              </a:p>
+              <a:p>
+                <a:pPr algn="just"/>
+                <a:r>
+                  <a:rPr lang="en-IN" sz="2400" dirty="0">
+                    <a:latin typeface="Times New Roman" panose="02020603050405020304" pitchFamily="18" charset="0"/>
+                    <a:cs typeface="Times New Roman" panose="02020603050405020304" pitchFamily="18" charset="0"/>
+                  </a:rPr>
+                  <a:t>Example: indicates the percentage of correctly identified spam emails among all emails that are actually spam.</a:t>
+                </a:r>
+              </a:p>
+            </p:txBody>
+          </p:sp>
+        </mc:Choice>
+        <mc:Fallback xmlns="">
+          <p:sp>
+            <p:nvSpPr>
+              <p:cNvPr id="3" name="Content Placeholder 2">
+                <a:extLst>
+                  <a:ext uri="{FF2B5EF4-FFF2-40B4-BE49-F238E27FC236}">
+                    <a16:creationId xmlns:a16="http://schemas.microsoft.com/office/drawing/2014/main" id="{6F16E8BD-F2B8-885D-EE02-C6612852AA74}"/>
+                  </a:ext>
+                </a:extLst>
+              </p:cNvPr>
+              <p:cNvSpPr>
+                <a:spLocks noGrp="1" noRot="1" noChangeAspect="1" noMove="1" noResize="1" noEditPoints="1" noAdjustHandles="1" noChangeArrowheads="1" noChangeShapeType="1" noTextEdit="1"/>
+              </p:cNvSpPr>
+              <p:nvPr>
+                <p:ph idx="1"/>
+              </p:nvPr>
+            </p:nvSpPr>
+            <p:spPr>
+              <a:xfrm>
+                <a:off x="838200" y="1247776"/>
+                <a:ext cx="10515600" cy="4929187"/>
+              </a:xfrm>
+              <a:blipFill>
+                <a:blip r:embed="rId2"/>
+                <a:stretch>
+                  <a:fillRect l="-928" t="-1733" r="-870"/>
+                </a:stretch>
+              </a:blipFill>
+            </p:spPr>
+            <p:txBody>
+              <a:bodyPr/>
+              <a:lstStyle/>
+              <a:p>
+                <a:r>
+                  <a:rPr lang="en-IN">
+                    <a:noFill/>
+                  </a:rPr>
+                  <a:t> </a:t>
+                </a:r>
+              </a:p>
+            </p:txBody>
+          </p:sp>
+        </mc:Fallback>
+      </mc:AlternateContent>
+    </p:spTree>
+    <p:extLst>
+      <p:ext uri="{BB962C8B-B14F-4D97-AF65-F5344CB8AC3E}">
+        <p14:creationId xmlns:p14="http://schemas.microsoft.com/office/powerpoint/2010/main" val="115536311"/>
+      </p:ext>
+    </p:extLst>
+  </p:cSld>
+  <p:clrMapOvr>
+    <a:masterClrMapping/>
+  </p:clrMapOvr>
+</p:sld>
+</file>
+
+<file path=ppt/slides/slide16.xml><?xml version="1.0" encoding="utf-8"?>
+<p:sld xmlns:a="http://schemas.openxmlformats.org/drawingml/2006/main" xmlns:r="http://schemas.openxmlformats.org/officeDocument/2006/relationships" xmlns:p="http://schemas.openxmlformats.org/presentationml/2006/main">
+  <p:cSld>
+    <p:spTree>
+      <p:nvGrpSpPr>
+        <p:cNvPr id="1" name="">
+          <a:extLst>
+            <a:ext uri="{FF2B5EF4-FFF2-40B4-BE49-F238E27FC236}">
+              <a16:creationId xmlns:a16="http://schemas.microsoft.com/office/drawing/2014/main" id="{5F431154-827D-1464-12D0-B76F9F6FDA0F}"/>
+            </a:ext>
+          </a:extLst>
+        </p:cNvPr>
+        <p:cNvGrpSpPr/>
+        <p:nvPr/>
+      </p:nvGrpSpPr>
+      <p:grpSpPr>
+        <a:xfrm>
+          <a:off x="0" y="0"/>
+          <a:ext cx="0" cy="0"/>
+          <a:chOff x="0" y="0"/>
+          <a:chExt cx="0" cy="0"/>
+        </a:xfrm>
+      </p:grpSpPr>
+      <p:sp>
+        <p:nvSpPr>
+          <p:cNvPr id="2" name="Title 1">
+            <a:extLst>
+              <a:ext uri="{FF2B5EF4-FFF2-40B4-BE49-F238E27FC236}">
+                <a16:creationId xmlns:a16="http://schemas.microsoft.com/office/drawing/2014/main" id="{E061E734-0DA1-2612-4123-A1CBEE279DB3}"/>
+              </a:ext>
+            </a:extLst>
+          </p:cNvPr>
+          <p:cNvSpPr>
+            <a:spLocks noGrp="1"/>
+          </p:cNvSpPr>
+          <p:nvPr>
+            <p:ph type="title"/>
+          </p:nvPr>
+        </p:nvSpPr>
+        <p:spPr>
+          <a:xfrm>
+            <a:off x="723900" y="98426"/>
+            <a:ext cx="10515600" cy="882650"/>
+          </a:xfrm>
+        </p:spPr>
+        <p:txBody>
+          <a:bodyPr>
+            <a:normAutofit/>
+          </a:bodyPr>
+          <a:lstStyle/>
+          <a:p>
+            <a:r>
+              <a:rPr lang="en-IN" sz="4000" dirty="0">
+                <a:latin typeface="Times New Roman" panose="02020603050405020304" pitchFamily="18" charset="0"/>
+                <a:cs typeface="Times New Roman" panose="02020603050405020304" pitchFamily="18" charset="0"/>
+              </a:rPr>
+              <a:t>Classification metrics - Example</a:t>
+            </a:r>
+          </a:p>
+        </p:txBody>
+      </p:sp>
+      <p:sp>
+        <p:nvSpPr>
+          <p:cNvPr id="3" name="Content Placeholder 2">
+            <a:extLst>
+              <a:ext uri="{FF2B5EF4-FFF2-40B4-BE49-F238E27FC236}">
+                <a16:creationId xmlns:a16="http://schemas.microsoft.com/office/drawing/2014/main" id="{36491B27-461A-517F-4BF5-B7AF27DED88E}"/>
+              </a:ext>
+            </a:extLst>
+          </p:cNvPr>
+          <p:cNvSpPr>
+            <a:spLocks noGrp="1"/>
+          </p:cNvSpPr>
+          <p:nvPr>
+            <p:ph idx="1"/>
+          </p:nvPr>
+        </p:nvSpPr>
+        <p:spPr>
+          <a:xfrm>
+            <a:off x="838200" y="1247776"/>
+            <a:ext cx="10515600" cy="4929187"/>
+          </a:xfrm>
+        </p:spPr>
+        <p:txBody>
+          <a:bodyPr>
+            <a:normAutofit/>
+          </a:bodyPr>
+          <a:lstStyle/>
+          <a:p>
+            <a:pPr marL="0" indent="0" algn="just">
+              <a:buNone/>
+            </a:pPr>
+            <a:r>
+              <a:rPr lang="en-IN" sz="2400" dirty="0">
+                <a:latin typeface="Times New Roman" panose="02020603050405020304" pitchFamily="18" charset="0"/>
+                <a:cs typeface="Times New Roman" panose="02020603050405020304" pitchFamily="18" charset="0"/>
+              </a:rPr>
+              <a:t>Dataset: 95 healthy (actual negatives) and 5 sick (actual positives)</a:t>
+            </a:r>
+          </a:p>
+          <a:p>
+            <a:pPr marL="0" indent="0" algn="just">
+              <a:buNone/>
+            </a:pPr>
+            <a:r>
+              <a:rPr lang="en-IN" sz="2400" dirty="0">
+                <a:latin typeface="Times New Roman" panose="02020603050405020304" pitchFamily="18" charset="0"/>
+                <a:cs typeface="Times New Roman" panose="02020603050405020304" pitchFamily="18" charset="0"/>
+              </a:rPr>
+              <a:t>Model prediction: everyone healthy</a:t>
+            </a:r>
+          </a:p>
+        </p:txBody>
+      </p:sp>
+      <p:graphicFrame>
+        <p:nvGraphicFramePr>
+          <p:cNvPr id="4" name="Table 3">
+            <a:extLst>
+              <a:ext uri="{FF2B5EF4-FFF2-40B4-BE49-F238E27FC236}">
+                <a16:creationId xmlns:a16="http://schemas.microsoft.com/office/drawing/2014/main" id="{D8C5BAA2-7779-BEF4-D96D-B91FE70A163F}"/>
+              </a:ext>
+            </a:extLst>
+          </p:cNvPr>
+          <p:cNvGraphicFramePr>
+            <a:graphicFrameLocks noGrp="1"/>
+          </p:cNvGraphicFramePr>
+          <p:nvPr>
+            <p:extLst>
+              <p:ext uri="{D42A27DB-BD31-4B8C-83A1-F6EECF244321}">
+                <p14:modId xmlns:p14="http://schemas.microsoft.com/office/powerpoint/2010/main" val="204235101"/>
+              </p:ext>
+            </p:extLst>
+          </p:nvPr>
+        </p:nvGraphicFramePr>
+        <p:xfrm>
+          <a:off x="2928937" y="2362201"/>
+          <a:ext cx="5705476" cy="2419349"/>
+        </p:xfrm>
+        <a:graphic>
+          <a:graphicData uri="http://schemas.openxmlformats.org/drawingml/2006/table">
+            <a:tbl>
+              <a:tblPr firstRow="1" bandRow="1">
+                <a:tableStyleId>{3B4B98B0-60AC-42C2-AFA5-B58CD77FA1E5}</a:tableStyleId>
+              </a:tblPr>
+              <a:tblGrid>
+                <a:gridCol w="501609">
+                  <a:extLst>
+                    <a:ext uri="{9D8B030D-6E8A-4147-A177-3AD203B41FA5}">
+                      <a16:colId xmlns:a16="http://schemas.microsoft.com/office/drawing/2014/main" val="505336705"/>
+                    </a:ext>
+                  </a:extLst>
+                </a:gridCol>
+                <a:gridCol w="1546267">
+                  <a:extLst>
+                    <a:ext uri="{9D8B030D-6E8A-4147-A177-3AD203B41FA5}">
+                      <a16:colId xmlns:a16="http://schemas.microsoft.com/office/drawing/2014/main" val="1578280072"/>
+                    </a:ext>
+                  </a:extLst>
+                </a:gridCol>
+                <a:gridCol w="1762125">
+                  <a:extLst>
+                    <a:ext uri="{9D8B030D-6E8A-4147-A177-3AD203B41FA5}">
+                      <a16:colId xmlns:a16="http://schemas.microsoft.com/office/drawing/2014/main" val="1764219532"/>
+                    </a:ext>
+                  </a:extLst>
+                </a:gridCol>
+                <a:gridCol w="1895475">
+                  <a:extLst>
+                    <a:ext uri="{9D8B030D-6E8A-4147-A177-3AD203B41FA5}">
+                      <a16:colId xmlns:a16="http://schemas.microsoft.com/office/drawing/2014/main" val="4032761241"/>
+                    </a:ext>
+                  </a:extLst>
+                </a:gridCol>
+              </a:tblGrid>
+              <a:tr h="505036">
+                <a:tc>
+                  <a:txBody>
+                    <a:bodyPr/>
+                    <a:lstStyle/>
+                    <a:p>
+                      <a:endParaRPr lang="en-IN" sz="2000" dirty="0">
+                        <a:latin typeface="Times New Roman" panose="02020603050405020304" pitchFamily="18" charset="0"/>
+                        <a:cs typeface="Times New Roman" panose="02020603050405020304" pitchFamily="18" charset="0"/>
+                      </a:endParaRPr>
+                    </a:p>
+                  </a:txBody>
+                  <a:tcPr>
+                    <a:lnL w="12700" cap="flat" cmpd="sng" algn="ctr">
+                      <a:solidFill>
+                        <a:schemeClr val="tx1"/>
+                      </a:solidFill>
+                      <a:prstDash val="solid"/>
+                      <a:round/>
+                      <a:headEnd type="none" w="med" len="med"/>
+                      <a:tailEnd type="none" w="med" len="med"/>
+                    </a:lnL>
+                    <a:lnR w="12700" cap="flat" cmpd="sng" algn="ctr">
+                      <a:solidFill>
+                        <a:schemeClr val="tx1"/>
+                      </a:solidFill>
+                      <a:prstDash val="solid"/>
+                      <a:round/>
+                      <a:headEnd type="none" w="med" len="med"/>
+                      <a:tailEnd type="none" w="med" len="med"/>
+                    </a:lnR>
+                    <a:lnT w="12700" cap="flat" cmpd="sng" algn="ctr">
+                      <a:solidFill>
+                        <a:schemeClr val="tx1"/>
+                      </a:solidFill>
+                      <a:prstDash val="solid"/>
+                      <a:round/>
+                      <a:headEnd type="none" w="med" len="med"/>
+                      <a:tailEnd type="none" w="med" len="med"/>
+                    </a:lnT>
+                    <a:lnB w="12700" cap="flat" cmpd="sng" algn="ctr">
+                      <a:solidFill>
+                        <a:schemeClr val="tx1"/>
+                      </a:solidFill>
+                      <a:prstDash val="solid"/>
+                      <a:round/>
+                      <a:headEnd type="none" w="med" len="med"/>
+                      <a:tailEnd type="none" w="med" len="med"/>
+                    </a:lnB>
+                  </a:tcPr>
+                </a:tc>
+                <a:tc gridSpan="3">
+                  <a:txBody>
+                    <a:bodyPr/>
+                    <a:lstStyle/>
+                    <a:p>
+                      <a:pPr algn="ctr"/>
+                      <a:r>
+                        <a:rPr lang="en-IN" sz="2000" b="1" dirty="0">
+                          <a:latin typeface="Times New Roman" panose="02020603050405020304" pitchFamily="18" charset="0"/>
+                          <a:cs typeface="Times New Roman" panose="02020603050405020304" pitchFamily="18" charset="0"/>
+                        </a:rPr>
+                        <a:t>Actual</a:t>
+                      </a:r>
+                    </a:p>
+                  </a:txBody>
+                  <a:tcPr>
+                    <a:lnL w="12700" cap="flat" cmpd="sng" algn="ctr">
+                      <a:solidFill>
+                        <a:schemeClr val="tx1"/>
+                      </a:solidFill>
+                      <a:prstDash val="solid"/>
+                      <a:round/>
+                      <a:headEnd type="none" w="med" len="med"/>
+                      <a:tailEnd type="none" w="med" len="med"/>
+                    </a:lnL>
+                    <a:lnR w="12700" cap="flat" cmpd="sng" algn="ctr">
+                      <a:solidFill>
+                        <a:schemeClr val="tx1"/>
+                      </a:solidFill>
+                      <a:prstDash val="solid"/>
+                      <a:round/>
+                      <a:headEnd type="none" w="med" len="med"/>
+                      <a:tailEnd type="none" w="med" len="med"/>
+                    </a:lnR>
+                    <a:lnT w="12700" cap="flat" cmpd="sng" algn="ctr">
+                      <a:solidFill>
+                        <a:schemeClr val="tx1"/>
+                      </a:solidFill>
+                      <a:prstDash val="solid"/>
+                      <a:round/>
+                      <a:headEnd type="none" w="med" len="med"/>
+                      <a:tailEnd type="none" w="med" len="med"/>
+                    </a:lnT>
+                    <a:lnB w="12700" cap="flat" cmpd="sng" algn="ctr">
+                      <a:solidFill>
+                        <a:schemeClr val="tx1"/>
+                      </a:solidFill>
+                      <a:prstDash val="solid"/>
+                      <a:round/>
+                      <a:headEnd type="none" w="med" len="med"/>
+                      <a:tailEnd type="none" w="med" len="med"/>
+                    </a:lnB>
+                  </a:tcPr>
+                </a:tc>
+                <a:tc hMerge="1">
+                  <a:txBody>
+                    <a:bodyPr/>
+                    <a:lstStyle/>
+                    <a:p>
+                      <a:endParaRPr/>
+                    </a:p>
+                  </a:txBody>
+                  <a:tcPr>
+                    <a:lnL w="12700" cap="flat" cmpd="sng" algn="ctr">
+                      <a:solidFill>
+                        <a:schemeClr val="tx1"/>
+                      </a:solidFill>
+                      <a:prstDash val="solid"/>
+                      <a:round/>
+                      <a:headEnd type="none" w="med" len="med"/>
+                      <a:tailEnd type="none" w="med" len="med"/>
+                    </a:lnL>
+                    <a:lnR w="12700" cap="flat" cmpd="sng" algn="ctr">
+                      <a:solidFill>
+                        <a:schemeClr val="tx1"/>
+                      </a:solidFill>
+                      <a:prstDash val="solid"/>
+                      <a:round/>
+                      <a:headEnd type="none" w="med" len="med"/>
+                      <a:tailEnd type="none" w="med" len="med"/>
+                    </a:lnR>
+                    <a:lnT w="12700" cap="flat" cmpd="sng" algn="ctr">
+                      <a:solidFill>
+                        <a:schemeClr val="tx1"/>
+                      </a:solidFill>
+                      <a:prstDash val="solid"/>
+                      <a:round/>
+                      <a:headEnd type="none" w="med" len="med"/>
+                      <a:tailEnd type="none" w="med" len="med"/>
+                    </a:lnT>
+                    <a:lnB w="12700" cap="flat" cmpd="sng" algn="ctr">
+                      <a:solidFill>
+                        <a:schemeClr val="tx1"/>
+                      </a:solidFill>
+                      <a:prstDash val="solid"/>
+                      <a:round/>
+                      <a:headEnd type="none" w="med" len="med"/>
+                      <a:tailEnd type="none" w="med" len="med"/>
+                    </a:lnB>
+                  </a:tcPr>
+                </a:tc>
+                <a:tc hMerge="1">
+                  <a:txBody>
+                    <a:bodyPr/>
+                    <a:lstStyle/>
+                    <a:p>
+                      <a:endParaRPr lang="en-IN" dirty="0"/>
+                    </a:p>
+                  </a:txBody>
+                  <a:tcPr>
+                    <a:lnL w="12700" cap="flat" cmpd="sng" algn="ctr">
+                      <a:solidFill>
+                        <a:schemeClr val="tx1"/>
+                      </a:solidFill>
+                      <a:prstDash val="solid"/>
+                      <a:round/>
+                      <a:headEnd type="none" w="med" len="med"/>
+                      <a:tailEnd type="none" w="med" len="med"/>
+                    </a:lnL>
+                    <a:lnR w="12700" cap="flat" cmpd="sng" algn="ctr">
+                      <a:solidFill>
+                        <a:schemeClr val="tx1"/>
+                      </a:solidFill>
+                      <a:prstDash val="solid"/>
+                      <a:round/>
+                      <a:headEnd type="none" w="med" len="med"/>
+                      <a:tailEnd type="none" w="med" len="med"/>
+                    </a:lnR>
+                    <a:lnT w="12700" cap="flat" cmpd="sng" algn="ctr">
+                      <a:solidFill>
+                        <a:schemeClr val="tx1"/>
+                      </a:solidFill>
+                      <a:prstDash val="solid"/>
+                      <a:round/>
+                      <a:headEnd type="none" w="med" len="med"/>
+                      <a:tailEnd type="none" w="med" len="med"/>
+                    </a:lnT>
+                    <a:lnB w="12700" cap="flat" cmpd="sng" algn="ctr">
+                      <a:solidFill>
+                        <a:schemeClr val="tx1"/>
+                      </a:solidFill>
+                      <a:prstDash val="solid"/>
+                      <a:round/>
+                      <a:headEnd type="none" w="med" len="med"/>
+                      <a:tailEnd type="none" w="med" len="med"/>
+                    </a:lnB>
+                  </a:tcPr>
+                </a:tc>
+                <a:extLst>
+                  <a:ext uri="{0D108BD9-81ED-4DB2-BD59-A6C34878D82A}">
+                    <a16:rowId xmlns:a16="http://schemas.microsoft.com/office/drawing/2014/main" val="515019856"/>
+                  </a:ext>
+                </a:extLst>
+              </a:tr>
+              <a:tr h="590338">
+                <a:tc rowSpan="3">
+                  <a:txBody>
+                    <a:bodyPr/>
+                    <a:lstStyle/>
+                    <a:p>
+                      <a:pPr algn="ctr"/>
+                      <a:r>
+                        <a:rPr lang="en-IN" sz="2000" b="1" dirty="0">
+                          <a:latin typeface="Times New Roman" panose="02020603050405020304" pitchFamily="18" charset="0"/>
+                          <a:cs typeface="Times New Roman" panose="02020603050405020304" pitchFamily="18" charset="0"/>
+                        </a:rPr>
+                        <a:t>Predicted</a:t>
+                      </a:r>
+                    </a:p>
+                  </a:txBody>
+                  <a:tcPr vert="vert270">
+                    <a:lnL w="12700" cap="flat" cmpd="sng" algn="ctr">
+                      <a:solidFill>
+                        <a:schemeClr val="tx1"/>
+                      </a:solidFill>
+                      <a:prstDash val="solid"/>
+                      <a:round/>
+                      <a:headEnd type="none" w="med" len="med"/>
+                      <a:tailEnd type="none" w="med" len="med"/>
+                    </a:lnL>
+                    <a:lnR w="12700" cap="flat" cmpd="sng" algn="ctr">
+                      <a:solidFill>
+                        <a:schemeClr val="tx1"/>
+                      </a:solidFill>
+                      <a:prstDash val="solid"/>
+                      <a:round/>
+                      <a:headEnd type="none" w="med" len="med"/>
+                      <a:tailEnd type="none" w="med" len="med"/>
+                    </a:lnR>
+                    <a:lnT w="12700" cap="flat" cmpd="sng" algn="ctr">
+                      <a:solidFill>
+                        <a:schemeClr val="tx1"/>
+                      </a:solidFill>
+                      <a:prstDash val="solid"/>
+                      <a:round/>
+                      <a:headEnd type="none" w="med" len="med"/>
+                      <a:tailEnd type="none" w="med" len="med"/>
+                    </a:lnT>
+                    <a:lnB w="12700" cap="flat" cmpd="sng" algn="ctr">
+                      <a:solidFill>
+                        <a:schemeClr val="tx1"/>
+                      </a:solidFill>
+                      <a:prstDash val="solid"/>
+                      <a:round/>
+                      <a:headEnd type="none" w="med" len="med"/>
+                      <a:tailEnd type="none" w="med" len="med"/>
+                    </a:lnB>
+                  </a:tcPr>
+                </a:tc>
+                <a:tc>
+                  <a:txBody>
+                    <a:bodyPr/>
+                    <a:lstStyle/>
+                    <a:p>
+                      <a:pPr algn="ctr"/>
+                      <a:endParaRPr lang="en-IN" sz="2000" dirty="0">
+                        <a:latin typeface="Times New Roman" panose="02020603050405020304" pitchFamily="18" charset="0"/>
+                        <a:cs typeface="Times New Roman" panose="02020603050405020304" pitchFamily="18" charset="0"/>
+                      </a:endParaRPr>
+                    </a:p>
+                  </a:txBody>
+                  <a:tcPr>
+                    <a:lnL w="12700" cap="flat" cmpd="sng" algn="ctr">
+                      <a:solidFill>
+                        <a:schemeClr val="tx1"/>
+                      </a:solidFill>
+                      <a:prstDash val="solid"/>
+                      <a:round/>
+                      <a:headEnd type="none" w="med" len="med"/>
+                      <a:tailEnd type="none" w="med" len="med"/>
+                    </a:lnL>
+                    <a:lnR w="12700" cap="flat" cmpd="sng" algn="ctr">
+                      <a:solidFill>
+                        <a:schemeClr val="tx1"/>
+                      </a:solidFill>
+                      <a:prstDash val="solid"/>
+                      <a:round/>
+                      <a:headEnd type="none" w="med" len="med"/>
+                      <a:tailEnd type="none" w="med" len="med"/>
+                    </a:lnR>
+                    <a:lnT w="12700" cap="flat" cmpd="sng" algn="ctr">
+                      <a:solidFill>
+                        <a:schemeClr val="tx1"/>
+                      </a:solidFill>
+                      <a:prstDash val="solid"/>
+                      <a:round/>
+                      <a:headEnd type="none" w="med" len="med"/>
+                      <a:tailEnd type="none" w="med" len="med"/>
+                    </a:lnT>
+                    <a:lnB w="12700" cap="flat" cmpd="sng" algn="ctr">
+                      <a:solidFill>
+                        <a:schemeClr val="tx1"/>
+                      </a:solidFill>
+                      <a:prstDash val="solid"/>
+                      <a:round/>
+                      <a:headEnd type="none" w="med" len="med"/>
+                      <a:tailEnd type="none" w="med" len="med"/>
+                    </a:lnB>
+                  </a:tcPr>
+                </a:tc>
+                <a:tc>
+                  <a:txBody>
+                    <a:bodyPr/>
+                    <a:lstStyle/>
+                    <a:p>
+                      <a:pPr algn="ctr"/>
+                      <a:r>
+                        <a:rPr lang="en-IN" sz="2000" dirty="0">
+                          <a:latin typeface="Times New Roman" panose="02020603050405020304" pitchFamily="18" charset="0"/>
+                          <a:cs typeface="Times New Roman" panose="02020603050405020304" pitchFamily="18" charset="0"/>
+                        </a:rPr>
+                        <a:t>Positive</a:t>
+                      </a:r>
+                    </a:p>
+                  </a:txBody>
+                  <a:tcPr>
+                    <a:lnL w="12700" cap="flat" cmpd="sng" algn="ctr">
+                      <a:solidFill>
+                        <a:schemeClr val="tx1"/>
+                      </a:solidFill>
+                      <a:prstDash val="solid"/>
+                      <a:round/>
+                      <a:headEnd type="none" w="med" len="med"/>
+                      <a:tailEnd type="none" w="med" len="med"/>
+                    </a:lnL>
+                    <a:lnR w="12700" cap="flat" cmpd="sng" algn="ctr">
+                      <a:solidFill>
+                        <a:schemeClr val="tx1"/>
+                      </a:solidFill>
+                      <a:prstDash val="solid"/>
+                      <a:round/>
+                      <a:headEnd type="none" w="med" len="med"/>
+                      <a:tailEnd type="none" w="med" len="med"/>
+                    </a:lnR>
+                    <a:lnT w="12700" cap="flat" cmpd="sng" algn="ctr">
+                      <a:solidFill>
+                        <a:schemeClr val="tx1"/>
+                      </a:solidFill>
+                      <a:prstDash val="solid"/>
+                      <a:round/>
+                      <a:headEnd type="none" w="med" len="med"/>
+                      <a:tailEnd type="none" w="med" len="med"/>
+                    </a:lnT>
+                    <a:lnB w="12700" cap="flat" cmpd="sng" algn="ctr">
+                      <a:solidFill>
+                        <a:schemeClr val="tx1"/>
+                      </a:solidFill>
+                      <a:prstDash val="solid"/>
+                      <a:round/>
+                      <a:headEnd type="none" w="med" len="med"/>
+                      <a:tailEnd type="none" w="med" len="med"/>
+                    </a:lnB>
+                  </a:tcPr>
+                </a:tc>
+                <a:tc>
+                  <a:txBody>
+                    <a:bodyPr/>
+                    <a:lstStyle/>
+                    <a:p>
+                      <a:pPr algn="ctr"/>
+                      <a:r>
+                        <a:rPr lang="en-IN" sz="2000" dirty="0">
+                          <a:latin typeface="Times New Roman" panose="02020603050405020304" pitchFamily="18" charset="0"/>
+                          <a:cs typeface="Times New Roman" panose="02020603050405020304" pitchFamily="18" charset="0"/>
+                        </a:rPr>
+                        <a:t>Negative</a:t>
+                      </a:r>
+                    </a:p>
+                  </a:txBody>
+                  <a:tcPr>
+                    <a:lnL w="12700" cap="flat" cmpd="sng" algn="ctr">
+                      <a:solidFill>
+                        <a:schemeClr val="tx1"/>
+                      </a:solidFill>
+                      <a:prstDash val="solid"/>
+                      <a:round/>
+                      <a:headEnd type="none" w="med" len="med"/>
+                      <a:tailEnd type="none" w="med" len="med"/>
+                    </a:lnL>
+                    <a:lnR w="12700" cap="flat" cmpd="sng" algn="ctr">
+                      <a:solidFill>
+                        <a:schemeClr val="tx1"/>
+                      </a:solidFill>
+                      <a:prstDash val="solid"/>
+                      <a:round/>
+                      <a:headEnd type="none" w="med" len="med"/>
+                      <a:tailEnd type="none" w="med" len="med"/>
+                    </a:lnR>
+                    <a:lnT w="12700" cap="flat" cmpd="sng" algn="ctr">
+                      <a:solidFill>
+                        <a:schemeClr val="tx1"/>
+                      </a:solidFill>
+                      <a:prstDash val="solid"/>
+                      <a:round/>
+                      <a:headEnd type="none" w="med" len="med"/>
+                      <a:tailEnd type="none" w="med" len="med"/>
+                    </a:lnT>
+                    <a:lnB w="12700" cap="flat" cmpd="sng" algn="ctr">
+                      <a:solidFill>
+                        <a:schemeClr val="tx1"/>
+                      </a:solidFill>
+                      <a:prstDash val="solid"/>
+                      <a:round/>
+                      <a:headEnd type="none" w="med" len="med"/>
+                      <a:tailEnd type="none" w="med" len="med"/>
+                    </a:lnB>
+                  </a:tcPr>
+                </a:tc>
+                <a:extLst>
+                  <a:ext uri="{0D108BD9-81ED-4DB2-BD59-A6C34878D82A}">
+                    <a16:rowId xmlns:a16="http://schemas.microsoft.com/office/drawing/2014/main" val="3457386711"/>
+                  </a:ext>
+                </a:extLst>
+              </a:tr>
+              <a:tr h="628650">
+                <a:tc vMerge="1">
+                  <a:txBody>
+                    <a:bodyPr/>
+                    <a:lstStyle/>
+                    <a:p>
+                      <a:endParaRPr lang="en-IN" dirty="0"/>
+                    </a:p>
+                  </a:txBody>
+                  <a:tcPr>
+                    <a:lnL w="12700" cap="flat" cmpd="sng" algn="ctr">
+                      <a:solidFill>
+                        <a:schemeClr val="tx1"/>
+                      </a:solidFill>
+                      <a:prstDash val="solid"/>
+                      <a:round/>
+                      <a:headEnd type="none" w="med" len="med"/>
+                      <a:tailEnd type="none" w="med" len="med"/>
+                    </a:lnL>
+                    <a:lnR w="12700" cap="flat" cmpd="sng" algn="ctr">
+                      <a:solidFill>
+                        <a:schemeClr val="tx1"/>
+                      </a:solidFill>
+                      <a:prstDash val="solid"/>
+                      <a:round/>
+                      <a:headEnd type="none" w="med" len="med"/>
+                      <a:tailEnd type="none" w="med" len="med"/>
+                    </a:lnR>
+                    <a:lnT w="12700" cap="flat" cmpd="sng" algn="ctr">
+                      <a:solidFill>
+                        <a:schemeClr val="tx1"/>
+                      </a:solidFill>
+                      <a:prstDash val="solid"/>
+                      <a:round/>
+                      <a:headEnd type="none" w="med" len="med"/>
+                      <a:tailEnd type="none" w="med" len="med"/>
+                    </a:lnT>
+                    <a:lnB w="12700" cap="flat" cmpd="sng" algn="ctr">
+                      <a:solidFill>
+                        <a:schemeClr val="tx1"/>
+                      </a:solidFill>
+                      <a:prstDash val="solid"/>
+                      <a:round/>
+                      <a:headEnd type="none" w="med" len="med"/>
+                      <a:tailEnd type="none" w="med" len="med"/>
+                    </a:lnB>
+                  </a:tcPr>
+                </a:tc>
+                <a:tc>
+                  <a:txBody>
+                    <a:bodyPr/>
+                    <a:lstStyle/>
+                    <a:p>
+                      <a:pPr algn="ctr"/>
+                      <a:r>
+                        <a:rPr lang="en-IN" sz="2000" dirty="0">
+                          <a:latin typeface="Times New Roman" panose="02020603050405020304" pitchFamily="18" charset="0"/>
+                          <a:cs typeface="Times New Roman" panose="02020603050405020304" pitchFamily="18" charset="0"/>
+                        </a:rPr>
+                        <a:t>Positive</a:t>
+                      </a:r>
+                    </a:p>
+                  </a:txBody>
+                  <a:tcPr>
+                    <a:lnL w="12700" cap="flat" cmpd="sng" algn="ctr">
+                      <a:solidFill>
+                        <a:schemeClr val="tx1"/>
+                      </a:solidFill>
+                      <a:prstDash val="solid"/>
+                      <a:round/>
+                      <a:headEnd type="none" w="med" len="med"/>
+                      <a:tailEnd type="none" w="med" len="med"/>
+                    </a:lnL>
+                    <a:lnR w="12700" cap="flat" cmpd="sng" algn="ctr">
+                      <a:solidFill>
+                        <a:schemeClr val="tx1"/>
+                      </a:solidFill>
+                      <a:prstDash val="solid"/>
+                      <a:round/>
+                      <a:headEnd type="none" w="med" len="med"/>
+                      <a:tailEnd type="none" w="med" len="med"/>
+                    </a:lnR>
+                    <a:lnT w="12700" cap="flat" cmpd="sng" algn="ctr">
+                      <a:solidFill>
+                        <a:schemeClr val="tx1"/>
+                      </a:solidFill>
+                      <a:prstDash val="solid"/>
+                      <a:round/>
+                      <a:headEnd type="none" w="med" len="med"/>
+                      <a:tailEnd type="none" w="med" len="med"/>
+                    </a:lnT>
+                    <a:lnB w="12700" cap="flat" cmpd="sng" algn="ctr">
+                      <a:solidFill>
+                        <a:schemeClr val="tx1"/>
+                      </a:solidFill>
+                      <a:prstDash val="solid"/>
+                      <a:round/>
+                      <a:headEnd type="none" w="med" len="med"/>
+                      <a:tailEnd type="none" w="med" len="med"/>
+                    </a:lnB>
+                  </a:tcPr>
+                </a:tc>
+                <a:tc>
+                  <a:txBody>
+                    <a:bodyPr/>
+                    <a:lstStyle/>
+                    <a:p>
+                      <a:pPr algn="ctr"/>
+                      <a:r>
+                        <a:rPr lang="en-IN" sz="2000" dirty="0">
+                          <a:latin typeface="Times New Roman" panose="02020603050405020304" pitchFamily="18" charset="0"/>
+                          <a:cs typeface="Times New Roman" panose="02020603050405020304" pitchFamily="18" charset="0"/>
+                        </a:rPr>
+                        <a:t>TP = 0</a:t>
+                      </a:r>
+                    </a:p>
+                  </a:txBody>
+                  <a:tcPr>
+                    <a:lnL w="12700" cap="flat" cmpd="sng" algn="ctr">
+                      <a:solidFill>
+                        <a:schemeClr val="tx1"/>
+                      </a:solidFill>
+                      <a:prstDash val="solid"/>
+                      <a:round/>
+                      <a:headEnd type="none" w="med" len="med"/>
+                      <a:tailEnd type="none" w="med" len="med"/>
+                    </a:lnL>
+                    <a:lnR w="12700" cap="flat" cmpd="sng" algn="ctr">
+                      <a:solidFill>
+                        <a:schemeClr val="tx1"/>
+                      </a:solidFill>
+                      <a:prstDash val="solid"/>
+                      <a:round/>
+                      <a:headEnd type="none" w="med" len="med"/>
+                      <a:tailEnd type="none" w="med" len="med"/>
+                    </a:lnR>
+                    <a:lnT w="12700" cap="flat" cmpd="sng" algn="ctr">
+                      <a:solidFill>
+                        <a:schemeClr val="tx1"/>
+                      </a:solidFill>
+                      <a:prstDash val="solid"/>
+                      <a:round/>
+                      <a:headEnd type="none" w="med" len="med"/>
+                      <a:tailEnd type="none" w="med" len="med"/>
+                    </a:lnT>
+                    <a:lnB w="12700" cap="flat" cmpd="sng" algn="ctr">
+                      <a:solidFill>
+                        <a:schemeClr val="tx1"/>
+                      </a:solidFill>
+                      <a:prstDash val="solid"/>
+                      <a:round/>
+                      <a:headEnd type="none" w="med" len="med"/>
+                      <a:tailEnd type="none" w="med" len="med"/>
+                    </a:lnB>
+                  </a:tcPr>
+                </a:tc>
+                <a:tc>
+                  <a:txBody>
+                    <a:bodyPr/>
+                    <a:lstStyle/>
+                    <a:p>
+                      <a:pPr algn="ctr"/>
+                      <a:r>
+                        <a:rPr lang="en-IN" sz="2000" dirty="0">
+                          <a:latin typeface="Times New Roman" panose="02020603050405020304" pitchFamily="18" charset="0"/>
+                          <a:cs typeface="Times New Roman" panose="02020603050405020304" pitchFamily="18" charset="0"/>
+                        </a:rPr>
+                        <a:t>FP = 0</a:t>
+                      </a:r>
+                    </a:p>
+                  </a:txBody>
+                  <a:tcPr>
+                    <a:lnL w="12700" cap="flat" cmpd="sng" algn="ctr">
+                      <a:solidFill>
+                        <a:schemeClr val="tx1"/>
+                      </a:solidFill>
+                      <a:prstDash val="solid"/>
+                      <a:round/>
+                      <a:headEnd type="none" w="med" len="med"/>
+                      <a:tailEnd type="none" w="med" len="med"/>
+                    </a:lnL>
+                    <a:lnR w="12700" cap="flat" cmpd="sng" algn="ctr">
+                      <a:solidFill>
+                        <a:schemeClr val="tx1"/>
+                      </a:solidFill>
+                      <a:prstDash val="solid"/>
+                      <a:round/>
+                      <a:headEnd type="none" w="med" len="med"/>
+                      <a:tailEnd type="none" w="med" len="med"/>
+                    </a:lnR>
+                    <a:lnT w="12700" cap="flat" cmpd="sng" algn="ctr">
+                      <a:solidFill>
+                        <a:schemeClr val="tx1"/>
+                      </a:solidFill>
+                      <a:prstDash val="solid"/>
+                      <a:round/>
+                      <a:headEnd type="none" w="med" len="med"/>
+                      <a:tailEnd type="none" w="med" len="med"/>
+                    </a:lnT>
+                    <a:lnB w="12700" cap="flat" cmpd="sng" algn="ctr">
+                      <a:solidFill>
+                        <a:schemeClr val="tx1"/>
+                      </a:solidFill>
+                      <a:prstDash val="solid"/>
+                      <a:round/>
+                      <a:headEnd type="none" w="med" len="med"/>
+                      <a:tailEnd type="none" w="med" len="med"/>
+                    </a:lnB>
+                  </a:tcPr>
+                </a:tc>
+                <a:extLst>
+                  <a:ext uri="{0D108BD9-81ED-4DB2-BD59-A6C34878D82A}">
+                    <a16:rowId xmlns:a16="http://schemas.microsoft.com/office/drawing/2014/main" val="2803738064"/>
+                  </a:ext>
+                </a:extLst>
+              </a:tr>
+              <a:tr h="695325">
+                <a:tc vMerge="1">
+                  <a:txBody>
+                    <a:bodyPr/>
+                    <a:lstStyle/>
+                    <a:p>
+                      <a:endParaRPr lang="en-IN" dirty="0"/>
+                    </a:p>
+                  </a:txBody>
+                  <a:tcPr>
+                    <a:lnL w="12700" cap="flat" cmpd="sng" algn="ctr">
+                      <a:solidFill>
+                        <a:schemeClr val="tx1"/>
+                      </a:solidFill>
+                      <a:prstDash val="solid"/>
+                      <a:round/>
+                      <a:headEnd type="none" w="med" len="med"/>
+                      <a:tailEnd type="none" w="med" len="med"/>
+                    </a:lnL>
+                    <a:lnR w="12700" cap="flat" cmpd="sng" algn="ctr">
+                      <a:solidFill>
+                        <a:schemeClr val="tx1"/>
+                      </a:solidFill>
+                      <a:prstDash val="solid"/>
+                      <a:round/>
+                      <a:headEnd type="none" w="med" len="med"/>
+                      <a:tailEnd type="none" w="med" len="med"/>
+                    </a:lnR>
+                    <a:lnT w="12700" cap="flat" cmpd="sng" algn="ctr">
+                      <a:solidFill>
+                        <a:schemeClr val="tx1"/>
+                      </a:solidFill>
+                      <a:prstDash val="solid"/>
+                      <a:round/>
+                      <a:headEnd type="none" w="med" len="med"/>
+                      <a:tailEnd type="none" w="med" len="med"/>
+                    </a:lnT>
+                    <a:lnB w="12700" cap="flat" cmpd="sng" algn="ctr">
+                      <a:solidFill>
+                        <a:schemeClr val="tx1"/>
+                      </a:solidFill>
+                      <a:prstDash val="solid"/>
+                      <a:round/>
+                      <a:headEnd type="none" w="med" len="med"/>
+                      <a:tailEnd type="none" w="med" len="med"/>
+                    </a:lnB>
+                  </a:tcPr>
+                </a:tc>
+                <a:tc>
+                  <a:txBody>
+                    <a:bodyPr/>
+                    <a:lstStyle/>
+                    <a:p>
+                      <a:pPr algn="ctr"/>
+                      <a:r>
+                        <a:rPr lang="en-IN" sz="2000" dirty="0">
+                          <a:latin typeface="Times New Roman" panose="02020603050405020304" pitchFamily="18" charset="0"/>
+                          <a:cs typeface="Times New Roman" panose="02020603050405020304" pitchFamily="18" charset="0"/>
+                        </a:rPr>
+                        <a:t>Negative</a:t>
+                      </a:r>
+                    </a:p>
+                  </a:txBody>
+                  <a:tcPr>
+                    <a:lnL w="12700" cap="flat" cmpd="sng" algn="ctr">
+                      <a:solidFill>
+                        <a:schemeClr val="tx1"/>
+                      </a:solidFill>
+                      <a:prstDash val="solid"/>
+                      <a:round/>
+                      <a:headEnd type="none" w="med" len="med"/>
+                      <a:tailEnd type="none" w="med" len="med"/>
+                    </a:lnL>
+                    <a:lnR w="12700" cap="flat" cmpd="sng" algn="ctr">
+                      <a:solidFill>
+                        <a:schemeClr val="tx1"/>
+                      </a:solidFill>
+                      <a:prstDash val="solid"/>
+                      <a:round/>
+                      <a:headEnd type="none" w="med" len="med"/>
+                      <a:tailEnd type="none" w="med" len="med"/>
+                    </a:lnR>
+                    <a:lnT w="12700" cap="flat" cmpd="sng" algn="ctr">
+                      <a:solidFill>
+                        <a:schemeClr val="tx1"/>
+                      </a:solidFill>
+                      <a:prstDash val="solid"/>
+                      <a:round/>
+                      <a:headEnd type="none" w="med" len="med"/>
+                      <a:tailEnd type="none" w="med" len="med"/>
+                    </a:lnT>
+                    <a:lnB w="12700" cap="flat" cmpd="sng" algn="ctr">
+                      <a:solidFill>
+                        <a:schemeClr val="tx1"/>
+                      </a:solidFill>
+                      <a:prstDash val="solid"/>
+                      <a:round/>
+                      <a:headEnd type="none" w="med" len="med"/>
+                      <a:tailEnd type="none" w="med" len="med"/>
+                    </a:lnB>
+                  </a:tcPr>
+                </a:tc>
+                <a:tc>
+                  <a:txBody>
+                    <a:bodyPr/>
+                    <a:lstStyle/>
+                    <a:p>
+                      <a:pPr algn="ctr"/>
+                      <a:r>
+                        <a:rPr lang="en-IN" sz="2000" dirty="0">
+                          <a:latin typeface="Times New Roman" panose="02020603050405020304" pitchFamily="18" charset="0"/>
+                          <a:cs typeface="Times New Roman" panose="02020603050405020304" pitchFamily="18" charset="0"/>
+                        </a:rPr>
+                        <a:t>FN = 5</a:t>
+                      </a:r>
+                    </a:p>
+                  </a:txBody>
+                  <a:tcPr>
+                    <a:lnL w="12700" cap="flat" cmpd="sng" algn="ctr">
+                      <a:solidFill>
+                        <a:schemeClr val="tx1"/>
+                      </a:solidFill>
+                      <a:prstDash val="solid"/>
+                      <a:round/>
+                      <a:headEnd type="none" w="med" len="med"/>
+                      <a:tailEnd type="none" w="med" len="med"/>
+                    </a:lnL>
+                    <a:lnR w="12700" cap="flat" cmpd="sng" algn="ctr">
+                      <a:solidFill>
+                        <a:schemeClr val="tx1"/>
+                      </a:solidFill>
+                      <a:prstDash val="solid"/>
+                      <a:round/>
+                      <a:headEnd type="none" w="med" len="med"/>
+                      <a:tailEnd type="none" w="med" len="med"/>
+                    </a:lnR>
+                    <a:lnT w="12700" cap="flat" cmpd="sng" algn="ctr">
+                      <a:solidFill>
+                        <a:schemeClr val="tx1"/>
+                      </a:solidFill>
+                      <a:prstDash val="solid"/>
+                      <a:round/>
+                      <a:headEnd type="none" w="med" len="med"/>
+                      <a:tailEnd type="none" w="med" len="med"/>
+                    </a:lnT>
+                    <a:lnB w="12700" cap="flat" cmpd="sng" algn="ctr">
+                      <a:solidFill>
+                        <a:schemeClr val="tx1"/>
+                      </a:solidFill>
+                      <a:prstDash val="solid"/>
+                      <a:round/>
+                      <a:headEnd type="none" w="med" len="med"/>
+                      <a:tailEnd type="none" w="med" len="med"/>
+                    </a:lnB>
+                  </a:tcPr>
+                </a:tc>
+                <a:tc>
+                  <a:txBody>
+                    <a:bodyPr/>
+                    <a:lstStyle/>
+                    <a:p>
+                      <a:pPr algn="ctr"/>
+                      <a:r>
+                        <a:rPr lang="en-IN" sz="2000" dirty="0">
+                          <a:latin typeface="Times New Roman" panose="02020603050405020304" pitchFamily="18" charset="0"/>
+                          <a:cs typeface="Times New Roman" panose="02020603050405020304" pitchFamily="18" charset="0"/>
+                        </a:rPr>
+                        <a:t>TN = 95</a:t>
+                      </a:r>
+                    </a:p>
+                  </a:txBody>
+                  <a:tcPr>
+                    <a:lnL w="12700" cap="flat" cmpd="sng" algn="ctr">
+                      <a:solidFill>
+                        <a:schemeClr val="tx1"/>
+                      </a:solidFill>
+                      <a:prstDash val="solid"/>
+                      <a:round/>
+                      <a:headEnd type="none" w="med" len="med"/>
+                      <a:tailEnd type="none" w="med" len="med"/>
+                    </a:lnL>
+                    <a:lnR w="12700" cap="flat" cmpd="sng" algn="ctr">
+                      <a:solidFill>
+                        <a:schemeClr val="tx1"/>
+                      </a:solidFill>
+                      <a:prstDash val="solid"/>
+                      <a:round/>
+                      <a:headEnd type="none" w="med" len="med"/>
+                      <a:tailEnd type="none" w="med" len="med"/>
+                    </a:lnR>
+                    <a:lnT w="12700" cap="flat" cmpd="sng" algn="ctr">
+                      <a:solidFill>
+                        <a:schemeClr val="tx1"/>
+                      </a:solidFill>
+                      <a:prstDash val="solid"/>
+                      <a:round/>
+                      <a:headEnd type="none" w="med" len="med"/>
+                      <a:tailEnd type="none" w="med" len="med"/>
+                    </a:lnT>
+                    <a:lnB w="12700" cap="flat" cmpd="sng" algn="ctr">
+                      <a:solidFill>
+                        <a:schemeClr val="tx1"/>
+                      </a:solidFill>
+                      <a:prstDash val="solid"/>
+                      <a:round/>
+                      <a:headEnd type="none" w="med" len="med"/>
+                      <a:tailEnd type="none" w="med" len="med"/>
+                    </a:lnB>
+                  </a:tcPr>
+                </a:tc>
+                <a:extLst>
+                  <a:ext uri="{0D108BD9-81ED-4DB2-BD59-A6C34878D82A}">
+                    <a16:rowId xmlns:a16="http://schemas.microsoft.com/office/drawing/2014/main" val="2628910305"/>
+                  </a:ext>
+                </a:extLst>
+              </a:tr>
+            </a:tbl>
+          </a:graphicData>
+        </a:graphic>
+      </p:graphicFrame>
+      <mc:AlternateContent xmlns:mc="http://schemas.openxmlformats.org/markup-compatibility/2006" xmlns:a14="http://schemas.microsoft.com/office/drawing/2010/main">
+        <mc:Choice Requires="a14">
+          <p:sp>
+            <p:nvSpPr>
+              <p:cNvPr id="5" name="TextBox 4">
+                <a:extLst>
+                  <a:ext uri="{FF2B5EF4-FFF2-40B4-BE49-F238E27FC236}">
+                    <a16:creationId xmlns:a16="http://schemas.microsoft.com/office/drawing/2014/main" id="{D9BA56D9-19F1-5B0D-1F2A-11A2A642DD9B}"/>
+                  </a:ext>
+                </a:extLst>
+              </p:cNvPr>
+              <p:cNvSpPr txBox="1"/>
+              <p:nvPr/>
+            </p:nvSpPr>
+            <p:spPr>
+              <a:xfrm>
+                <a:off x="1409699" y="5343525"/>
+                <a:ext cx="3038475" cy="710451"/>
+              </a:xfrm>
+              <a:prstGeom prst="rect">
+                <a:avLst/>
+              </a:prstGeom>
+              <a:noFill/>
+            </p:spPr>
+            <p:txBody>
+              <a:bodyPr wrap="square" rtlCol="0">
+                <a:spAutoFit/>
+              </a:bodyPr>
+              <a:lstStyle/>
+              <a:p>
+                <a:r>
+                  <a:rPr lang="en-IN" dirty="0">
+                    <a:latin typeface="Times New Roman" panose="02020603050405020304" pitchFamily="18" charset="0"/>
+                    <a:cs typeface="Times New Roman" panose="02020603050405020304" pitchFamily="18" charset="0"/>
+                  </a:rPr>
+                  <a:t>Accuracy = </a:t>
+                </a:r>
+                <a14:m>
+                  <m:oMath xmlns:m="http://schemas.openxmlformats.org/officeDocument/2006/math">
+                    <m:f>
+                      <m:fPr>
+                        <m:ctrlPr>
+                          <a:rPr lang="en-IN" sz="2800" i="1" smtClean="0">
+                            <a:latin typeface="Cambria Math" panose="02040503050406030204" pitchFamily="18" charset="0"/>
+                          </a:rPr>
+                        </m:ctrlPr>
+                      </m:fPr>
+                      <m:num>
+                        <m:r>
+                          <a:rPr lang="en-IN" sz="2800" b="0" i="1" smtClean="0">
+                            <a:latin typeface="Cambria Math" panose="02040503050406030204" pitchFamily="18" charset="0"/>
+                          </a:rPr>
+                          <m:t>0+95</m:t>
+                        </m:r>
+                      </m:num>
+                      <m:den>
+                        <m:r>
+                          <a:rPr lang="en-IN" sz="2800" b="0" i="1" smtClean="0">
+                            <a:latin typeface="Cambria Math" panose="02040503050406030204" pitchFamily="18" charset="0"/>
+                          </a:rPr>
+                          <m:t>0+95+0+5</m:t>
+                        </m:r>
+                      </m:den>
+                    </m:f>
+                  </m:oMath>
+                </a14:m>
+                <a:endParaRPr lang="en-IN" dirty="0">
+                  <a:latin typeface="Times New Roman" panose="02020603050405020304" pitchFamily="18" charset="0"/>
+                  <a:cs typeface="Times New Roman" panose="02020603050405020304" pitchFamily="18" charset="0"/>
+                </a:endParaRPr>
+              </a:p>
+            </p:txBody>
+          </p:sp>
+        </mc:Choice>
+        <mc:Fallback xmlns="">
+          <p:sp>
+            <p:nvSpPr>
+              <p:cNvPr id="5" name="TextBox 4">
+                <a:extLst>
+                  <a:ext uri="{FF2B5EF4-FFF2-40B4-BE49-F238E27FC236}">
+                    <a16:creationId xmlns:a16="http://schemas.microsoft.com/office/drawing/2014/main" id="{D9BA56D9-19F1-5B0D-1F2A-11A2A642DD9B}"/>
+                  </a:ext>
+                </a:extLst>
+              </p:cNvPr>
+              <p:cNvSpPr txBox="1">
+                <a:spLocks noRot="1" noChangeAspect="1" noMove="1" noResize="1" noEditPoints="1" noAdjustHandles="1" noChangeArrowheads="1" noChangeShapeType="1" noTextEdit="1"/>
+              </p:cNvSpPr>
+              <p:nvPr/>
+            </p:nvSpPr>
+            <p:spPr>
+              <a:xfrm>
+                <a:off x="1409699" y="5343525"/>
+                <a:ext cx="3038475" cy="710451"/>
+              </a:xfrm>
+              <a:prstGeom prst="rect">
+                <a:avLst/>
+              </a:prstGeom>
+              <a:blipFill>
+                <a:blip r:embed="rId2"/>
+                <a:stretch>
+                  <a:fillRect l="-1603"/>
+                </a:stretch>
+              </a:blipFill>
+            </p:spPr>
+            <p:txBody>
+              <a:bodyPr/>
+              <a:lstStyle/>
+              <a:p>
+                <a:r>
+                  <a:rPr lang="en-IN">
+                    <a:noFill/>
+                  </a:rPr>
+                  <a:t> </a:t>
+                </a:r>
+              </a:p>
+            </p:txBody>
+          </p:sp>
+        </mc:Fallback>
+      </mc:AlternateContent>
+    </p:spTree>
+    <p:extLst>
+      <p:ext uri="{BB962C8B-B14F-4D97-AF65-F5344CB8AC3E}">
+        <p14:creationId xmlns:p14="http://schemas.microsoft.com/office/powerpoint/2010/main" val="2016885490"/>
+      </p:ext>
+    </p:extLst>
+  </p:cSld>
+  <p:clrMapOvr>
+    <a:masterClrMapping/>
+  </p:clrMapOvr>
+</p:sld>
+</file>
+
+<file path=ppt/slides/slide17.xml><?xml version="1.0" encoding="utf-8"?>
+<p:sld xmlns:a="http://schemas.openxmlformats.org/drawingml/2006/main" xmlns:r="http://schemas.openxmlformats.org/officeDocument/2006/relationships" xmlns:p="http://schemas.openxmlformats.org/presentationml/2006/main">
+  <p:cSld>
+    <p:spTree>
+      <p:nvGrpSpPr>
+        <p:cNvPr id="1" name="">
+          <a:extLst>
+            <a:ext uri="{FF2B5EF4-FFF2-40B4-BE49-F238E27FC236}">
+              <a16:creationId xmlns:a16="http://schemas.microsoft.com/office/drawing/2014/main" id="{9CDFDA8C-D9EF-9136-7A9C-9040D9C0672B}"/>
+            </a:ext>
+          </a:extLst>
+        </p:cNvPr>
+        <p:cNvGrpSpPr/>
+        <p:nvPr/>
+      </p:nvGrpSpPr>
+      <p:grpSpPr>
+        <a:xfrm>
+          <a:off x="0" y="0"/>
+          <a:ext cx="0" cy="0"/>
+          <a:chOff x="0" y="0"/>
+          <a:chExt cx="0" cy="0"/>
+        </a:xfrm>
+      </p:grpSpPr>
+      <p:sp>
+        <p:nvSpPr>
+          <p:cNvPr id="2" name="Title 1">
+            <a:extLst>
+              <a:ext uri="{FF2B5EF4-FFF2-40B4-BE49-F238E27FC236}">
+                <a16:creationId xmlns:a16="http://schemas.microsoft.com/office/drawing/2014/main" id="{24F2FF42-6C19-B812-55D6-8DB934CFC034}"/>
+              </a:ext>
+            </a:extLst>
+          </p:cNvPr>
+          <p:cNvSpPr>
+            <a:spLocks noGrp="1"/>
+          </p:cNvSpPr>
+          <p:nvPr>
+            <p:ph type="title"/>
+          </p:nvPr>
+        </p:nvSpPr>
+        <p:spPr>
+          <a:xfrm>
+            <a:off x="723900" y="98426"/>
+            <a:ext cx="10515600" cy="882650"/>
+          </a:xfrm>
+        </p:spPr>
+        <p:txBody>
+          <a:bodyPr>
+            <a:normAutofit/>
+          </a:bodyPr>
+          <a:lstStyle/>
+          <a:p>
+            <a:r>
+              <a:rPr lang="en-IN" sz="4000" dirty="0">
+                <a:latin typeface="Times New Roman" panose="02020603050405020304" pitchFamily="18" charset="0"/>
+                <a:cs typeface="Times New Roman" panose="02020603050405020304" pitchFamily="18" charset="0"/>
+              </a:rPr>
+              <a:t>Classification metrics</a:t>
+            </a:r>
+          </a:p>
+        </p:txBody>
+      </p:sp>
+      <p:sp>
+        <p:nvSpPr>
+          <p:cNvPr id="3" name="Content Placeholder 2">
+            <a:extLst>
+              <a:ext uri="{FF2B5EF4-FFF2-40B4-BE49-F238E27FC236}">
+                <a16:creationId xmlns:a16="http://schemas.microsoft.com/office/drawing/2014/main" id="{24CB86DD-5ECA-F232-6850-273A42FBA230}"/>
+              </a:ext>
+            </a:extLst>
+          </p:cNvPr>
+          <p:cNvSpPr>
+            <a:spLocks noGrp="1"/>
+          </p:cNvSpPr>
+          <p:nvPr>
+            <p:ph idx="1"/>
+          </p:nvPr>
+        </p:nvSpPr>
+        <p:spPr>
+          <a:xfrm>
+            <a:off x="838200" y="1247776"/>
+            <a:ext cx="10515600" cy="4929187"/>
+          </a:xfrm>
+        </p:spPr>
+        <p:txBody>
+          <a:bodyPr>
+            <a:normAutofit/>
+          </a:bodyPr>
+          <a:lstStyle/>
+          <a:p>
+            <a:pPr marL="0" indent="0" algn="just">
+              <a:buNone/>
+            </a:pPr>
+            <a:r>
+              <a:rPr lang="en-IN" sz="2400" b="1" dirty="0">
+                <a:latin typeface="Times New Roman" panose="02020603050405020304" pitchFamily="18" charset="0"/>
+                <a:cs typeface="Times New Roman" panose="02020603050405020304" pitchFamily="18" charset="0"/>
+              </a:rPr>
+              <a:t>F-beta score</a:t>
+            </a:r>
+            <a:r>
+              <a:rPr lang="en-IN" sz="2400" dirty="0">
+                <a:latin typeface="Times New Roman" panose="02020603050405020304" pitchFamily="18" charset="0"/>
+                <a:cs typeface="Times New Roman" panose="02020603050405020304" pitchFamily="18" charset="0"/>
+              </a:rPr>
+              <a:t> </a:t>
+            </a:r>
+          </a:p>
+          <a:p>
+            <a:pPr algn="just"/>
+            <a:r>
+              <a:rPr lang="en-IN" sz="2400" dirty="0">
+                <a:latin typeface="Times New Roman" panose="02020603050405020304" pitchFamily="18" charset="0"/>
+                <a:cs typeface="Times New Roman" panose="02020603050405020304" pitchFamily="18" charset="0"/>
+              </a:rPr>
+              <a:t>It is a weighted harmonic mean of precision and recall, where the parameter beta controls the balance between precision and recall.</a:t>
+            </a:r>
+          </a:p>
+          <a:p>
+            <a:pPr algn="just"/>
+            <a:r>
+              <a:rPr lang="en-IN" sz="2400" b="1" dirty="0">
+                <a:latin typeface="Times New Roman" panose="02020603050405020304" pitchFamily="18" charset="0"/>
+                <a:cs typeface="Times New Roman" panose="02020603050405020304" pitchFamily="18" charset="0"/>
+              </a:rPr>
+              <a:t>Example:</a:t>
+            </a:r>
+            <a:r>
+              <a:rPr lang="en-IN" sz="2400" dirty="0">
+                <a:latin typeface="Times New Roman" panose="02020603050405020304" pitchFamily="18" charset="0"/>
+                <a:cs typeface="Times New Roman" panose="02020603050405020304" pitchFamily="18" charset="0"/>
+              </a:rPr>
+              <a:t> Tomorrow the stock market is going to crash, here both precision and recall needs to be used as the stock market is an important entity.</a:t>
+            </a:r>
+          </a:p>
+          <a:p>
+            <a:r>
+              <a:rPr lang="en-IN" sz="2400" dirty="0">
+                <a:latin typeface="Times New Roman" panose="02020603050405020304" pitchFamily="18" charset="0"/>
+                <a:cs typeface="Times New Roman" panose="02020603050405020304" pitchFamily="18" charset="0"/>
+              </a:rPr>
+              <a:t>Based on the importance of FP and FN, BETA can take the following values: -</a:t>
+            </a:r>
+          </a:p>
+          <a:p>
+            <a:pPr lvl="1"/>
+            <a:r>
+              <a:rPr lang="en-IN" sz="2200" dirty="0">
+                <a:latin typeface="Times New Roman" panose="02020603050405020304" pitchFamily="18" charset="0"/>
+                <a:cs typeface="Times New Roman" panose="02020603050405020304" pitchFamily="18" charset="0"/>
+              </a:rPr>
+              <a:t>Case 1 : If FP and FN both are important then, BETA = 1</a:t>
+            </a:r>
+          </a:p>
+          <a:p>
+            <a:pPr lvl="1"/>
+            <a:r>
+              <a:rPr lang="en-IN" sz="2200" dirty="0">
+                <a:latin typeface="Times New Roman" panose="02020603050405020304" pitchFamily="18" charset="0"/>
+                <a:cs typeface="Times New Roman" panose="02020603050405020304" pitchFamily="18" charset="0"/>
+              </a:rPr>
+              <a:t>Case 2 : If FP is more important than FN then, BETA = 0.5</a:t>
+            </a:r>
+          </a:p>
+          <a:p>
+            <a:pPr lvl="1"/>
+            <a:r>
+              <a:rPr lang="en-IN" sz="2200" dirty="0">
+                <a:latin typeface="Times New Roman" panose="02020603050405020304" pitchFamily="18" charset="0"/>
+                <a:cs typeface="Times New Roman" panose="02020603050405020304" pitchFamily="18" charset="0"/>
+              </a:rPr>
+              <a:t>Case 3: If FN is more important than FP then, BETA = 2</a:t>
+            </a:r>
+          </a:p>
+          <a:p>
+            <a:pPr algn="just"/>
+            <a:endParaRPr lang="en-IN" sz="2400" dirty="0">
+              <a:latin typeface="Times New Roman" panose="02020603050405020304" pitchFamily="18" charset="0"/>
+              <a:cs typeface="Times New Roman" panose="02020603050405020304" pitchFamily="18" charset="0"/>
+            </a:endParaRPr>
+          </a:p>
+        </p:txBody>
+      </p:sp>
+      <p:pic>
+        <p:nvPicPr>
+          <p:cNvPr id="7" name="Picture 6" descr="A math equation with black text&#10;&#10;AI-generated content may be incorrect.">
+            <a:extLst>
+              <a:ext uri="{FF2B5EF4-FFF2-40B4-BE49-F238E27FC236}">
+                <a16:creationId xmlns:a16="http://schemas.microsoft.com/office/drawing/2014/main" id="{597C10AA-2BEC-DAAE-FF18-44C026BFF9DA}"/>
+              </a:ext>
+            </a:extLst>
+          </p:cNvPr>
+          <p:cNvPicPr>
+            <a:picLocks noChangeAspect="1"/>
+          </p:cNvPicPr>
+          <p:nvPr/>
+        </p:nvPicPr>
+        <p:blipFill>
+          <a:blip r:embed="rId2">
+            <a:extLst>
+              <a:ext uri="{28A0092B-C50C-407E-A947-70E740481C1C}">
+                <a14:useLocalDpi xmlns:a14="http://schemas.microsoft.com/office/drawing/2010/main" val="0"/>
+              </a:ext>
+            </a:extLst>
+          </a:blip>
+          <a:stretch>
+            <a:fillRect/>
+          </a:stretch>
+        </p:blipFill>
+        <p:spPr>
+          <a:xfrm>
+            <a:off x="3466749" y="5129144"/>
+            <a:ext cx="5029902" cy="962159"/>
+          </a:xfrm>
+          <a:prstGeom prst="rect">
+            <a:avLst/>
+          </a:prstGeom>
+        </p:spPr>
+      </p:pic>
+    </p:spTree>
+    <p:extLst>
+      <p:ext uri="{BB962C8B-B14F-4D97-AF65-F5344CB8AC3E}">
+        <p14:creationId xmlns:p14="http://schemas.microsoft.com/office/powerpoint/2010/main" val="1367016331"/>
+      </p:ext>
+    </p:extLst>
+  </p:cSld>
+  <p:clrMapOvr>
+    <a:masterClrMapping/>
+  </p:clrMapOvr>
+</p:sld>
+</file>
+
+<file path=ppt/slides/slide18.xml><?xml version="1.0" encoding="utf-8"?>
+<p:sld xmlns:a="http://schemas.openxmlformats.org/drawingml/2006/main" xmlns:r="http://schemas.openxmlformats.org/officeDocument/2006/relationships" xmlns:p="http://schemas.openxmlformats.org/presentationml/2006/main">
+  <p:cSld>
+    <p:spTree>
+      <p:nvGrpSpPr>
+        <p:cNvPr id="1" name="">
+          <a:extLst>
+            <a:ext uri="{FF2B5EF4-FFF2-40B4-BE49-F238E27FC236}">
+              <a16:creationId xmlns:a16="http://schemas.microsoft.com/office/drawing/2014/main" id="{566D2B77-BAD5-4EA1-D18E-4C24D77B2560}"/>
+            </a:ext>
+          </a:extLst>
+        </p:cNvPr>
+        <p:cNvGrpSpPr/>
+        <p:nvPr/>
+      </p:nvGrpSpPr>
+      <p:grpSpPr>
+        <a:xfrm>
+          <a:off x="0" y="0"/>
+          <a:ext cx="0" cy="0"/>
+          <a:chOff x="0" y="0"/>
+          <a:chExt cx="0" cy="0"/>
+        </a:xfrm>
+      </p:grpSpPr>
+      <p:sp>
+        <p:nvSpPr>
+          <p:cNvPr id="2" name="Title 1">
+            <a:extLst>
+              <a:ext uri="{FF2B5EF4-FFF2-40B4-BE49-F238E27FC236}">
+                <a16:creationId xmlns:a16="http://schemas.microsoft.com/office/drawing/2014/main" id="{2BEBDFB3-F1D3-B9ED-7585-C0DAEE93D50E}"/>
+              </a:ext>
+            </a:extLst>
+          </p:cNvPr>
+          <p:cNvSpPr>
+            <a:spLocks noGrp="1"/>
+          </p:cNvSpPr>
+          <p:nvPr>
+            <p:ph type="title"/>
+          </p:nvPr>
+        </p:nvSpPr>
+        <p:spPr>
+          <a:xfrm>
+            <a:off x="723900" y="98426"/>
+            <a:ext cx="10515600" cy="882650"/>
+          </a:xfrm>
+        </p:spPr>
+        <p:txBody>
+          <a:bodyPr>
+            <a:normAutofit/>
+          </a:bodyPr>
+          <a:lstStyle/>
+          <a:p>
+            <a:r>
+              <a:rPr lang="en-IN" sz="4000" dirty="0">
+                <a:latin typeface="Times New Roman" panose="02020603050405020304" pitchFamily="18" charset="0"/>
+                <a:cs typeface="Times New Roman" panose="02020603050405020304" pitchFamily="18" charset="0"/>
+              </a:rPr>
+              <a:t>Classification metrics</a:t>
+            </a:r>
+          </a:p>
+        </p:txBody>
+      </p:sp>
+      <mc:AlternateContent xmlns:mc="http://schemas.openxmlformats.org/markup-compatibility/2006" xmlns:a14="http://schemas.microsoft.com/office/drawing/2010/main">
+        <mc:Choice Requires="a14">
+          <p:sp>
+            <p:nvSpPr>
+              <p:cNvPr id="3" name="Content Placeholder 2">
+                <a:extLst>
+                  <a:ext uri="{FF2B5EF4-FFF2-40B4-BE49-F238E27FC236}">
+                    <a16:creationId xmlns:a16="http://schemas.microsoft.com/office/drawing/2014/main" id="{94752FB6-B2B3-06A3-AA05-FC495FBEA6D6}"/>
+                  </a:ext>
+                </a:extLst>
+              </p:cNvPr>
+              <p:cNvSpPr>
+                <a:spLocks noGrp="1"/>
+              </p:cNvSpPr>
+              <p:nvPr>
+                <p:ph idx="1"/>
+              </p:nvPr>
+            </p:nvSpPr>
+            <p:spPr>
+              <a:xfrm>
+                <a:off x="838200" y="1247776"/>
+                <a:ext cx="10515600" cy="4929187"/>
+              </a:xfrm>
+            </p:spPr>
+            <p:txBody>
+              <a:bodyPr>
+                <a:normAutofit/>
+              </a:bodyPr>
+              <a:lstStyle/>
+              <a:p>
+                <a:pPr marL="0" indent="0" algn="just">
+                  <a:buNone/>
+                </a:pPr>
+                <a:r>
+                  <a:rPr lang="en-IN" sz="2400" b="1" dirty="0">
+                    <a:latin typeface="Times New Roman" panose="02020603050405020304" pitchFamily="18" charset="0"/>
+                    <a:cs typeface="Times New Roman" panose="02020603050405020304" pitchFamily="18" charset="0"/>
+                  </a:rPr>
+                  <a:t>ROC curve</a:t>
+                </a:r>
+              </a:p>
+              <a:p>
+                <a:pPr algn="just"/>
+                <a:r>
+                  <a:rPr lang="en-IN" sz="2400" dirty="0">
+                    <a:latin typeface="Times New Roman" panose="02020603050405020304" pitchFamily="18" charset="0"/>
+                    <a:cs typeface="Times New Roman" panose="02020603050405020304" pitchFamily="18" charset="0"/>
+                  </a:rPr>
+                  <a:t>ROC (Receiver Operating Characteristic) is a graphical tool to evaluate how well a binary classifier separates the two classes. </a:t>
+                </a:r>
+              </a:p>
+              <a:p>
+                <a:pPr algn="just"/>
+                <a:r>
+                  <a:rPr lang="en-IN" sz="2400" dirty="0">
+                    <a:latin typeface="Times New Roman" panose="02020603050405020304" pitchFamily="18" charset="0"/>
+                    <a:cs typeface="Times New Roman" panose="02020603050405020304" pitchFamily="18" charset="0"/>
+                  </a:rPr>
+                  <a:t>Instead of using just one threshold, it shows performance across all possible thresholds.</a:t>
+                </a:r>
+              </a:p>
+              <a:p>
+                <a:pPr algn="just"/>
+                <a:r>
+                  <a:rPr lang="en-IN" sz="2400" dirty="0">
+                    <a:latin typeface="Times New Roman" panose="02020603050405020304" pitchFamily="18" charset="0"/>
+                    <a:cs typeface="Times New Roman" panose="02020603050405020304" pitchFamily="18" charset="0"/>
+                  </a:rPr>
+                  <a:t>Axes of the ROC curve</a:t>
+                </a:r>
+              </a:p>
+              <a:p>
+                <a:pPr lvl="1" algn="just"/>
+                <a:r>
+                  <a:rPr lang="en-IN" sz="2200" i="1" dirty="0">
+                    <a:latin typeface="Times New Roman" panose="02020603050405020304" pitchFamily="18" charset="0"/>
+                    <a:cs typeface="Times New Roman" panose="02020603050405020304" pitchFamily="18" charset="0"/>
+                  </a:rPr>
+                  <a:t>X-axis (False Positive Rate, FPR) = </a:t>
+                </a:r>
+                <a14:m>
+                  <m:oMath xmlns:m="http://schemas.openxmlformats.org/officeDocument/2006/math">
+                    <m:f>
+                      <m:fPr>
+                        <m:ctrlPr>
+                          <a:rPr lang="en-IN" i="1" smtClean="0">
+                            <a:latin typeface="Cambria Math" panose="02040503050406030204" pitchFamily="18" charset="0"/>
+                          </a:rPr>
+                        </m:ctrlPr>
+                      </m:fPr>
+                      <m:num>
+                        <m:r>
+                          <a:rPr lang="en-IN" b="0" i="1" smtClean="0">
+                            <a:latin typeface="Cambria Math" panose="02040503050406030204" pitchFamily="18" charset="0"/>
+                          </a:rPr>
+                          <m:t>𝐹𝑃</m:t>
+                        </m:r>
+                      </m:num>
+                      <m:den>
+                        <m:r>
+                          <a:rPr lang="en-IN" b="0" i="1" smtClean="0">
+                            <a:latin typeface="Cambria Math" panose="02040503050406030204" pitchFamily="18" charset="0"/>
+                          </a:rPr>
+                          <m:t>𝐹𝑃</m:t>
+                        </m:r>
+                        <m:r>
+                          <a:rPr lang="en-IN" b="0" i="1" smtClean="0">
+                            <a:latin typeface="Cambria Math" panose="02040503050406030204" pitchFamily="18" charset="0"/>
+                          </a:rPr>
+                          <m:t>+</m:t>
+                        </m:r>
+                        <m:r>
+                          <a:rPr lang="en-IN" b="0" i="1" smtClean="0">
+                            <a:latin typeface="Cambria Math" panose="02040503050406030204" pitchFamily="18" charset="0"/>
+                          </a:rPr>
+                          <m:t>𝑇𝑁</m:t>
+                        </m:r>
+                      </m:den>
+                    </m:f>
+                  </m:oMath>
+                </a14:m>
+                <a:endParaRPr lang="en-IN" sz="2200" i="1" dirty="0">
+                  <a:latin typeface="Times New Roman" panose="02020603050405020304" pitchFamily="18" charset="0"/>
+                  <a:cs typeface="Times New Roman" panose="02020603050405020304" pitchFamily="18" charset="0"/>
+                </a:endParaRPr>
+              </a:p>
+              <a:p>
+                <a:pPr lvl="1" algn="just"/>
+                <a:r>
+                  <a:rPr lang="en-IN" sz="2200" i="1" dirty="0">
+                    <a:latin typeface="Times New Roman" panose="02020603050405020304" pitchFamily="18" charset="0"/>
+                    <a:cs typeface="Times New Roman" panose="02020603050405020304" pitchFamily="18" charset="0"/>
+                  </a:rPr>
+                  <a:t>Y-axis (True Positive Rate, TPR = Recall) = </a:t>
+                </a:r>
+                <a14:m>
+                  <m:oMath xmlns:m="http://schemas.openxmlformats.org/officeDocument/2006/math">
+                    <m:f>
+                      <m:fPr>
+                        <m:ctrlPr>
+                          <a:rPr lang="en-IN" i="1" smtClean="0">
+                            <a:latin typeface="Cambria Math" panose="02040503050406030204" pitchFamily="18" charset="0"/>
+                          </a:rPr>
+                        </m:ctrlPr>
+                      </m:fPr>
+                      <m:num>
+                        <m:r>
+                          <a:rPr lang="en-IN" b="0" i="1" smtClean="0">
+                            <a:latin typeface="Cambria Math" panose="02040503050406030204" pitchFamily="18" charset="0"/>
+                          </a:rPr>
+                          <m:t>𝑇𝑃</m:t>
+                        </m:r>
+                      </m:num>
+                      <m:den>
+                        <m:r>
+                          <a:rPr lang="en-IN" b="0" i="1" smtClean="0">
+                            <a:latin typeface="Cambria Math" panose="02040503050406030204" pitchFamily="18" charset="0"/>
+                          </a:rPr>
+                          <m:t>𝑇𝑃</m:t>
+                        </m:r>
+                        <m:r>
+                          <a:rPr lang="en-IN" b="0" i="1" smtClean="0">
+                            <a:latin typeface="Cambria Math" panose="02040503050406030204" pitchFamily="18" charset="0"/>
+                          </a:rPr>
+                          <m:t>+</m:t>
+                        </m:r>
+                        <m:r>
+                          <a:rPr lang="en-IN" b="0" i="1" smtClean="0">
+                            <a:latin typeface="Cambria Math" panose="02040503050406030204" pitchFamily="18" charset="0"/>
+                          </a:rPr>
+                          <m:t>𝐹𝑁</m:t>
+                        </m:r>
+                      </m:den>
+                    </m:f>
+                  </m:oMath>
+                </a14:m>
+                <a:endParaRPr lang="en-IN" sz="2200" i="1" dirty="0">
+                  <a:latin typeface="Times New Roman" panose="02020603050405020304" pitchFamily="18" charset="0"/>
+                  <a:cs typeface="Times New Roman" panose="02020603050405020304" pitchFamily="18" charset="0"/>
+                </a:endParaRPr>
+              </a:p>
+            </p:txBody>
+          </p:sp>
+        </mc:Choice>
+        <mc:Fallback xmlns="">
+          <p:sp>
+            <p:nvSpPr>
+              <p:cNvPr id="3" name="Content Placeholder 2">
+                <a:extLst>
+                  <a:ext uri="{FF2B5EF4-FFF2-40B4-BE49-F238E27FC236}">
+                    <a16:creationId xmlns:a16="http://schemas.microsoft.com/office/drawing/2014/main" id="{94752FB6-B2B3-06A3-AA05-FC495FBEA6D6}"/>
+                  </a:ext>
+                </a:extLst>
+              </p:cNvPr>
+              <p:cNvSpPr>
+                <a:spLocks noGrp="1" noRot="1" noChangeAspect="1" noMove="1" noResize="1" noEditPoints="1" noAdjustHandles="1" noChangeArrowheads="1" noChangeShapeType="1" noTextEdit="1"/>
+              </p:cNvSpPr>
+              <p:nvPr>
+                <p:ph idx="1"/>
+              </p:nvPr>
+            </p:nvSpPr>
+            <p:spPr>
+              <a:xfrm>
+                <a:off x="838200" y="1247776"/>
+                <a:ext cx="10515600" cy="4929187"/>
+              </a:xfrm>
+              <a:blipFill>
+                <a:blip r:embed="rId2"/>
+                <a:stretch>
+                  <a:fillRect l="-928" t="-1733" r="-870"/>
+                </a:stretch>
+              </a:blipFill>
+            </p:spPr>
+            <p:txBody>
+              <a:bodyPr/>
+              <a:lstStyle/>
+              <a:p>
+                <a:r>
+                  <a:rPr lang="en-IN">
+                    <a:noFill/>
+                  </a:rPr>
+                  <a:t> </a:t>
+                </a:r>
+              </a:p>
+            </p:txBody>
+          </p:sp>
+        </mc:Fallback>
+      </mc:AlternateContent>
+    </p:spTree>
+    <p:extLst>
+      <p:ext uri="{BB962C8B-B14F-4D97-AF65-F5344CB8AC3E}">
+        <p14:creationId xmlns:p14="http://schemas.microsoft.com/office/powerpoint/2010/main" val="3091155421"/>
+      </p:ext>
+    </p:extLst>
+  </p:cSld>
+  <p:clrMapOvr>
+    <a:masterClrMapping/>
+  </p:clrMapOvr>
+</p:sld>
+</file>
+
+<file path=ppt/slides/slide19.xml><?xml version="1.0" encoding="utf-8"?>
+<p:sld xmlns:a="http://schemas.openxmlformats.org/drawingml/2006/main" xmlns:r="http://schemas.openxmlformats.org/officeDocument/2006/relationships" xmlns:p="http://schemas.openxmlformats.org/presentationml/2006/main">
+  <p:cSld>
+    <p:spTree>
+      <p:nvGrpSpPr>
+        <p:cNvPr id="1" name="">
+          <a:extLst>
+            <a:ext uri="{FF2B5EF4-FFF2-40B4-BE49-F238E27FC236}">
+              <a16:creationId xmlns:a16="http://schemas.microsoft.com/office/drawing/2014/main" id="{094592EA-330D-E5EE-972F-BDECFFBBA4C6}"/>
+            </a:ext>
+          </a:extLst>
+        </p:cNvPr>
+        <p:cNvGrpSpPr/>
+        <p:nvPr/>
+      </p:nvGrpSpPr>
+      <p:grpSpPr>
+        <a:xfrm>
+          <a:off x="0" y="0"/>
+          <a:ext cx="0" cy="0"/>
+          <a:chOff x="0" y="0"/>
+          <a:chExt cx="0" cy="0"/>
+        </a:xfrm>
+      </p:grpSpPr>
+      <p:sp>
+        <p:nvSpPr>
+          <p:cNvPr id="2" name="Title 1">
+            <a:extLst>
+              <a:ext uri="{FF2B5EF4-FFF2-40B4-BE49-F238E27FC236}">
+                <a16:creationId xmlns:a16="http://schemas.microsoft.com/office/drawing/2014/main" id="{30732B90-3772-D43C-8CE3-CEC5ECDDD9B7}"/>
+              </a:ext>
+            </a:extLst>
+          </p:cNvPr>
+          <p:cNvSpPr>
+            <a:spLocks noGrp="1"/>
+          </p:cNvSpPr>
+          <p:nvPr>
+            <p:ph type="title"/>
+          </p:nvPr>
+        </p:nvSpPr>
+        <p:spPr>
+          <a:xfrm>
+            <a:off x="723900" y="98426"/>
+            <a:ext cx="10515600" cy="882650"/>
+          </a:xfrm>
+        </p:spPr>
+        <p:txBody>
+          <a:bodyPr>
+            <a:normAutofit/>
+          </a:bodyPr>
+          <a:lstStyle/>
+          <a:p>
+            <a:r>
+              <a:rPr lang="en-IN" sz="4000" dirty="0">
+                <a:latin typeface="Times New Roman" panose="02020603050405020304" pitchFamily="18" charset="0"/>
+                <a:cs typeface="Times New Roman" panose="02020603050405020304" pitchFamily="18" charset="0"/>
+              </a:rPr>
+              <a:t>Classification metrics</a:t>
+            </a:r>
+          </a:p>
+        </p:txBody>
+      </p:sp>
+      <mc:AlternateContent xmlns:mc="http://schemas.openxmlformats.org/markup-compatibility/2006" xmlns:a14="http://schemas.microsoft.com/office/drawing/2010/main">
+        <mc:Choice Requires="a14">
+          <p:sp>
+            <p:nvSpPr>
+              <p:cNvPr id="3" name="Content Placeholder 2">
+                <a:extLst>
+                  <a:ext uri="{FF2B5EF4-FFF2-40B4-BE49-F238E27FC236}">
+                    <a16:creationId xmlns:a16="http://schemas.microsoft.com/office/drawing/2014/main" id="{EB622653-DDA4-0B42-C2FA-90EB6523B0CE}"/>
+                  </a:ext>
+                </a:extLst>
+              </p:cNvPr>
+              <p:cNvSpPr>
+                <a:spLocks noGrp="1"/>
+              </p:cNvSpPr>
+              <p:nvPr>
+                <p:ph idx="1"/>
+              </p:nvPr>
+            </p:nvSpPr>
+            <p:spPr>
+              <a:xfrm>
+                <a:off x="838200" y="1247776"/>
+                <a:ext cx="10515600" cy="5248274"/>
+              </a:xfrm>
+            </p:spPr>
+            <p:txBody>
+              <a:bodyPr>
+                <a:normAutofit/>
+              </a:bodyPr>
+              <a:lstStyle/>
+              <a:p>
+                <a:pPr marL="0" indent="0" algn="just">
+                  <a:buNone/>
+                </a:pPr>
+                <a:r>
+                  <a:rPr lang="en-IN" sz="2400" b="1" dirty="0">
+                    <a:latin typeface="Times New Roman" panose="02020603050405020304" pitchFamily="18" charset="0"/>
+                    <a:cs typeface="Times New Roman" panose="02020603050405020304" pitchFamily="18" charset="0"/>
+                  </a:rPr>
+                  <a:t>ROC curve</a:t>
+                </a:r>
+              </a:p>
+              <a:p>
+                <a:pPr marL="0" indent="0" algn="just">
+                  <a:buNone/>
+                </a:pPr>
+                <a:r>
+                  <a:rPr lang="en-IN" sz="2400" i="1" dirty="0">
+                    <a:latin typeface="Times New Roman" panose="02020603050405020304" pitchFamily="18" charset="0"/>
+                    <a:cs typeface="Times New Roman" panose="02020603050405020304" pitchFamily="18" charset="0"/>
+                  </a:rPr>
+                  <a:t>X-axis (False Positive Rate, FPR) = </a:t>
+                </a:r>
+                <a14:m>
+                  <m:oMath xmlns:m="http://schemas.openxmlformats.org/officeDocument/2006/math">
+                    <m:f>
+                      <m:fPr>
+                        <m:ctrlPr>
+                          <a:rPr lang="en-IN" sz="2400" i="1" smtClean="0">
+                            <a:latin typeface="Cambria Math" panose="02040503050406030204" pitchFamily="18" charset="0"/>
+                          </a:rPr>
+                        </m:ctrlPr>
+                      </m:fPr>
+                      <m:num>
+                        <m:r>
+                          <a:rPr lang="en-IN" sz="2400" b="0" i="1" smtClean="0">
+                            <a:latin typeface="Cambria Math" panose="02040503050406030204" pitchFamily="18" charset="0"/>
+                          </a:rPr>
+                          <m:t>𝐹𝑃</m:t>
+                        </m:r>
+                      </m:num>
+                      <m:den>
+                        <m:r>
+                          <a:rPr lang="en-IN" sz="2400" b="0" i="1" smtClean="0">
+                            <a:latin typeface="Cambria Math" panose="02040503050406030204" pitchFamily="18" charset="0"/>
+                          </a:rPr>
+                          <m:t>𝐹𝑃</m:t>
+                        </m:r>
+                        <m:r>
+                          <a:rPr lang="en-IN" sz="2400" b="0" i="1" smtClean="0">
+                            <a:latin typeface="Cambria Math" panose="02040503050406030204" pitchFamily="18" charset="0"/>
+                          </a:rPr>
+                          <m:t>+</m:t>
+                        </m:r>
+                        <m:r>
+                          <a:rPr lang="en-IN" sz="2400" b="0" i="1" smtClean="0">
+                            <a:latin typeface="Cambria Math" panose="02040503050406030204" pitchFamily="18" charset="0"/>
+                          </a:rPr>
+                          <m:t>𝑇𝑁</m:t>
+                        </m:r>
+                      </m:den>
+                    </m:f>
+                  </m:oMath>
+                </a14:m>
+                <a:endParaRPr lang="en-IN" sz="2400" b="0" i="1" dirty="0">
+                  <a:latin typeface="Times New Roman" panose="02020603050405020304" pitchFamily="18" charset="0"/>
+                </a:endParaRPr>
+              </a:p>
+              <a:p>
+                <a:pPr marL="0" indent="0" algn="just">
+                  <a:buNone/>
+                </a:pPr>
+                <a:r>
+                  <a:rPr lang="en-IN" sz="2200" b="1" dirty="0">
+                    <a:latin typeface="Times New Roman" panose="02020603050405020304" pitchFamily="18" charset="0"/>
+                    <a:cs typeface="Times New Roman" panose="02020603050405020304" pitchFamily="18" charset="0"/>
+                  </a:rPr>
+                  <a:t>           Disease ( 5 healthy), Prediction (disease – 2, healthy – 3)</a:t>
+                </a:r>
+              </a:p>
+              <a:p>
+                <a:pPr marL="0" indent="0" algn="just">
+                  <a:buNone/>
+                </a:pPr>
+                <a:r>
+                  <a:rPr lang="en-IN" sz="2200" b="1" dirty="0">
+                    <a:latin typeface="Times New Roman" panose="02020603050405020304" pitchFamily="18" charset="0"/>
+                    <a:cs typeface="Times New Roman" panose="02020603050405020304" pitchFamily="18" charset="0"/>
+                  </a:rPr>
+                  <a:t>               </a:t>
+                </a:r>
+                <a:r>
+                  <a:rPr lang="en-IN" sz="2000" dirty="0">
+                    <a:latin typeface="Times New Roman" panose="02020603050405020304" pitchFamily="18" charset="0"/>
+                    <a:cs typeface="Times New Roman" panose="02020603050405020304" pitchFamily="18" charset="0"/>
+                  </a:rPr>
+                  <a:t>FPR = </a:t>
+                </a:r>
+                <a14:m>
+                  <m:oMath xmlns:m="http://schemas.openxmlformats.org/officeDocument/2006/math">
+                    <m:f>
+                      <m:fPr>
+                        <m:ctrlPr>
+                          <a:rPr lang="en-IN" sz="2400" i="1">
+                            <a:latin typeface="Cambria Math" panose="02040503050406030204" pitchFamily="18" charset="0"/>
+                            <a:cs typeface="Times New Roman" panose="02020603050405020304" pitchFamily="18" charset="0"/>
+                          </a:rPr>
+                        </m:ctrlPr>
+                      </m:fPr>
+                      <m:num>
+                        <m:r>
+                          <a:rPr lang="en-IN" sz="2400" b="0" i="0" smtClean="0">
+                            <a:latin typeface="Cambria Math" panose="02040503050406030204" pitchFamily="18" charset="0"/>
+                            <a:cs typeface="Times New Roman" panose="02020603050405020304" pitchFamily="18" charset="0"/>
+                          </a:rPr>
+                          <m:t>2</m:t>
+                        </m:r>
+                      </m:num>
+                      <m:den>
+                        <m:r>
+                          <a:rPr lang="en-IN" sz="2400" b="0" i="0" smtClean="0">
+                            <a:latin typeface="Cambria Math" panose="02040503050406030204" pitchFamily="18" charset="0"/>
+                            <a:cs typeface="Times New Roman" panose="02020603050405020304" pitchFamily="18" charset="0"/>
+                          </a:rPr>
+                          <m:t>2</m:t>
+                        </m:r>
+                        <m:r>
+                          <a:rPr lang="en-IN" sz="2400">
+                            <a:latin typeface="Cambria Math" panose="02040503050406030204" pitchFamily="18" charset="0"/>
+                            <a:cs typeface="Times New Roman" panose="02020603050405020304" pitchFamily="18" charset="0"/>
+                          </a:rPr>
+                          <m:t>+</m:t>
+                        </m:r>
+                        <m:r>
+                          <a:rPr lang="en-IN" sz="2400" b="0" i="1" smtClean="0">
+                            <a:latin typeface="Cambria Math" panose="02040503050406030204" pitchFamily="18" charset="0"/>
+                            <a:cs typeface="Times New Roman" panose="02020603050405020304" pitchFamily="18" charset="0"/>
+                          </a:rPr>
+                          <m:t>3</m:t>
+                        </m:r>
+                      </m:den>
+                    </m:f>
+                    <m:r>
+                      <a:rPr lang="en-IN" sz="2400">
+                        <a:latin typeface="Cambria Math" panose="02040503050406030204" pitchFamily="18" charset="0"/>
+                        <a:cs typeface="Times New Roman" panose="02020603050405020304" pitchFamily="18" charset="0"/>
+                      </a:rPr>
+                      <m:t>=0.</m:t>
+                    </m:r>
+                    <m:r>
+                      <a:rPr lang="en-IN" sz="2400" b="0" i="0" smtClean="0">
+                        <a:latin typeface="Cambria Math" panose="02040503050406030204" pitchFamily="18" charset="0"/>
+                        <a:cs typeface="Times New Roman" panose="02020603050405020304" pitchFamily="18" charset="0"/>
+                      </a:rPr>
+                      <m:t>4</m:t>
+                    </m:r>
+                  </m:oMath>
+                </a14:m>
+                <a:endParaRPr lang="en-IN" sz="2400" dirty="0">
+                  <a:latin typeface="Times New Roman" panose="02020603050405020304" pitchFamily="18" charset="0"/>
+                  <a:cs typeface="Times New Roman" panose="02020603050405020304" pitchFamily="18" charset="0"/>
+                </a:endParaRPr>
+              </a:p>
+              <a:p>
+                <a:pPr marL="0" indent="0" algn="just">
+                  <a:buNone/>
+                </a:pPr>
+                <a:endParaRPr lang="en-IN" sz="2200" i="1" dirty="0">
+                  <a:latin typeface="Times New Roman" panose="02020603050405020304" pitchFamily="18" charset="0"/>
+                  <a:cs typeface="Times New Roman" panose="02020603050405020304" pitchFamily="18" charset="0"/>
+                </a:endParaRPr>
+              </a:p>
+              <a:p>
+                <a:pPr marL="0" indent="0" algn="just">
+                  <a:buNone/>
+                </a:pPr>
+                <a:r>
+                  <a:rPr lang="en-IN" sz="2200" i="1" dirty="0">
+                    <a:latin typeface="Times New Roman" panose="02020603050405020304" pitchFamily="18" charset="0"/>
+                    <a:cs typeface="Times New Roman" panose="02020603050405020304" pitchFamily="18" charset="0"/>
+                  </a:rPr>
+                  <a:t>Y-axis (True Positive Rate, TPR = Recall) = </a:t>
+                </a:r>
+                <a14:m>
+                  <m:oMath xmlns:m="http://schemas.openxmlformats.org/officeDocument/2006/math">
+                    <m:f>
+                      <m:fPr>
+                        <m:ctrlPr>
+                          <a:rPr lang="en-IN" i="1" smtClean="0">
+                            <a:latin typeface="Cambria Math" panose="02040503050406030204" pitchFamily="18" charset="0"/>
+                          </a:rPr>
+                        </m:ctrlPr>
+                      </m:fPr>
+                      <m:num>
+                        <m:r>
+                          <a:rPr lang="en-IN" b="0" i="1" smtClean="0">
+                            <a:latin typeface="Cambria Math" panose="02040503050406030204" pitchFamily="18" charset="0"/>
+                          </a:rPr>
+                          <m:t>𝑇𝑃</m:t>
+                        </m:r>
+                      </m:num>
+                      <m:den>
+                        <m:r>
+                          <a:rPr lang="en-IN" b="0" i="1" smtClean="0">
+                            <a:latin typeface="Cambria Math" panose="02040503050406030204" pitchFamily="18" charset="0"/>
+                          </a:rPr>
+                          <m:t>𝑇𝑃</m:t>
+                        </m:r>
+                        <m:r>
+                          <a:rPr lang="en-IN" b="0" i="1" smtClean="0">
+                            <a:latin typeface="Cambria Math" panose="02040503050406030204" pitchFamily="18" charset="0"/>
+                          </a:rPr>
+                          <m:t>+</m:t>
+                        </m:r>
+                        <m:r>
+                          <a:rPr lang="en-IN" b="0" i="1" smtClean="0">
+                            <a:latin typeface="Cambria Math" panose="02040503050406030204" pitchFamily="18" charset="0"/>
+                          </a:rPr>
+                          <m:t>𝐹𝑁</m:t>
+                        </m:r>
+                      </m:den>
+                    </m:f>
+                  </m:oMath>
+                </a14:m>
+                <a:endParaRPr lang="en-IN" sz="2200" i="1" dirty="0">
+                  <a:latin typeface="Times New Roman" panose="02020603050405020304" pitchFamily="18" charset="0"/>
+                  <a:cs typeface="Times New Roman" panose="02020603050405020304" pitchFamily="18" charset="0"/>
+                </a:endParaRPr>
+              </a:p>
+              <a:p>
+                <a:pPr marL="0" indent="0" algn="just">
+                  <a:buNone/>
+                </a:pPr>
+                <a:r>
+                  <a:rPr lang="en-IN" sz="2200" b="1" dirty="0">
+                    <a:latin typeface="Times New Roman" panose="02020603050405020304" pitchFamily="18" charset="0"/>
+                    <a:cs typeface="Times New Roman" panose="02020603050405020304" pitchFamily="18" charset="0"/>
+                  </a:rPr>
+                  <a:t>	Disease ( 5 people), Prediction (disease – 4, healthy – 1)</a:t>
+                </a:r>
+              </a:p>
+              <a:p>
+                <a:pPr marL="0" indent="0" algn="just">
+                  <a:buNone/>
+                </a:pPr>
+                <a:r>
+                  <a:rPr lang="en-IN" sz="2200" dirty="0">
+                    <a:latin typeface="Times New Roman" panose="02020603050405020304" pitchFamily="18" charset="0"/>
+                    <a:cs typeface="Times New Roman" panose="02020603050405020304" pitchFamily="18" charset="0"/>
+                  </a:rPr>
+                  <a:t>                   TPR = </a:t>
+                </a:r>
+                <a14:m>
+                  <m:oMath xmlns:m="http://schemas.openxmlformats.org/officeDocument/2006/math">
+                    <m:f>
+                      <m:fPr>
+                        <m:ctrlPr>
+                          <a:rPr lang="en-IN" sz="2400" i="1">
+                            <a:latin typeface="Cambria Math" panose="02040503050406030204" pitchFamily="18" charset="0"/>
+                            <a:cs typeface="Times New Roman" panose="02020603050405020304" pitchFamily="18" charset="0"/>
+                          </a:rPr>
+                        </m:ctrlPr>
+                      </m:fPr>
+                      <m:num>
+                        <m:r>
+                          <a:rPr lang="en-IN" sz="2400">
+                            <a:latin typeface="Cambria Math" panose="02040503050406030204" pitchFamily="18" charset="0"/>
+                            <a:cs typeface="Times New Roman" panose="02020603050405020304" pitchFamily="18" charset="0"/>
+                          </a:rPr>
+                          <m:t>4</m:t>
+                        </m:r>
+                      </m:num>
+                      <m:den>
+                        <m:r>
+                          <a:rPr lang="en-IN" sz="2400">
+                            <a:latin typeface="Cambria Math" panose="02040503050406030204" pitchFamily="18" charset="0"/>
+                            <a:cs typeface="Times New Roman" panose="02020603050405020304" pitchFamily="18" charset="0"/>
+                          </a:rPr>
+                          <m:t>4+1</m:t>
+                        </m:r>
+                      </m:den>
+                    </m:f>
+                    <m:r>
+                      <a:rPr lang="en-IN" sz="2400">
+                        <a:latin typeface="Cambria Math" panose="02040503050406030204" pitchFamily="18" charset="0"/>
+                        <a:cs typeface="Times New Roman" panose="02020603050405020304" pitchFamily="18" charset="0"/>
+                      </a:rPr>
+                      <m:t>=0.8</m:t>
+                    </m:r>
+                  </m:oMath>
+                </a14:m>
+                <a:endParaRPr lang="en-IN" sz="2200" dirty="0">
+                  <a:latin typeface="Times New Roman" panose="02020603050405020304" pitchFamily="18" charset="0"/>
+                  <a:cs typeface="Times New Roman" panose="02020603050405020304" pitchFamily="18" charset="0"/>
+                </a:endParaRPr>
+              </a:p>
+              <a:p>
+                <a:pPr marL="0" indent="0" algn="just">
+                  <a:buNone/>
+                </a:pPr>
+                <a:endParaRPr lang="en-IN" sz="2200" i="1" dirty="0">
+                  <a:latin typeface="Times New Roman" panose="02020603050405020304" pitchFamily="18" charset="0"/>
+                  <a:cs typeface="Times New Roman" panose="02020603050405020304" pitchFamily="18" charset="0"/>
+                </a:endParaRPr>
+              </a:p>
+              <a:p>
+                <a:pPr marL="0" indent="0" algn="just">
+                  <a:buNone/>
+                </a:pPr>
+                <a:r>
+                  <a:rPr lang="en-IN" sz="2200" i="1" dirty="0">
+                    <a:latin typeface="Times New Roman" panose="02020603050405020304" pitchFamily="18" charset="0"/>
+                    <a:cs typeface="Times New Roman" panose="02020603050405020304" pitchFamily="18" charset="0"/>
+                  </a:rPr>
+                  <a:t>            </a:t>
+                </a:r>
+              </a:p>
+            </p:txBody>
+          </p:sp>
+        </mc:Choice>
+        <mc:Fallback xmlns="">
+          <p:sp>
+            <p:nvSpPr>
+              <p:cNvPr id="3" name="Content Placeholder 2">
+                <a:extLst>
+                  <a:ext uri="{FF2B5EF4-FFF2-40B4-BE49-F238E27FC236}">
+                    <a16:creationId xmlns:a16="http://schemas.microsoft.com/office/drawing/2014/main" id="{EB622653-DDA4-0B42-C2FA-90EB6523B0CE}"/>
+                  </a:ext>
+                </a:extLst>
+              </p:cNvPr>
+              <p:cNvSpPr>
+                <a:spLocks noGrp="1" noRot="1" noChangeAspect="1" noMove="1" noResize="1" noEditPoints="1" noAdjustHandles="1" noChangeArrowheads="1" noChangeShapeType="1" noTextEdit="1"/>
+              </p:cNvSpPr>
+              <p:nvPr>
+                <p:ph idx="1"/>
+              </p:nvPr>
+            </p:nvSpPr>
+            <p:spPr>
+              <a:xfrm>
+                <a:off x="838200" y="1247776"/>
+                <a:ext cx="10515600" cy="5248274"/>
+              </a:xfrm>
+              <a:blipFill>
+                <a:blip r:embed="rId2"/>
+                <a:stretch>
+                  <a:fillRect l="-928" t="-1626"/>
+                </a:stretch>
+              </a:blipFill>
+            </p:spPr>
+            <p:txBody>
+              <a:bodyPr/>
+              <a:lstStyle/>
+              <a:p>
+                <a:r>
+                  <a:rPr lang="en-IN">
+                    <a:noFill/>
+                  </a:rPr>
+                  <a:t> </a:t>
+                </a:r>
+              </a:p>
+            </p:txBody>
+          </p:sp>
+        </mc:Fallback>
+      </mc:AlternateContent>
+    </p:spTree>
+    <p:extLst>
+      <p:ext uri="{BB962C8B-B14F-4D97-AF65-F5344CB8AC3E}">
+        <p14:creationId xmlns:p14="http://schemas.microsoft.com/office/powerpoint/2010/main" val="1517268302"/>
       </p:ext>
     </p:extLst>
   </p:cSld>
@@ -4275,6 +8246,763 @@
     <p:extLst>
       <p:ext uri="{BB962C8B-B14F-4D97-AF65-F5344CB8AC3E}">
         <p14:creationId xmlns:p14="http://schemas.microsoft.com/office/powerpoint/2010/main" val="3324269033"/>
+      </p:ext>
+    </p:extLst>
+  </p:cSld>
+  <p:clrMapOvr>
+    <a:masterClrMapping/>
+  </p:clrMapOvr>
+</p:sld>
+</file>
+
+<file path=ppt/slides/slide20.xml><?xml version="1.0" encoding="utf-8"?>
+<p:sld xmlns:a="http://schemas.openxmlformats.org/drawingml/2006/main" xmlns:r="http://schemas.openxmlformats.org/officeDocument/2006/relationships" xmlns:p="http://schemas.openxmlformats.org/presentationml/2006/main">
+  <p:cSld>
+    <p:spTree>
+      <p:nvGrpSpPr>
+        <p:cNvPr id="1" name="">
+          <a:extLst>
+            <a:ext uri="{FF2B5EF4-FFF2-40B4-BE49-F238E27FC236}">
+              <a16:creationId xmlns:a16="http://schemas.microsoft.com/office/drawing/2014/main" id="{5D3F9ED7-07D8-1781-C706-D58F48D5A3BE}"/>
+            </a:ext>
+          </a:extLst>
+        </p:cNvPr>
+        <p:cNvGrpSpPr/>
+        <p:nvPr/>
+      </p:nvGrpSpPr>
+      <p:grpSpPr>
+        <a:xfrm>
+          <a:off x="0" y="0"/>
+          <a:ext cx="0" cy="0"/>
+          <a:chOff x="0" y="0"/>
+          <a:chExt cx="0" cy="0"/>
+        </a:xfrm>
+      </p:grpSpPr>
+      <p:sp>
+        <p:nvSpPr>
+          <p:cNvPr id="2" name="Title 1">
+            <a:extLst>
+              <a:ext uri="{FF2B5EF4-FFF2-40B4-BE49-F238E27FC236}">
+                <a16:creationId xmlns:a16="http://schemas.microsoft.com/office/drawing/2014/main" id="{C64519BB-E2F8-CDBA-EC9D-927243261EE9}"/>
+              </a:ext>
+            </a:extLst>
+          </p:cNvPr>
+          <p:cNvSpPr>
+            <a:spLocks noGrp="1"/>
+          </p:cNvSpPr>
+          <p:nvPr>
+            <p:ph type="title"/>
+          </p:nvPr>
+        </p:nvSpPr>
+        <p:spPr>
+          <a:xfrm>
+            <a:off x="723900" y="98426"/>
+            <a:ext cx="10515600" cy="882650"/>
+          </a:xfrm>
+        </p:spPr>
+        <p:txBody>
+          <a:bodyPr>
+            <a:normAutofit/>
+          </a:bodyPr>
+          <a:lstStyle/>
+          <a:p>
+            <a:r>
+              <a:rPr lang="en-IN" sz="4000" dirty="0">
+                <a:latin typeface="Times New Roman" panose="02020603050405020304" pitchFamily="18" charset="0"/>
+                <a:cs typeface="Times New Roman" panose="02020603050405020304" pitchFamily="18" charset="0"/>
+              </a:rPr>
+              <a:t>ROC Curve Example</a:t>
+            </a:r>
+          </a:p>
+        </p:txBody>
+      </p:sp>
+      <p:sp>
+        <p:nvSpPr>
+          <p:cNvPr id="6" name="TextBox 5">
+            <a:extLst>
+              <a:ext uri="{FF2B5EF4-FFF2-40B4-BE49-F238E27FC236}">
+                <a16:creationId xmlns:a16="http://schemas.microsoft.com/office/drawing/2014/main" id="{7EE81A92-0E2C-5DC3-4F62-F3F3E6E153B4}"/>
+              </a:ext>
+            </a:extLst>
+          </p:cNvPr>
+          <p:cNvSpPr txBox="1"/>
+          <p:nvPr/>
+        </p:nvSpPr>
+        <p:spPr>
+          <a:xfrm>
+            <a:off x="4067175" y="965662"/>
+            <a:ext cx="4800600" cy="430887"/>
+          </a:xfrm>
+          <a:prstGeom prst="rect">
+            <a:avLst/>
+          </a:prstGeom>
+          <a:noFill/>
+        </p:spPr>
+        <p:txBody>
+          <a:bodyPr wrap="square" rtlCol="0">
+            <a:spAutoFit/>
+          </a:bodyPr>
+          <a:lstStyle/>
+          <a:p>
+            <a:pPr algn="just"/>
+            <a:r>
+              <a:rPr lang="en-IN" sz="2200" dirty="0">
+                <a:latin typeface="Times New Roman" panose="02020603050405020304" pitchFamily="18" charset="0"/>
+                <a:cs typeface="Times New Roman" panose="02020603050405020304" pitchFamily="18" charset="0"/>
+              </a:rPr>
+              <a:t>Blood level = 45 (threshold)</a:t>
+            </a:r>
+          </a:p>
+        </p:txBody>
+      </p:sp>
+      <p:pic>
+        <p:nvPicPr>
+          <p:cNvPr id="7" name="Picture 6" descr="A diagram of a graph showing a diagram of a healthy and diseased&#10;&#10;AI-generated content may be incorrect.">
+            <a:extLst>
+              <a:ext uri="{FF2B5EF4-FFF2-40B4-BE49-F238E27FC236}">
+                <a16:creationId xmlns:a16="http://schemas.microsoft.com/office/drawing/2014/main" id="{9A73923B-1E05-2C9C-CFB0-2760EC9AC390}"/>
+              </a:ext>
+            </a:extLst>
+          </p:cNvPr>
+          <p:cNvPicPr>
+            <a:picLocks noChangeAspect="1"/>
+          </p:cNvPicPr>
+          <p:nvPr/>
+        </p:nvPicPr>
+        <p:blipFill>
+          <a:blip r:embed="rId2">
+            <a:extLst>
+              <a:ext uri="{28A0092B-C50C-407E-A947-70E740481C1C}">
+                <a14:useLocalDpi xmlns:a14="http://schemas.microsoft.com/office/drawing/2010/main" val="0"/>
+              </a:ext>
+            </a:extLst>
+          </a:blip>
+          <a:stretch>
+            <a:fillRect/>
+          </a:stretch>
+        </p:blipFill>
+        <p:spPr>
+          <a:xfrm>
+            <a:off x="828675" y="1545312"/>
+            <a:ext cx="5267325" cy="2155379"/>
+          </a:xfrm>
+          <a:prstGeom prst="rect">
+            <a:avLst/>
+          </a:prstGeom>
+        </p:spPr>
+      </p:pic>
+      <p:sp>
+        <p:nvSpPr>
+          <p:cNvPr id="8" name="TextBox 7">
+            <a:extLst>
+              <a:ext uri="{FF2B5EF4-FFF2-40B4-BE49-F238E27FC236}">
+                <a16:creationId xmlns:a16="http://schemas.microsoft.com/office/drawing/2014/main" id="{5330281B-A4B1-86BC-0773-A4C5CF5595F5}"/>
+              </a:ext>
+            </a:extLst>
+          </p:cNvPr>
+          <p:cNvSpPr txBox="1"/>
+          <p:nvPr/>
+        </p:nvSpPr>
+        <p:spPr>
+          <a:xfrm>
+            <a:off x="6438900" y="1545312"/>
+            <a:ext cx="4800600" cy="1107996"/>
+          </a:xfrm>
+          <a:prstGeom prst="rect">
+            <a:avLst/>
+          </a:prstGeom>
+          <a:noFill/>
+        </p:spPr>
+        <p:txBody>
+          <a:bodyPr wrap="square" rtlCol="0">
+            <a:spAutoFit/>
+          </a:bodyPr>
+          <a:lstStyle/>
+          <a:p>
+            <a:pPr algn="just"/>
+            <a:r>
+              <a:rPr lang="en-IN" sz="2200" dirty="0">
+                <a:latin typeface="Times New Roman" panose="02020603050405020304" pitchFamily="18" charset="0"/>
+                <a:cs typeface="Times New Roman" panose="02020603050405020304" pitchFamily="18" charset="0"/>
+              </a:rPr>
+              <a:t>Correct classification = 4</a:t>
+            </a:r>
+          </a:p>
+          <a:p>
+            <a:pPr algn="just"/>
+            <a:r>
+              <a:rPr lang="en-IN" sz="2200" dirty="0">
+                <a:latin typeface="Times New Roman" panose="02020603050405020304" pitchFamily="18" charset="0"/>
+                <a:cs typeface="Times New Roman" panose="02020603050405020304" pitchFamily="18" charset="0"/>
+              </a:rPr>
+              <a:t>Misclassification = 1</a:t>
+            </a:r>
+          </a:p>
+          <a:p>
+            <a:pPr algn="just"/>
+            <a:r>
+              <a:rPr lang="en-IN" sz="2200" dirty="0">
+                <a:latin typeface="Times New Roman" panose="02020603050405020304" pitchFamily="18" charset="0"/>
+                <a:cs typeface="Times New Roman" panose="02020603050405020304" pitchFamily="18" charset="0"/>
+              </a:rPr>
+              <a:t>TPR = 0.8</a:t>
+            </a:r>
+          </a:p>
+        </p:txBody>
+      </p:sp>
+      <p:pic>
+        <p:nvPicPr>
+          <p:cNvPr id="10" name="Picture 9" descr="A diagram of a healthy heart disease&#10;&#10;AI-generated content may be incorrect.">
+            <a:extLst>
+              <a:ext uri="{FF2B5EF4-FFF2-40B4-BE49-F238E27FC236}">
+                <a16:creationId xmlns:a16="http://schemas.microsoft.com/office/drawing/2014/main" id="{80E028EB-96E4-CC14-CBF2-7E519C56F53F}"/>
+              </a:ext>
+            </a:extLst>
+          </p:cNvPr>
+          <p:cNvPicPr>
+            <a:picLocks noChangeAspect="1"/>
+          </p:cNvPicPr>
+          <p:nvPr/>
+        </p:nvPicPr>
+        <p:blipFill>
+          <a:blip r:embed="rId3">
+            <a:extLst>
+              <a:ext uri="{28A0092B-C50C-407E-A947-70E740481C1C}">
+                <a14:useLocalDpi xmlns:a14="http://schemas.microsoft.com/office/drawing/2010/main" val="0"/>
+              </a:ext>
+            </a:extLst>
+          </a:blip>
+          <a:stretch>
+            <a:fillRect/>
+          </a:stretch>
+        </p:blipFill>
+        <p:spPr>
+          <a:xfrm>
+            <a:off x="828675" y="4279386"/>
+            <a:ext cx="5133975" cy="2107317"/>
+          </a:xfrm>
+          <a:prstGeom prst="rect">
+            <a:avLst/>
+          </a:prstGeom>
+        </p:spPr>
+      </p:pic>
+      <p:sp>
+        <p:nvSpPr>
+          <p:cNvPr id="11" name="TextBox 10">
+            <a:extLst>
+              <a:ext uri="{FF2B5EF4-FFF2-40B4-BE49-F238E27FC236}">
+                <a16:creationId xmlns:a16="http://schemas.microsoft.com/office/drawing/2014/main" id="{6A2CB9D7-2AC5-6CE3-F078-5A11AF1BDD39}"/>
+              </a:ext>
+            </a:extLst>
+          </p:cNvPr>
+          <p:cNvSpPr txBox="1"/>
+          <p:nvPr/>
+        </p:nvSpPr>
+        <p:spPr>
+          <a:xfrm>
+            <a:off x="6362700" y="4536162"/>
+            <a:ext cx="4800600" cy="1107996"/>
+          </a:xfrm>
+          <a:prstGeom prst="rect">
+            <a:avLst/>
+          </a:prstGeom>
+          <a:noFill/>
+        </p:spPr>
+        <p:txBody>
+          <a:bodyPr wrap="square" rtlCol="0">
+            <a:spAutoFit/>
+          </a:bodyPr>
+          <a:lstStyle/>
+          <a:p>
+            <a:pPr algn="just"/>
+            <a:r>
+              <a:rPr lang="en-IN" sz="2200" dirty="0">
+                <a:latin typeface="Times New Roman" panose="02020603050405020304" pitchFamily="18" charset="0"/>
+                <a:cs typeface="Times New Roman" panose="02020603050405020304" pitchFamily="18" charset="0"/>
+              </a:rPr>
+              <a:t>Correct classification = 3</a:t>
+            </a:r>
+          </a:p>
+          <a:p>
+            <a:pPr algn="just"/>
+            <a:r>
+              <a:rPr lang="en-IN" sz="2200" dirty="0">
+                <a:latin typeface="Times New Roman" panose="02020603050405020304" pitchFamily="18" charset="0"/>
+                <a:cs typeface="Times New Roman" panose="02020603050405020304" pitchFamily="18" charset="0"/>
+              </a:rPr>
+              <a:t>Misclassification = 2</a:t>
+            </a:r>
+          </a:p>
+          <a:p>
+            <a:pPr algn="just"/>
+            <a:r>
+              <a:rPr lang="en-IN" sz="2200" dirty="0">
+                <a:latin typeface="Times New Roman" panose="02020603050405020304" pitchFamily="18" charset="0"/>
+                <a:cs typeface="Times New Roman" panose="02020603050405020304" pitchFamily="18" charset="0"/>
+              </a:rPr>
+              <a:t>FPR = 0.4</a:t>
+            </a:r>
+          </a:p>
+        </p:txBody>
+      </p:sp>
+    </p:spTree>
+    <p:extLst>
+      <p:ext uri="{BB962C8B-B14F-4D97-AF65-F5344CB8AC3E}">
+        <p14:creationId xmlns:p14="http://schemas.microsoft.com/office/powerpoint/2010/main" val="2173090487"/>
+      </p:ext>
+    </p:extLst>
+  </p:cSld>
+  <p:clrMapOvr>
+    <a:masterClrMapping/>
+  </p:clrMapOvr>
+</p:sld>
+</file>
+
+<file path=ppt/slides/slide21.xml><?xml version="1.0" encoding="utf-8"?>
+<p:sld xmlns:a="http://schemas.openxmlformats.org/drawingml/2006/main" xmlns:r="http://schemas.openxmlformats.org/officeDocument/2006/relationships" xmlns:p="http://schemas.openxmlformats.org/presentationml/2006/main">
+  <p:cSld>
+    <p:spTree>
+      <p:nvGrpSpPr>
+        <p:cNvPr id="1" name="">
+          <a:extLst>
+            <a:ext uri="{FF2B5EF4-FFF2-40B4-BE49-F238E27FC236}">
+              <a16:creationId xmlns:a16="http://schemas.microsoft.com/office/drawing/2014/main" id="{41E013EF-768D-EF40-F1ED-EEDF358032CB}"/>
+            </a:ext>
+          </a:extLst>
+        </p:cNvPr>
+        <p:cNvGrpSpPr/>
+        <p:nvPr/>
+      </p:nvGrpSpPr>
+      <p:grpSpPr>
+        <a:xfrm>
+          <a:off x="0" y="0"/>
+          <a:ext cx="0" cy="0"/>
+          <a:chOff x="0" y="0"/>
+          <a:chExt cx="0" cy="0"/>
+        </a:xfrm>
+      </p:grpSpPr>
+      <p:sp>
+        <p:nvSpPr>
+          <p:cNvPr id="2" name="Title 1">
+            <a:extLst>
+              <a:ext uri="{FF2B5EF4-FFF2-40B4-BE49-F238E27FC236}">
+                <a16:creationId xmlns:a16="http://schemas.microsoft.com/office/drawing/2014/main" id="{074EC049-CFB9-AA33-5087-80200AFE09A4}"/>
+              </a:ext>
+            </a:extLst>
+          </p:cNvPr>
+          <p:cNvSpPr>
+            <a:spLocks noGrp="1"/>
+          </p:cNvSpPr>
+          <p:nvPr>
+            <p:ph type="title"/>
+          </p:nvPr>
+        </p:nvSpPr>
+        <p:spPr>
+          <a:xfrm>
+            <a:off x="723900" y="98426"/>
+            <a:ext cx="10515600" cy="882650"/>
+          </a:xfrm>
+        </p:spPr>
+        <p:txBody>
+          <a:bodyPr>
+            <a:normAutofit/>
+          </a:bodyPr>
+          <a:lstStyle/>
+          <a:p>
+            <a:r>
+              <a:rPr lang="en-IN" sz="4000" dirty="0">
+                <a:latin typeface="Times New Roman" panose="02020603050405020304" pitchFamily="18" charset="0"/>
+                <a:cs typeface="Times New Roman" panose="02020603050405020304" pitchFamily="18" charset="0"/>
+              </a:rPr>
+              <a:t>ROC Curve Example</a:t>
+            </a:r>
+          </a:p>
+        </p:txBody>
+      </p:sp>
+      <p:pic>
+        <p:nvPicPr>
+          <p:cNvPr id="5" name="Picture 4" descr="A graph of a positive rate&#10;&#10;AI-generated content may be incorrect.">
+            <a:extLst>
+              <a:ext uri="{FF2B5EF4-FFF2-40B4-BE49-F238E27FC236}">
+                <a16:creationId xmlns:a16="http://schemas.microsoft.com/office/drawing/2014/main" id="{24439328-CA2C-E8CC-A1B7-DD63C069F7C2}"/>
+              </a:ext>
+            </a:extLst>
+          </p:cNvPr>
+          <p:cNvPicPr>
+            <a:picLocks noChangeAspect="1"/>
+          </p:cNvPicPr>
+          <p:nvPr/>
+        </p:nvPicPr>
+        <p:blipFill>
+          <a:blip r:embed="rId2">
+            <a:extLst>
+              <a:ext uri="{28A0092B-C50C-407E-A947-70E740481C1C}">
+                <a14:useLocalDpi xmlns:a14="http://schemas.microsoft.com/office/drawing/2010/main" val="0"/>
+              </a:ext>
+            </a:extLst>
+          </a:blip>
+          <a:stretch>
+            <a:fillRect/>
+          </a:stretch>
+        </p:blipFill>
+        <p:spPr>
+          <a:xfrm>
+            <a:off x="838200" y="1540208"/>
+            <a:ext cx="5596436" cy="4732006"/>
+          </a:xfrm>
+          <a:prstGeom prst="rect">
+            <a:avLst/>
+          </a:prstGeom>
+        </p:spPr>
+      </p:pic>
+      <p:sp>
+        <p:nvSpPr>
+          <p:cNvPr id="6" name="TextBox 5">
+            <a:extLst>
+              <a:ext uri="{FF2B5EF4-FFF2-40B4-BE49-F238E27FC236}">
+                <a16:creationId xmlns:a16="http://schemas.microsoft.com/office/drawing/2014/main" id="{25BFFF09-5522-E726-94BE-5407FC329CAD}"/>
+              </a:ext>
+            </a:extLst>
+          </p:cNvPr>
+          <p:cNvSpPr txBox="1"/>
+          <p:nvPr/>
+        </p:nvSpPr>
+        <p:spPr>
+          <a:xfrm>
+            <a:off x="6819900" y="1219200"/>
+            <a:ext cx="4800600" cy="2800767"/>
+          </a:xfrm>
+          <a:prstGeom prst="rect">
+            <a:avLst/>
+          </a:prstGeom>
+          <a:noFill/>
+        </p:spPr>
+        <p:txBody>
+          <a:bodyPr wrap="square" rtlCol="0">
+            <a:spAutoFit/>
+          </a:bodyPr>
+          <a:lstStyle/>
+          <a:p>
+            <a:pPr marL="342900" indent="-342900" algn="just">
+              <a:buFont typeface="Arial" panose="020B0604020202020204" pitchFamily="34" charset="0"/>
+              <a:buChar char="•"/>
+            </a:pPr>
+            <a:r>
+              <a:rPr lang="en-IN" sz="2200" dirty="0">
+                <a:latin typeface="Times New Roman" panose="02020603050405020304" pitchFamily="18" charset="0"/>
+                <a:cs typeface="Times New Roman" panose="02020603050405020304" pitchFamily="18" charset="0"/>
+              </a:rPr>
+              <a:t>If threshold = 0.9 → very few false positives, but may miss sick patients (low recall).</a:t>
+            </a:r>
+          </a:p>
+          <a:p>
+            <a:pPr marL="342900" indent="-342900" algn="just">
+              <a:buFont typeface="Arial" panose="020B0604020202020204" pitchFamily="34" charset="0"/>
+              <a:buChar char="•"/>
+            </a:pPr>
+            <a:r>
+              <a:rPr lang="en-IN" sz="2200" dirty="0">
+                <a:latin typeface="Times New Roman" panose="02020603050405020304" pitchFamily="18" charset="0"/>
+                <a:cs typeface="Times New Roman" panose="02020603050405020304" pitchFamily="18" charset="0"/>
+              </a:rPr>
+              <a:t>If threshold = 0.2 → catch almost all sick patients, but many false alarms.</a:t>
+            </a:r>
+          </a:p>
+          <a:p>
+            <a:pPr algn="just"/>
+            <a:endParaRPr lang="en-IN" sz="2200" dirty="0">
+              <a:latin typeface="Times New Roman" panose="02020603050405020304" pitchFamily="18" charset="0"/>
+              <a:cs typeface="Times New Roman" panose="02020603050405020304" pitchFamily="18" charset="0"/>
+            </a:endParaRPr>
+          </a:p>
+          <a:p>
+            <a:pPr algn="just"/>
+            <a:r>
+              <a:rPr lang="en-IN" sz="2200" dirty="0">
+                <a:latin typeface="Times New Roman" panose="02020603050405020304" pitchFamily="18" charset="0"/>
+                <a:cs typeface="Times New Roman" panose="02020603050405020304" pitchFamily="18" charset="0"/>
+              </a:rPr>
+              <a:t>ROC curve shows all these trade-offs in one graph.</a:t>
+            </a:r>
+          </a:p>
+        </p:txBody>
+      </p:sp>
+    </p:spTree>
+    <p:extLst>
+      <p:ext uri="{BB962C8B-B14F-4D97-AF65-F5344CB8AC3E}">
+        <p14:creationId xmlns:p14="http://schemas.microsoft.com/office/powerpoint/2010/main" val="219074740"/>
+      </p:ext>
+    </p:extLst>
+  </p:cSld>
+  <p:clrMapOvr>
+    <a:masterClrMapping/>
+  </p:clrMapOvr>
+</p:sld>
+</file>
+
+<file path=ppt/slides/slide22.xml><?xml version="1.0" encoding="utf-8"?>
+<p:sld xmlns:a="http://schemas.openxmlformats.org/drawingml/2006/main" xmlns:r="http://schemas.openxmlformats.org/officeDocument/2006/relationships" xmlns:p="http://schemas.openxmlformats.org/presentationml/2006/main">
+  <p:cSld>
+    <p:spTree>
+      <p:nvGrpSpPr>
+        <p:cNvPr id="1" name="">
+          <a:extLst>
+            <a:ext uri="{FF2B5EF4-FFF2-40B4-BE49-F238E27FC236}">
+              <a16:creationId xmlns:a16="http://schemas.microsoft.com/office/drawing/2014/main" id="{47397239-5FD5-F663-67D9-0557535C25B4}"/>
+            </a:ext>
+          </a:extLst>
+        </p:cNvPr>
+        <p:cNvGrpSpPr/>
+        <p:nvPr/>
+      </p:nvGrpSpPr>
+      <p:grpSpPr>
+        <a:xfrm>
+          <a:off x="0" y="0"/>
+          <a:ext cx="0" cy="0"/>
+          <a:chOff x="0" y="0"/>
+          <a:chExt cx="0" cy="0"/>
+        </a:xfrm>
+      </p:grpSpPr>
+      <p:sp>
+        <p:nvSpPr>
+          <p:cNvPr id="2" name="Title 1">
+            <a:extLst>
+              <a:ext uri="{FF2B5EF4-FFF2-40B4-BE49-F238E27FC236}">
+                <a16:creationId xmlns:a16="http://schemas.microsoft.com/office/drawing/2014/main" id="{020B8F19-C7AC-7A96-6E7B-5DA73C93A77E}"/>
+              </a:ext>
+            </a:extLst>
+          </p:cNvPr>
+          <p:cNvSpPr>
+            <a:spLocks noGrp="1"/>
+          </p:cNvSpPr>
+          <p:nvPr>
+            <p:ph type="title"/>
+          </p:nvPr>
+        </p:nvSpPr>
+        <p:spPr>
+          <a:xfrm>
+            <a:off x="723900" y="98426"/>
+            <a:ext cx="10515600" cy="882650"/>
+          </a:xfrm>
+        </p:spPr>
+        <p:txBody>
+          <a:bodyPr>
+            <a:normAutofit/>
+          </a:bodyPr>
+          <a:lstStyle/>
+          <a:p>
+            <a:r>
+              <a:rPr lang="en-IN" sz="4000" dirty="0">
+                <a:latin typeface="Times New Roman" panose="02020603050405020304" pitchFamily="18" charset="0"/>
+                <a:cs typeface="Times New Roman" panose="02020603050405020304" pitchFamily="18" charset="0"/>
+              </a:rPr>
+              <a:t>AUC (Area under the curve)</a:t>
+            </a:r>
+          </a:p>
+        </p:txBody>
+      </p:sp>
+      <p:pic>
+        <p:nvPicPr>
+          <p:cNvPr id="5" name="Picture 4">
+            <a:extLst>
+              <a:ext uri="{FF2B5EF4-FFF2-40B4-BE49-F238E27FC236}">
+                <a16:creationId xmlns:a16="http://schemas.microsoft.com/office/drawing/2014/main" id="{44D90E0E-EF11-DF32-86D6-31356D454CDC}"/>
+              </a:ext>
+            </a:extLst>
+          </p:cNvPr>
+          <p:cNvPicPr>
+            <a:picLocks noChangeAspect="1"/>
+          </p:cNvPicPr>
+          <p:nvPr/>
+        </p:nvPicPr>
+        <p:blipFill>
+          <a:blip r:embed="rId2">
+            <a:extLst>
+              <a:ext uri="{28A0092B-C50C-407E-A947-70E740481C1C}">
+                <a14:useLocalDpi xmlns:a14="http://schemas.microsoft.com/office/drawing/2010/main" val="0"/>
+              </a:ext>
+            </a:extLst>
+          </a:blip>
+          <a:srcRect/>
+          <a:stretch/>
+        </p:blipFill>
+        <p:spPr>
+          <a:xfrm>
+            <a:off x="838200" y="1808790"/>
+            <a:ext cx="5596436" cy="4194842"/>
+          </a:xfrm>
+          <a:prstGeom prst="rect">
+            <a:avLst/>
+          </a:prstGeom>
+        </p:spPr>
+      </p:pic>
+      <p:sp>
+        <p:nvSpPr>
+          <p:cNvPr id="6" name="TextBox 5">
+            <a:extLst>
+              <a:ext uri="{FF2B5EF4-FFF2-40B4-BE49-F238E27FC236}">
+                <a16:creationId xmlns:a16="http://schemas.microsoft.com/office/drawing/2014/main" id="{158F8E15-B904-1B3A-EA73-A0FFB4046A3F}"/>
+              </a:ext>
+            </a:extLst>
+          </p:cNvPr>
+          <p:cNvSpPr txBox="1"/>
+          <p:nvPr/>
+        </p:nvSpPr>
+        <p:spPr>
+          <a:xfrm>
+            <a:off x="6819900" y="1219200"/>
+            <a:ext cx="4800600" cy="2123658"/>
+          </a:xfrm>
+          <a:prstGeom prst="rect">
+            <a:avLst/>
+          </a:prstGeom>
+          <a:noFill/>
+        </p:spPr>
+        <p:txBody>
+          <a:bodyPr wrap="square" rtlCol="0">
+            <a:spAutoFit/>
+          </a:bodyPr>
+          <a:lstStyle/>
+          <a:p>
+            <a:pPr marL="342900" indent="-342900" algn="just">
+              <a:buFont typeface="Arial" panose="020B0604020202020204" pitchFamily="34" charset="0"/>
+              <a:buChar char="•"/>
+            </a:pPr>
+            <a:r>
+              <a:rPr lang="en-IN" sz="2200" dirty="0">
+                <a:latin typeface="Times New Roman" panose="02020603050405020304" pitchFamily="18" charset="0"/>
+                <a:cs typeface="Times New Roman" panose="02020603050405020304" pitchFamily="18" charset="0"/>
+              </a:rPr>
+              <a:t>A classification model is better the higher the curve is, the larger the area under the curve, the better the classifier.</a:t>
+            </a:r>
+          </a:p>
+          <a:p>
+            <a:pPr marL="342900" indent="-342900" algn="just">
+              <a:buFont typeface="Arial" panose="020B0604020202020204" pitchFamily="34" charset="0"/>
+              <a:buChar char="•"/>
+            </a:pPr>
+            <a:r>
+              <a:rPr lang="en-IN" sz="2200" dirty="0">
+                <a:latin typeface="Times New Roman" panose="02020603050405020304" pitchFamily="18" charset="0"/>
+                <a:cs typeface="Times New Roman" panose="02020603050405020304" pitchFamily="18" charset="0"/>
+              </a:rPr>
+              <a:t>The AUC value varies between 0 and 1</a:t>
+            </a:r>
+          </a:p>
+        </p:txBody>
+      </p:sp>
+    </p:spTree>
+    <p:extLst>
+      <p:ext uri="{BB962C8B-B14F-4D97-AF65-F5344CB8AC3E}">
+        <p14:creationId xmlns:p14="http://schemas.microsoft.com/office/powerpoint/2010/main" val="3299245605"/>
+      </p:ext>
+    </p:extLst>
+  </p:cSld>
+  <p:clrMapOvr>
+    <a:masterClrMapping/>
+  </p:clrMapOvr>
+</p:sld>
+</file>
+
+<file path=ppt/slides/slide23.xml><?xml version="1.0" encoding="utf-8"?>
+<p:sld xmlns:a="http://schemas.openxmlformats.org/drawingml/2006/main" xmlns:r="http://schemas.openxmlformats.org/officeDocument/2006/relationships" xmlns:p="http://schemas.openxmlformats.org/presentationml/2006/main">
+  <p:cSld>
+    <p:spTree>
+      <p:nvGrpSpPr>
+        <p:cNvPr id="1" name=""/>
+        <p:cNvGrpSpPr/>
+        <p:nvPr/>
+      </p:nvGrpSpPr>
+      <p:grpSpPr>
+        <a:xfrm>
+          <a:off x="0" y="0"/>
+          <a:ext cx="0" cy="0"/>
+          <a:chOff x="0" y="0"/>
+          <a:chExt cx="0" cy="0"/>
+        </a:xfrm>
+      </p:grpSpPr>
+      <p:sp>
+        <p:nvSpPr>
+          <p:cNvPr id="2" name="Title 1">
+            <a:extLst>
+              <a:ext uri="{FF2B5EF4-FFF2-40B4-BE49-F238E27FC236}">
+                <a16:creationId xmlns:a16="http://schemas.microsoft.com/office/drawing/2014/main" id="{12BAE668-70E7-282E-9ED8-43B6BE9F6EC4}"/>
+              </a:ext>
+            </a:extLst>
+          </p:cNvPr>
+          <p:cNvSpPr>
+            <a:spLocks noGrp="1"/>
+          </p:cNvSpPr>
+          <p:nvPr>
+            <p:ph type="title"/>
+          </p:nvPr>
+        </p:nvSpPr>
+        <p:spPr/>
+        <p:txBody>
+          <a:bodyPr>
+            <a:normAutofit/>
+          </a:bodyPr>
+          <a:lstStyle/>
+          <a:p>
+            <a:r>
+              <a:rPr lang="en-IN" sz="4000" dirty="0">
+                <a:latin typeface="Times New Roman" panose="02020603050405020304" pitchFamily="18" charset="0"/>
+                <a:cs typeface="Times New Roman" panose="02020603050405020304" pitchFamily="18" charset="0"/>
+              </a:rPr>
+              <a:t>References</a:t>
+            </a:r>
+          </a:p>
+        </p:txBody>
+      </p:sp>
+      <p:sp>
+        <p:nvSpPr>
+          <p:cNvPr id="3" name="Content Placeholder 2">
+            <a:extLst>
+              <a:ext uri="{FF2B5EF4-FFF2-40B4-BE49-F238E27FC236}">
+                <a16:creationId xmlns:a16="http://schemas.microsoft.com/office/drawing/2014/main" id="{DD89D34B-F3FB-B774-EC5C-F81F8C4F1EDB}"/>
+              </a:ext>
+            </a:extLst>
+          </p:cNvPr>
+          <p:cNvSpPr>
+            <a:spLocks noGrp="1"/>
+          </p:cNvSpPr>
+          <p:nvPr>
+            <p:ph idx="1"/>
+          </p:nvPr>
+        </p:nvSpPr>
+        <p:spPr/>
+        <p:txBody>
+          <a:bodyPr/>
+          <a:lstStyle/>
+          <a:p>
+            <a:r>
+              <a:rPr lang="en-IN" dirty="0">
+                <a:latin typeface="Times New Roman" panose="02020603050405020304" pitchFamily="18" charset="0"/>
+                <a:cs typeface="Times New Roman" panose="02020603050405020304" pitchFamily="18" charset="0"/>
+                <a:hlinkClick r:id="rId2"/>
+              </a:rPr>
+              <a:t>https://medium.com/@sahin.samia/ml-series-8-understanding-the-bias-variance-tradeoff-in-machine-learning-1182e78e4d2d</a:t>
+            </a:r>
+            <a:endParaRPr lang="en-IN" dirty="0">
+              <a:latin typeface="Times New Roman" panose="02020603050405020304" pitchFamily="18" charset="0"/>
+              <a:cs typeface="Times New Roman" panose="02020603050405020304" pitchFamily="18" charset="0"/>
+            </a:endParaRPr>
+          </a:p>
+          <a:p>
+            <a:r>
+              <a:rPr lang="en-IN" dirty="0">
+                <a:latin typeface="Times New Roman" panose="02020603050405020304" pitchFamily="18" charset="0"/>
+                <a:cs typeface="Times New Roman" panose="02020603050405020304" pitchFamily="18" charset="0"/>
+              </a:rPr>
+              <a:t>https://www.youtube.com/watch?v=EuBBz3bI-aA&amp;ab_channel=StatQuestwithJoshStarmer</a:t>
+            </a:r>
+          </a:p>
+        </p:txBody>
+      </p:sp>
+    </p:spTree>
+    <p:extLst>
+      <p:ext uri="{BB962C8B-B14F-4D97-AF65-F5344CB8AC3E}">
+        <p14:creationId xmlns:p14="http://schemas.microsoft.com/office/powerpoint/2010/main" val="4252853992"/>
       </p:ext>
     </p:extLst>
   </p:cSld>
